--- a/data-viz-01/component/recommendations.pptx
+++ b/data-viz-01/component/recommendations.pptx
@@ -5,7 +5,7 @@
     <p:sldMasterId id="2147483648" r:id="rId1"/>
   </p:sldMasterIdLst>
   <p:notesMasterIdLst>
-    <p:NotesMasterId r:id="rId12"/>
+    <p:NotesMasterId r:id="rId14"/>
   </p:notesMasterIdLst>
   <p:sldIdLst>
     <p:sldId id="256" r:id="rId2"/>
@@ -18,6 +18,8 @@
     <p:sldId id="263" r:id="rId9"/>
     <p:sldId id="264" r:id="rId10"/>
     <p:sldId id="265" r:id="rId11"/>
+    <p:sldId id="266" r:id="rId12"/>
+    <p:sldId id="267" r:id="rId13"/>
   </p:sldIdLst>
   <p:sldSz cx="9144000" cy="6858000" type="screen4x3"/>
   <p:notesSz cx="6858000" cy="9144000"/>
@@ -534,6 +536,960 @@
             </a:pPr>
             <a:r>
               <a:rPr/>
+              <a:t>Here</a:t>
+            </a:r>
+            <a:r>
+              <a:rPr/>
+              <a:t> </a:t>
+            </a:r>
+            <a:r>
+              <a:rPr/>
+              <a:t>are</a:t>
+            </a:r>
+            <a:r>
+              <a:rPr/>
+              <a:t> </a:t>
+            </a:r>
+            <a:r>
+              <a:rPr/>
+              <a:t>some</a:t>
+            </a:r>
+            <a:r>
+              <a:rPr/>
+              <a:t> </a:t>
+            </a:r>
+            <a:r>
+              <a:rPr/>
+              <a:t>general</a:t>
+            </a:r>
+            <a:r>
+              <a:rPr/>
+              <a:t> </a:t>
+            </a:r>
+            <a:r>
+              <a:rPr/>
+              <a:t>recommendations</a:t>
+            </a:r>
+            <a:r>
+              <a:rPr/>
+              <a:t> </a:t>
+            </a:r>
+            <a:r>
+              <a:rPr/>
+              <a:t>for</a:t>
+            </a:r>
+            <a:r>
+              <a:rPr/>
+              <a:t> </a:t>
+            </a:r>
+            <a:r>
+              <a:rPr/>
+              <a:t>scatterplots.</a:t>
+            </a:r>
+          </a:p>
+          <a:p>
+            <a:pPr lvl="0" marL="0" indent="0">
+              <a:buNone/>
+            </a:pPr>
+          </a:p>
+          <a:p>
+            <a:pPr lvl="0" marL="0" indent="0">
+              <a:buNone/>
+            </a:pPr>
+            <a:r>
+              <a:rPr/>
+              <a:t>First,</a:t>
+            </a:r>
+            <a:r>
+              <a:rPr/>
+              <a:t> </a:t>
+            </a:r>
+            <a:r>
+              <a:rPr/>
+              <a:t>if</a:t>
+            </a:r>
+            <a:r>
+              <a:rPr/>
+              <a:t> </a:t>
+            </a:r>
+            <a:r>
+              <a:rPr/>
+              <a:t>you</a:t>
+            </a:r>
+            <a:r>
+              <a:rPr/>
+              <a:t> </a:t>
+            </a:r>
+            <a:r>
+              <a:rPr/>
+              <a:t>have</a:t>
+            </a:r>
+            <a:r>
+              <a:rPr/>
+              <a:t> </a:t>
+            </a:r>
+            <a:r>
+              <a:rPr/>
+              <a:t>a</a:t>
+            </a:r>
+            <a:r>
+              <a:rPr/>
+              <a:t> </a:t>
+            </a:r>
+            <a:r>
+              <a:rPr/>
+              <a:t>lot</a:t>
+            </a:r>
+            <a:r>
+              <a:rPr/>
+              <a:t> </a:t>
+            </a:r>
+            <a:r>
+              <a:rPr/>
+              <a:t>of</a:t>
+            </a:r>
+            <a:r>
+              <a:rPr/>
+              <a:t> </a:t>
+            </a:r>
+            <a:r>
+              <a:rPr/>
+              <a:t>data,</a:t>
+            </a:r>
+            <a:r>
+              <a:rPr/>
+              <a:t> </a:t>
+            </a:r>
+            <a:r>
+              <a:rPr/>
+              <a:t>your</a:t>
+            </a:r>
+            <a:r>
+              <a:rPr/>
+              <a:t> </a:t>
+            </a:r>
+            <a:r>
+              <a:rPr/>
+              <a:t>scatterplot</a:t>
+            </a:r>
+            <a:r>
+              <a:rPr/>
+              <a:t> </a:t>
+            </a:r>
+            <a:r>
+              <a:rPr/>
+              <a:t>may</a:t>
+            </a:r>
+            <a:r>
+              <a:rPr/>
+              <a:t> </a:t>
+            </a:r>
+            <a:r>
+              <a:rPr/>
+              <a:t>look</a:t>
+            </a:r>
+            <a:r>
+              <a:rPr/>
+              <a:t> </a:t>
+            </a:r>
+            <a:r>
+              <a:rPr/>
+              <a:t>like</a:t>
+            </a:r>
+            <a:r>
+              <a:rPr/>
+              <a:t> </a:t>
+            </a:r>
+            <a:r>
+              <a:rPr/>
+              <a:t>a</a:t>
+            </a:r>
+            <a:r>
+              <a:rPr/>
+              <a:t> </a:t>
+            </a:r>
+            <a:r>
+              <a:rPr/>
+              <a:t>large</a:t>
+            </a:r>
+            <a:r>
+              <a:rPr/>
+              <a:t> </a:t>
+            </a:r>
+            <a:r>
+              <a:rPr/>
+              <a:t>black</a:t>
+            </a:r>
+            <a:r>
+              <a:rPr/>
+              <a:t> </a:t>
+            </a:r>
+            <a:r>
+              <a:rPr/>
+              <a:t>blob</a:t>
+            </a:r>
+            <a:r>
+              <a:rPr/>
+              <a:t> </a:t>
+            </a:r>
+            <a:r>
+              <a:rPr/>
+              <a:t>in</a:t>
+            </a:r>
+            <a:r>
+              <a:rPr/>
+              <a:t> </a:t>
+            </a:r>
+            <a:r>
+              <a:rPr/>
+              <a:t>one</a:t>
+            </a:r>
+            <a:r>
+              <a:rPr/>
+              <a:t> </a:t>
+            </a:r>
+            <a:r>
+              <a:rPr/>
+              <a:t>corner</a:t>
+            </a:r>
+            <a:r>
+              <a:rPr/>
+              <a:t> </a:t>
+            </a:r>
+            <a:r>
+              <a:rPr/>
+              <a:t>of</a:t>
+            </a:r>
+            <a:r>
+              <a:rPr/>
+              <a:t> </a:t>
+            </a:r>
+            <a:r>
+              <a:rPr/>
+              <a:t>your</a:t>
+            </a:r>
+            <a:r>
+              <a:rPr/>
+              <a:t> </a:t>
+            </a:r>
+            <a:r>
+              <a:rPr/>
+              <a:t>graph</a:t>
+            </a:r>
+            <a:r>
+              <a:rPr/>
+              <a:t> </a:t>
+            </a:r>
+            <a:r>
+              <a:rPr/>
+              <a:t>with</a:t>
+            </a:r>
+            <a:r>
+              <a:rPr/>
+              <a:t> </a:t>
+            </a:r>
+            <a:r>
+              <a:rPr/>
+              <a:t>a</a:t>
+            </a:r>
+            <a:r>
+              <a:rPr/>
+              <a:t> </a:t>
+            </a:r>
+            <a:r>
+              <a:rPr/>
+              <a:t>few</a:t>
+            </a:r>
+            <a:r>
+              <a:rPr/>
+              <a:t> </a:t>
+            </a:r>
+            <a:r>
+              <a:rPr/>
+              <a:t>stgray</a:t>
+            </a:r>
+            <a:r>
+              <a:rPr/>
+              <a:t> </a:t>
+            </a:r>
+            <a:r>
+              <a:rPr/>
+              <a:t>points</a:t>
+            </a:r>
+            <a:r>
+              <a:rPr/>
+              <a:t> </a:t>
+            </a:r>
+            <a:r>
+              <a:rPr/>
+              <a:t>in</a:t>
+            </a:r>
+            <a:r>
+              <a:rPr/>
+              <a:t> </a:t>
+            </a:r>
+            <a:r>
+              <a:rPr/>
+              <a:t>the</a:t>
+            </a:r>
+            <a:r>
+              <a:rPr/>
+              <a:t> </a:t>
+            </a:r>
+            <a:r>
+              <a:rPr/>
+              <a:t>other</a:t>
+            </a:r>
+            <a:r>
+              <a:rPr/>
+              <a:t> </a:t>
+            </a:r>
+            <a:r>
+              <a:rPr/>
+              <a:t>corners.</a:t>
+            </a:r>
+            <a:r>
+              <a:rPr/>
+              <a:t> </a:t>
+            </a:r>
+            <a:r>
+              <a:rPr/>
+              <a:t>Or</a:t>
+            </a:r>
+            <a:r>
+              <a:rPr/>
+              <a:t> </a:t>
+            </a:r>
+            <a:r>
+              <a:rPr/>
+              <a:t>it</a:t>
+            </a:r>
+            <a:r>
+              <a:rPr/>
+              <a:t> </a:t>
+            </a:r>
+            <a:r>
+              <a:rPr/>
+              <a:t>may</a:t>
+            </a:r>
+            <a:r>
+              <a:rPr/>
+              <a:t> </a:t>
+            </a:r>
+            <a:r>
+              <a:rPr/>
+              <a:t>look</a:t>
+            </a:r>
+            <a:r>
+              <a:rPr/>
+              <a:t> </a:t>
+            </a:r>
+            <a:r>
+              <a:rPr/>
+              <a:t>like</a:t>
+            </a:r>
+            <a:r>
+              <a:rPr/>
+              <a:t> </a:t>
+            </a:r>
+            <a:r>
+              <a:rPr/>
+              <a:t>a</a:t>
+            </a:r>
+            <a:r>
+              <a:rPr/>
+              <a:t> </a:t>
+            </a:r>
+            <a:r>
+              <a:rPr/>
+              <a:t>large</a:t>
+            </a:r>
+            <a:r>
+              <a:rPr/>
+              <a:t> </a:t>
+            </a:r>
+            <a:r>
+              <a:rPr/>
+              <a:t>elliptical</a:t>
+            </a:r>
+            <a:r>
+              <a:rPr/>
+              <a:t> </a:t>
+            </a:r>
+            <a:r>
+              <a:rPr/>
+              <a:t>blob</a:t>
+            </a:r>
+            <a:r>
+              <a:rPr/>
+              <a:t> </a:t>
+            </a:r>
+            <a:r>
+              <a:rPr/>
+              <a:t>in</a:t>
+            </a:r>
+            <a:r>
+              <a:rPr/>
+              <a:t> </a:t>
+            </a:r>
+            <a:r>
+              <a:rPr/>
+              <a:t>the</a:t>
+            </a:r>
+            <a:r>
+              <a:rPr/>
+              <a:t> </a:t>
+            </a:r>
+            <a:r>
+              <a:rPr/>
+              <a:t>center</a:t>
+            </a:r>
+            <a:r>
+              <a:rPr/>
+              <a:t> </a:t>
+            </a:r>
+            <a:r>
+              <a:rPr/>
+              <a:t>of</a:t>
+            </a:r>
+            <a:r>
+              <a:rPr/>
+              <a:t> </a:t>
+            </a:r>
+            <a:r>
+              <a:rPr/>
+              <a:t>the</a:t>
+            </a:r>
+            <a:r>
+              <a:rPr/>
+              <a:t> </a:t>
+            </a:r>
+            <a:r>
+              <a:rPr/>
+              <a:t>graph.</a:t>
+            </a:r>
+            <a:r>
+              <a:rPr/>
+              <a:t> </a:t>
+            </a:r>
+            <a:r>
+              <a:rPr/>
+              <a:t>Either</a:t>
+            </a:r>
+            <a:r>
+              <a:rPr/>
+              <a:t> </a:t>
+            </a:r>
+            <a:r>
+              <a:rPr/>
+              <a:t>way,</a:t>
+            </a:r>
+            <a:r>
+              <a:rPr/>
+              <a:t> </a:t>
+            </a:r>
+            <a:r>
+              <a:rPr/>
+              <a:t>there</a:t>
+            </a:r>
+            <a:r>
+              <a:rPr/>
+              <a:t> </a:t>
+            </a:r>
+            <a:r>
+              <a:rPr/>
+              <a:t>are</a:t>
+            </a:r>
+            <a:r>
+              <a:rPr/>
+              <a:t> </a:t>
+            </a:r>
+            <a:r>
+              <a:rPr/>
+              <a:t>several</a:t>
+            </a:r>
+            <a:r>
+              <a:rPr/>
+              <a:t> </a:t>
+            </a:r>
+            <a:r>
+              <a:rPr/>
+              <a:t>strategies</a:t>
+            </a:r>
+            <a:r>
+              <a:rPr/>
+              <a:t> </a:t>
+            </a:r>
+            <a:r>
+              <a:rPr/>
+              <a:t>to</a:t>
+            </a:r>
+            <a:r>
+              <a:rPr/>
+              <a:t> </a:t>
+            </a:r>
+            <a:r>
+              <a:rPr/>
+              <a:t>help</a:t>
+            </a:r>
+            <a:r>
+              <a:rPr/>
+              <a:t> </a:t>
+            </a:r>
+            <a:r>
+              <a:rPr/>
+              <a:t>you</a:t>
+            </a:r>
+            <a:r>
+              <a:rPr/>
+              <a:t> </a:t>
+            </a:r>
+            <a:r>
+              <a:rPr/>
+              <a:t>see</a:t>
+            </a:r>
+            <a:r>
+              <a:rPr/>
+              <a:t> </a:t>
+            </a:r>
+            <a:r>
+              <a:rPr/>
+              <a:t>patterns</a:t>
+            </a:r>
+            <a:r>
+              <a:rPr/>
+              <a:t> </a:t>
+            </a:r>
+            <a:r>
+              <a:rPr/>
+              <a:t>that</a:t>
+            </a:r>
+            <a:r>
+              <a:rPr/>
+              <a:t> </a:t>
+            </a:r>
+            <a:r>
+              <a:rPr/>
+              <a:t>might</a:t>
+            </a:r>
+            <a:r>
+              <a:rPr/>
+              <a:t> </a:t>
+            </a:r>
+            <a:r>
+              <a:rPr/>
+              <a:t>otherwise</a:t>
+            </a:r>
+            <a:r>
+              <a:rPr/>
+              <a:t> </a:t>
+            </a:r>
+            <a:r>
+              <a:rPr/>
+              <a:t>be</a:t>
+            </a:r>
+            <a:r>
+              <a:rPr/>
+              <a:t> </a:t>
+            </a:r>
+            <a:r>
+              <a:rPr/>
+              <a:t>lost</a:t>
+            </a:r>
+            <a:r>
+              <a:rPr/>
+              <a:t> </a:t>
+            </a:r>
+            <a:r>
+              <a:rPr/>
+              <a:t>with</a:t>
+            </a:r>
+            <a:r>
+              <a:rPr/>
+              <a:t> </a:t>
+            </a:r>
+            <a:r>
+              <a:rPr/>
+              <a:t>overprinting.</a:t>
+            </a:r>
+          </a:p>
+          <a:p>
+            <a:pPr lvl="0" marL="0" indent="0">
+              <a:buNone/>
+            </a:pPr>
+          </a:p>
+          <a:p>
+            <a:pPr lvl="0" marL="0" indent="0">
+              <a:buNone/>
+            </a:pPr>
+            <a:r>
+              <a:rPr/>
+              <a:t>Another</a:t>
+            </a:r>
+            <a:r>
+              <a:rPr/>
+              <a:t> </a:t>
+            </a:r>
+            <a:r>
+              <a:rPr/>
+              <a:t>important</a:t>
+            </a:r>
+            <a:r>
+              <a:rPr/>
+              <a:t> </a:t>
+            </a:r>
+            <a:r>
+              <a:rPr/>
+              <a:t>lesson</a:t>
+            </a:r>
+            <a:r>
+              <a:rPr/>
+              <a:t> </a:t>
+            </a:r>
+            <a:r>
+              <a:rPr/>
+              <a:t>is</a:t>
+            </a:r>
+            <a:r>
+              <a:rPr/>
+              <a:t> </a:t>
+            </a:r>
+            <a:r>
+              <a:rPr/>
+              <a:t>to</a:t>
+            </a:r>
+            <a:r>
+              <a:rPr/>
+              <a:t> </a:t>
+            </a:r>
+            <a:r>
+              <a:rPr/>
+              <a:t>not</a:t>
+            </a:r>
+            <a:r>
+              <a:rPr/>
+              <a:t> </a:t>
+            </a:r>
+            <a:r>
+              <a:rPr/>
+              <a:t>let</a:t>
+            </a:r>
+            <a:r>
+              <a:rPr/>
+              <a:t> </a:t>
+            </a:r>
+            <a:r>
+              <a:rPr/>
+              <a:t>both</a:t>
+            </a:r>
+            <a:r>
+              <a:rPr/>
+              <a:t> </a:t>
+            </a:r>
+            <a:r>
+              <a:rPr/>
+              <a:t>the</a:t>
+            </a:r>
+            <a:r>
+              <a:rPr/>
+              <a:t> </a:t>
+            </a:r>
+            <a:r>
+              <a:rPr/>
+              <a:t>size</a:t>
+            </a:r>
+            <a:r>
+              <a:rPr/>
+              <a:t> </a:t>
+            </a:r>
+            <a:r>
+              <a:rPr/>
+              <a:t>and</a:t>
+            </a:r>
+            <a:r>
+              <a:rPr/>
+              <a:t> </a:t>
+            </a:r>
+            <a:r>
+              <a:rPr/>
+              <a:t>the</a:t>
+            </a:r>
+            <a:r>
+              <a:rPr/>
+              <a:t> </a:t>
+            </a:r>
+            <a:r>
+              <a:rPr/>
+              <a:t>shape</a:t>
+            </a:r>
+            <a:r>
+              <a:rPr/>
+              <a:t> </a:t>
+            </a:r>
+            <a:r>
+              <a:rPr/>
+              <a:t>aesthetic</a:t>
+            </a:r>
+            <a:r>
+              <a:rPr/>
+              <a:t> </a:t>
+            </a:r>
+            <a:r>
+              <a:rPr/>
+              <a:t>to</a:t>
+            </a:r>
+            <a:r>
+              <a:rPr/>
+              <a:t> </a:t>
+            </a:r>
+            <a:r>
+              <a:rPr/>
+              <a:t>vary</a:t>
+            </a:r>
+            <a:r>
+              <a:rPr/>
+              <a:t> </a:t>
+            </a:r>
+            <a:r>
+              <a:rPr/>
+              <a:t>within</a:t>
+            </a:r>
+            <a:r>
+              <a:rPr/>
+              <a:t> </a:t>
+            </a:r>
+            <a:r>
+              <a:rPr/>
+              <a:t>the</a:t>
+            </a:r>
+            <a:r>
+              <a:rPr/>
+              <a:t> </a:t>
+            </a:r>
+            <a:r>
+              <a:rPr/>
+              <a:t>same</a:t>
+            </a:r>
+            <a:r>
+              <a:rPr/>
+              <a:t> </a:t>
+            </a:r>
+            <a:r>
+              <a:rPr/>
+              <a:t>graph.</a:t>
+            </a:r>
+            <a:r>
+              <a:rPr/>
+              <a:t> </a:t>
+            </a:r>
+            <a:r>
+              <a:rPr/>
+              <a:t>At</a:t>
+            </a:r>
+            <a:r>
+              <a:rPr/>
+              <a:t> </a:t>
+            </a:r>
+            <a:r>
+              <a:rPr/>
+              <a:t>the</a:t>
+            </a:r>
+            <a:r>
+              <a:rPr/>
+              <a:t> </a:t>
+            </a:r>
+            <a:r>
+              <a:rPr/>
+              <a:t>same</a:t>
+            </a:r>
+            <a:r>
+              <a:rPr/>
+              <a:t> </a:t>
+            </a:r>
+            <a:r>
+              <a:rPr/>
+              <a:t>time,</a:t>
+            </a:r>
+            <a:r>
+              <a:rPr/>
+              <a:t> </a:t>
+            </a:r>
+            <a:r>
+              <a:rPr/>
+              <a:t>you</a:t>
+            </a:r>
+            <a:r>
+              <a:rPr/>
+              <a:t> </a:t>
+            </a:r>
+            <a:r>
+              <a:rPr/>
+              <a:t>can</a:t>
+            </a:r>
+            <a:r>
+              <a:rPr/>
+              <a:t> </a:t>
+            </a:r>
+            <a:r>
+              <a:rPr/>
+              <a:t>sometimes</a:t>
+            </a:r>
+            <a:r>
+              <a:rPr/>
+              <a:t> </a:t>
+            </a:r>
+            <a:r>
+              <a:rPr/>
+              <a:t>double</a:t>
+            </a:r>
+            <a:r>
+              <a:rPr/>
+              <a:t> </a:t>
+            </a:r>
+            <a:r>
+              <a:rPr/>
+              <a:t>up</a:t>
+            </a:r>
+            <a:r>
+              <a:rPr/>
+              <a:t> </a:t>
+            </a:r>
+            <a:r>
+              <a:rPr/>
+              <a:t>aesthetics,</a:t>
+            </a:r>
+            <a:r>
+              <a:rPr/>
+              <a:t> </a:t>
+            </a:r>
+            <a:r>
+              <a:rPr/>
+              <a:t>letting</a:t>
+            </a:r>
+            <a:r>
+              <a:rPr/>
+              <a:t> </a:t>
+            </a:r>
+            <a:r>
+              <a:rPr/>
+              <a:t>both</a:t>
+            </a:r>
+            <a:r>
+              <a:rPr/>
+              <a:t> </a:t>
+            </a:r>
+            <a:r>
+              <a:rPr/>
+              <a:t>the</a:t>
+            </a:r>
+            <a:r>
+              <a:rPr/>
+              <a:t> </a:t>
+            </a:r>
+            <a:r>
+              <a:rPr/>
+              <a:t>shape</a:t>
+            </a:r>
+            <a:r>
+              <a:rPr/>
+              <a:t> </a:t>
+            </a:r>
+            <a:r>
+              <a:rPr/>
+              <a:t>and</a:t>
+            </a:r>
+            <a:r>
+              <a:rPr/>
+              <a:t> </a:t>
+            </a:r>
+            <a:r>
+              <a:rPr/>
+              <a:t>the</a:t>
+            </a:r>
+            <a:r>
+              <a:rPr/>
+              <a:t> </a:t>
+            </a:r>
+            <a:r>
+              <a:rPr/>
+              <a:t>color,</a:t>
+            </a:r>
+            <a:r>
+              <a:rPr/>
+              <a:t> </a:t>
+            </a:r>
+            <a:r>
+              <a:rPr/>
+              <a:t>for</a:t>
+            </a:r>
+            <a:r>
+              <a:rPr/>
+              <a:t> </a:t>
+            </a:r>
+            <a:r>
+              <a:rPr/>
+              <a:t>example,</a:t>
+            </a:r>
+            <a:r>
+              <a:rPr/>
+              <a:t> </a:t>
+            </a:r>
+            <a:r>
+              <a:rPr/>
+              <a:t>to</a:t>
+            </a:r>
+            <a:r>
+              <a:rPr/>
+              <a:t> </a:t>
+            </a:r>
+            <a:r>
+              <a:rPr/>
+              <a:t>both</a:t>
+            </a:r>
+            <a:r>
+              <a:rPr/>
+              <a:t> </a:t>
+            </a:r>
+            <a:r>
+              <a:rPr/>
+              <a:t>represent</a:t>
+            </a:r>
+            <a:r>
+              <a:rPr/>
+              <a:t> </a:t>
+            </a:r>
+            <a:r>
+              <a:rPr/>
+              <a:t>the</a:t>
+            </a:r>
+            <a:r>
+              <a:rPr/>
+              <a:t> </a:t>
+            </a:r>
+            <a:r>
+              <a:rPr/>
+              <a:t>same</a:t>
+            </a:r>
+            <a:r>
+              <a:rPr/>
+              <a:t> </a:t>
+            </a:r>
+            <a:r>
+              <a:rPr/>
+              <a:t>variable.</a:t>
+            </a:r>
+          </a:p>
+          <a:p>
+            <a:pPr lvl="0" marL="0" indent="0">
+              <a:buNone/>
+            </a:pPr>
+          </a:p>
+          <a:p>
+            <a:pPr lvl="0" marL="0" indent="0">
+              <a:buNone/>
+            </a:pPr>
+            <a:r>
+              <a:rPr/>
               <a:t>The</a:t>
             </a:r>
             <a:r>
@@ -542,7 +1498,31 @@
             </a:r>
             <a:r>
               <a:rPr/>
-              <a:t>plots</a:t>
+              <a:t>other</a:t>
+            </a:r>
+            <a:r>
+              <a:rPr/>
+              <a:t> </a:t>
+            </a:r>
+            <a:r>
+              <a:rPr/>
+              <a:t>important</a:t>
+            </a:r>
+            <a:r>
+              <a:rPr/>
+              <a:t> </a:t>
+            </a:r>
+            <a:r>
+              <a:rPr/>
+              <a:t>issue</a:t>
+            </a:r>
+            <a:r>
+              <a:rPr/>
+              <a:t> </a:t>
+            </a:r>
+            <a:r>
+              <a:rPr/>
+              <a:t>is</a:t>
             </a:r>
             <a:r>
               <a:rPr/>
@@ -558,119 +1538,15 @@
             </a:r>
             <a:r>
               <a:rPr/>
-              <a:t>you</a:t>
-            </a:r>
-            <a:r>
-              <a:rPr/>
-              <a:t> </a:t>
-            </a:r>
-            <a:r>
-              <a:rPr/>
-              <a:t>have</a:t>
-            </a:r>
-            <a:r>
-              <a:rPr/>
-              <a:t> </a:t>
-            </a:r>
-            <a:r>
-              <a:rPr/>
-              <a:t>drawn</a:t>
-            </a:r>
-            <a:r>
-              <a:rPr/>
-              <a:t> </a:t>
-            </a:r>
-            <a:r>
-              <a:rPr/>
-              <a:t>tend</a:t>
-            </a:r>
-            <a:r>
-              <a:rPr/>
-              <a:t> </a:t>
-            </a:r>
-            <a:r>
-              <a:rPr/>
-              <a:t>to</a:t>
-            </a:r>
-            <a:r>
-              <a:rPr/>
-              <a:t> </a:t>
-            </a:r>
-            <a:r>
-              <a:rPr/>
-              <a:t>have</a:t>
-            </a:r>
-            <a:r>
-              <a:rPr/>
-              <a:t> </a:t>
-            </a:r>
-            <a:r>
-              <a:rPr/>
-              <a:t>difficulty</a:t>
-            </a:r>
-            <a:r>
-              <a:rPr/>
-              <a:t> </a:t>
-            </a:r>
-            <a:r>
-              <a:rPr/>
-              <a:t>with</a:t>
-            </a:r>
-            <a:r>
-              <a:rPr/>
-              <a:t> </a:t>
-            </a:r>
-            <a:r>
-              <a:rPr/>
-              <a:t>overprinting.</a:t>
-            </a:r>
-            <a:r>
-              <a:rPr/>
-              <a:t> </a:t>
-            </a:r>
-            <a:r>
-              <a:rPr/>
-              <a:t>Too</a:t>
-            </a:r>
-            <a:r>
-              <a:rPr/>
-              <a:t> </a:t>
-            </a:r>
-            <a:r>
-              <a:rPr/>
-              <a:t>many</a:t>
-            </a:r>
-            <a:r>
-              <a:rPr/>
-              <a:t> </a:t>
-            </a:r>
-            <a:r>
-              <a:rPr/>
-              <a:t>data</a:t>
-            </a:r>
-            <a:r>
-              <a:rPr/>
-              <a:t> </a:t>
-            </a:r>
-            <a:r>
-              <a:rPr/>
-              <a:t>points</a:t>
-            </a:r>
-            <a:r>
-              <a:rPr/>
-              <a:t> </a:t>
-            </a:r>
-            <a:r>
-              <a:rPr/>
-              <a:t>crammed</a:t>
-            </a:r>
-            <a:r>
-              <a:rPr/>
-              <a:t> </a:t>
-            </a:r>
-            <a:r>
-              <a:rPr/>
-              <a:t>into</a:t>
+              <a:t>shape</a:t>
+            </a:r>
+            <a:r>
+              <a:rPr/>
+              <a:t> </a:t>
+            </a:r>
+            <a:r>
+              <a:rPr/>
+              <a:t>is</a:t>
             </a:r>
             <a:r>
               <a:rPr/>
@@ -686,63 +1562,63 @@
             </a:r>
             <a:r>
               <a:rPr/>
-              <a:t>small</a:t>
-            </a:r>
-            <a:r>
-              <a:rPr/>
-              <a:t> </a:t>
-            </a:r>
-            <a:r>
-              <a:rPr/>
-              <a:t>area</a:t>
-            </a:r>
-            <a:r>
-              <a:rPr/>
-              <a:t> </a:t>
-            </a:r>
-            <a:r>
-              <a:rPr/>
-              <a:t>produces</a:t>
-            </a:r>
-            <a:r>
-              <a:rPr/>
-              <a:t> </a:t>
-            </a:r>
-            <a:r>
-              <a:rPr/>
-              <a:t>a</a:t>
-            </a:r>
-            <a:r>
-              <a:rPr/>
-              <a:t> </a:t>
-            </a:r>
-            <a:r>
-              <a:rPr/>
-              <a:t>large</a:t>
-            </a:r>
-            <a:r>
-              <a:rPr/>
-              <a:t> </a:t>
-            </a:r>
-            <a:r>
-              <a:rPr/>
-              <a:t>solid</a:t>
-            </a:r>
-            <a:r>
-              <a:rPr/>
-              <a:t> </a:t>
-            </a:r>
-            <a:r>
-              <a:rPr/>
-              <a:t>blob</a:t>
-            </a:r>
-            <a:r>
-              <a:rPr/>
-              <a:t> </a:t>
-            </a:r>
-            <a:r>
-              <a:rPr/>
-              <a:t>that</a:t>
+              <a:t>useful</a:t>
+            </a:r>
+            <a:r>
+              <a:rPr/>
+              <a:t> </a:t>
+            </a:r>
+            <a:r>
+              <a:rPr/>
+              <a:t>aesthetic</a:t>
+            </a:r>
+            <a:r>
+              <a:rPr/>
+              <a:t> </a:t>
+            </a:r>
+            <a:r>
+              <a:rPr/>
+              <a:t>only</a:t>
+            </a:r>
+            <a:r>
+              <a:rPr/>
+              <a:t> </a:t>
+            </a:r>
+            <a:r>
+              <a:rPr/>
+              <a:t>for</a:t>
+            </a:r>
+            <a:r>
+              <a:rPr/>
+              <a:t> </a:t>
+            </a:r>
+            <a:r>
+              <a:rPr/>
+              <a:t>categorical</a:t>
+            </a:r>
+            <a:r>
+              <a:rPr/>
+              <a:t> </a:t>
+            </a:r>
+            <a:r>
+              <a:rPr/>
+              <a:t>data,</a:t>
+            </a:r>
+            <a:r>
+              <a:rPr/>
+              <a:t> </a:t>
+            </a:r>
+            <a:r>
+              <a:rPr/>
+              <a:t>while</a:t>
+            </a:r>
+            <a:r>
+              <a:rPr/>
+              <a:t> </a:t>
+            </a:r>
+            <a:r>
+              <a:rPr/>
+              <a:t>size</a:t>
             </a:r>
             <a:r>
               <a:rPr/>
@@ -758,119 +1634,39 @@
             </a:r>
             <a:r>
               <a:rPr/>
-              <a:t>hard</a:t>
-            </a:r>
-            <a:r>
-              <a:rPr/>
-              <a:t> </a:t>
-            </a:r>
-            <a:r>
-              <a:rPr/>
-              <a:t>to</a:t>
-            </a:r>
-            <a:r>
-              <a:rPr/>
-              <a:t> </a:t>
-            </a:r>
-            <a:r>
-              <a:rPr/>
-              <a:t>interpret.</a:t>
-            </a:r>
-            <a:r>
-              <a:rPr/>
-              <a:t> </a:t>
-            </a:r>
-            <a:r>
-              <a:rPr/>
-              <a:t>There</a:t>
-            </a:r>
-            <a:r>
-              <a:rPr/>
-              <a:t> </a:t>
-            </a:r>
-            <a:r>
-              <a:rPr/>
-              <a:t>are</a:t>
-            </a:r>
-            <a:r>
-              <a:rPr/>
-              <a:t> </a:t>
-            </a:r>
-            <a:r>
-              <a:rPr/>
-              <a:t>three</a:t>
-            </a:r>
-            <a:r>
-              <a:rPr/>
-              <a:t> </a:t>
-            </a:r>
-            <a:r>
-              <a:rPr/>
-              <a:t>possible</a:t>
-            </a:r>
-            <a:r>
-              <a:rPr/>
-              <a:t> </a:t>
-            </a:r>
-            <a:r>
-              <a:rPr/>
-              <a:t>solutions:</a:t>
-            </a:r>
-            <a:r>
-              <a:rPr/>
-              <a:t> </a:t>
-            </a:r>
-            <a:r>
-              <a:rPr/>
-              <a:t>opacity,</a:t>
-            </a:r>
-            <a:r>
-              <a:rPr/>
-              <a:t> </a:t>
-            </a:r>
-            <a:r>
-              <a:rPr/>
-              <a:t>small</a:t>
-            </a:r>
-            <a:r>
-              <a:rPr/>
-              <a:t> </a:t>
-            </a:r>
-            <a:r>
-              <a:rPr/>
-              <a:t>points,</a:t>
-            </a:r>
-            <a:r>
-              <a:rPr/>
-              <a:t> </a:t>
-            </a:r>
-            <a:r>
-              <a:rPr/>
-              <a:t>and</a:t>
-            </a:r>
-            <a:r>
-              <a:rPr/>
-              <a:t> </a:t>
-            </a:r>
-            <a:r>
-              <a:rPr/>
-              <a:t>a</a:t>
-            </a:r>
-            <a:r>
-              <a:rPr/>
-              <a:t> </a:t>
-            </a:r>
-            <a:r>
-              <a:rPr/>
-              <a:t>log</a:t>
-            </a:r>
-            <a:r>
-              <a:rPr/>
-              <a:t> </a:t>
-            </a:r>
-            <a:r>
-              <a:rPr/>
-              <a:t>scale.</a:t>
+              <a:t>only</a:t>
+            </a:r>
+            <a:r>
+              <a:rPr/>
+              <a:t> </a:t>
+            </a:r>
+            <a:r>
+              <a:rPr/>
+              <a:t>good</a:t>
+            </a:r>
+            <a:r>
+              <a:rPr/>
+              <a:t> </a:t>
+            </a:r>
+            <a:r>
+              <a:rPr/>
+              <a:t>for</a:t>
+            </a:r>
+            <a:r>
+              <a:rPr/>
+              <a:t> </a:t>
+            </a:r>
+            <a:r>
+              <a:rPr/>
+              <a:t>continuous</a:t>
+            </a:r>
+            <a:r>
+              <a:rPr/>
+              <a:t> </a:t>
+            </a:r>
+            <a:r>
+              <a:rPr/>
+              <a:t>variables.</a:t>
             </a:r>
           </a:p>
         </p:txBody>
@@ -952,7 +1748,23 @@
             </a:pPr>
             <a:r>
               <a:rPr/>
-              <a:t>If</a:t>
+              <a:t>The</a:t>
+            </a:r>
+            <a:r>
+              <a:rPr/>
+              <a:t> </a:t>
+            </a:r>
+            <a:r>
+              <a:rPr/>
+              <a:t>plots</a:t>
+            </a:r>
+            <a:r>
+              <a:rPr/>
+              <a:t> </a:t>
+            </a:r>
+            <a:r>
+              <a:rPr/>
+              <a:t>that</a:t>
             </a:r>
             <a:r>
               <a:rPr/>
@@ -968,15 +1780,79 @@
             </a:r>
             <a:r>
               <a:rPr/>
-              <a:t>make</a:t>
-            </a:r>
-            <a:r>
-              <a:rPr/>
-              <a:t> </a:t>
-            </a:r>
-            <a:r>
-              <a:rPr/>
-              <a:t>the</a:t>
+              <a:t>have</a:t>
+            </a:r>
+            <a:r>
+              <a:rPr/>
+              <a:t> </a:t>
+            </a:r>
+            <a:r>
+              <a:rPr/>
+              <a:t>drawn</a:t>
+            </a:r>
+            <a:r>
+              <a:rPr/>
+              <a:t> </a:t>
+            </a:r>
+            <a:r>
+              <a:rPr/>
+              <a:t>tend</a:t>
+            </a:r>
+            <a:r>
+              <a:rPr/>
+              <a:t> </a:t>
+            </a:r>
+            <a:r>
+              <a:rPr/>
+              <a:t>to</a:t>
+            </a:r>
+            <a:r>
+              <a:rPr/>
+              <a:t> </a:t>
+            </a:r>
+            <a:r>
+              <a:rPr/>
+              <a:t>have</a:t>
+            </a:r>
+            <a:r>
+              <a:rPr/>
+              <a:t> </a:t>
+            </a:r>
+            <a:r>
+              <a:rPr/>
+              <a:t>difficulty</a:t>
+            </a:r>
+            <a:r>
+              <a:rPr/>
+              <a:t> </a:t>
+            </a:r>
+            <a:r>
+              <a:rPr/>
+              <a:t>with</a:t>
+            </a:r>
+            <a:r>
+              <a:rPr/>
+              <a:t> </a:t>
+            </a:r>
+            <a:r>
+              <a:rPr/>
+              <a:t>overprinting.</a:t>
+            </a:r>
+            <a:r>
+              <a:rPr/>
+              <a:t> </a:t>
+            </a:r>
+            <a:r>
+              <a:rPr/>
+              <a:t>Too</a:t>
+            </a:r>
+            <a:r>
+              <a:rPr/>
+              <a:t> </a:t>
+            </a:r>
+            <a:r>
+              <a:rPr/>
+              <a:t>many</a:t>
             </a:r>
             <a:r>
               <a:rPr/>
@@ -1000,23 +1876,79 @@
             </a:r>
             <a:r>
               <a:rPr/>
-              <a:t>somewhat</a:t>
-            </a:r>
-            <a:r>
-              <a:rPr/>
-              <a:t> </a:t>
-            </a:r>
-            <a:r>
-              <a:rPr/>
-              <a:t>translucent,</a:t>
-            </a:r>
-            <a:r>
-              <a:rPr/>
-              <a:t> </a:t>
-            </a:r>
-            <a:r>
-              <a:rPr/>
-              <a:t>so</a:t>
+              <a:t>crammed</a:t>
+            </a:r>
+            <a:r>
+              <a:rPr/>
+              <a:t> </a:t>
+            </a:r>
+            <a:r>
+              <a:rPr/>
+              <a:t>into</a:t>
+            </a:r>
+            <a:r>
+              <a:rPr/>
+              <a:t> </a:t>
+            </a:r>
+            <a:r>
+              <a:rPr/>
+              <a:t>a</a:t>
+            </a:r>
+            <a:r>
+              <a:rPr/>
+              <a:t> </a:t>
+            </a:r>
+            <a:r>
+              <a:rPr/>
+              <a:t>small</a:t>
+            </a:r>
+            <a:r>
+              <a:rPr/>
+              <a:t> </a:t>
+            </a:r>
+            <a:r>
+              <a:rPr/>
+              <a:t>area</a:t>
+            </a:r>
+            <a:r>
+              <a:rPr/>
+              <a:t> </a:t>
+            </a:r>
+            <a:r>
+              <a:rPr/>
+              <a:t>produces</a:t>
+            </a:r>
+            <a:r>
+              <a:rPr/>
+              <a:t> </a:t>
+            </a:r>
+            <a:r>
+              <a:rPr/>
+              <a:t>a</a:t>
+            </a:r>
+            <a:r>
+              <a:rPr/>
+              <a:t> </a:t>
+            </a:r>
+            <a:r>
+              <a:rPr/>
+              <a:t>large</a:t>
+            </a:r>
+            <a:r>
+              <a:rPr/>
+              <a:t> </a:t>
+            </a:r>
+            <a:r>
+              <a:rPr/>
+              <a:t>solid</a:t>
+            </a:r>
+            <a:r>
+              <a:rPr/>
+              <a:t> </a:t>
+            </a:r>
+            <a:r>
+              <a:rPr/>
+              <a:t>blob</a:t>
             </a:r>
             <a:r>
               <a:rPr/>
@@ -1032,71 +1964,103 @@
             </a:r>
             <a:r>
               <a:rPr/>
-              <a:t>you</a:t>
-            </a:r>
-            <a:r>
-              <a:rPr/>
-              <a:t> </a:t>
-            </a:r>
-            <a:r>
-              <a:rPr/>
-              <a:t>can</a:t>
-            </a:r>
-            <a:r>
-              <a:rPr/>
-              <a:t> </a:t>
-            </a:r>
-            <a:r>
-              <a:rPr/>
-              <a:t>see</a:t>
-            </a:r>
-            <a:r>
-              <a:rPr/>
-              <a:t> </a:t>
-            </a:r>
-            <a:r>
-              <a:rPr/>
-              <a:t>what</a:t>
-            </a:r>
-            <a:r>
-              <a:rPr/>
-              <a:t> </a:t>
-            </a:r>
-            <a:r>
-              <a:rPr/>
-              <a:t>it</a:t>
-            </a:r>
-            <a:r>
-              <a:rPr/>
-              <a:t> </a:t>
-            </a:r>
-            <a:r>
-              <a:rPr/>
-              <a:t>behind</a:t>
-            </a:r>
-            <a:r>
-              <a:rPr/>
-              <a:t> </a:t>
-            </a:r>
-            <a:r>
-              <a:rPr/>
-              <a:t>it,</a:t>
-            </a:r>
-            <a:r>
-              <a:rPr/>
-              <a:t> </a:t>
-            </a:r>
-            <a:r>
-              <a:rPr/>
-              <a:t>this</a:t>
-            </a:r>
-            <a:r>
-              <a:rPr/>
-              <a:t> </a:t>
-            </a:r>
-            <a:r>
-              <a:rPr/>
-              <a:t>prevents</a:t>
+              <a:t>is</a:t>
+            </a:r>
+            <a:r>
+              <a:rPr/>
+              <a:t> </a:t>
+            </a:r>
+            <a:r>
+              <a:rPr/>
+              <a:t>hard</a:t>
+            </a:r>
+            <a:r>
+              <a:rPr/>
+              <a:t> </a:t>
+            </a:r>
+            <a:r>
+              <a:rPr/>
+              <a:t>to</a:t>
+            </a:r>
+            <a:r>
+              <a:rPr/>
+              <a:t> </a:t>
+            </a:r>
+            <a:r>
+              <a:rPr/>
+              <a:t>interpret.</a:t>
+            </a:r>
+            <a:r>
+              <a:rPr/>
+              <a:t> </a:t>
+            </a:r>
+            <a:r>
+              <a:rPr/>
+              <a:t>There</a:t>
+            </a:r>
+            <a:r>
+              <a:rPr/>
+              <a:t> </a:t>
+            </a:r>
+            <a:r>
+              <a:rPr/>
+              <a:t>are</a:t>
+            </a:r>
+            <a:r>
+              <a:rPr/>
+              <a:t> </a:t>
+            </a:r>
+            <a:r>
+              <a:rPr/>
+              <a:t>three</a:t>
+            </a:r>
+            <a:r>
+              <a:rPr/>
+              <a:t> </a:t>
+            </a:r>
+            <a:r>
+              <a:rPr/>
+              <a:t>possible</a:t>
+            </a:r>
+            <a:r>
+              <a:rPr/>
+              <a:t> </a:t>
+            </a:r>
+            <a:r>
+              <a:rPr/>
+              <a:t>solutions:</a:t>
+            </a:r>
+            <a:r>
+              <a:rPr/>
+              <a:t> </a:t>
+            </a:r>
+            <a:r>
+              <a:rPr/>
+              <a:t>opacity,</a:t>
+            </a:r>
+            <a:r>
+              <a:rPr/>
+              <a:t> </a:t>
+            </a:r>
+            <a:r>
+              <a:rPr/>
+              <a:t>small</a:t>
+            </a:r>
+            <a:r>
+              <a:rPr/>
+              <a:t> </a:t>
+            </a:r>
+            <a:r>
+              <a:rPr/>
+              <a:t>points,</a:t>
+            </a:r>
+            <a:r>
+              <a:rPr/>
+              <a:t> </a:t>
+            </a:r>
+            <a:r>
+              <a:rPr/>
+              <a:t>and</a:t>
             </a:r>
             <a:r>
               <a:rPr/>
@@ -1112,127 +2076,15 @@
             </a:r>
             <a:r>
               <a:rPr/>
-              <a:t>massive</a:t>
-            </a:r>
-            <a:r>
-              <a:rPr/>
-              <a:t> </a:t>
-            </a:r>
-            <a:r>
-              <a:rPr/>
-              <a:t>black</a:t>
-            </a:r>
-            <a:r>
-              <a:rPr/>
-              <a:t> </a:t>
-            </a:r>
-            <a:r>
-              <a:rPr/>
-              <a:t>blob</a:t>
-            </a:r>
-            <a:r>
-              <a:rPr/>
-              <a:t> </a:t>
-            </a:r>
-            <a:r>
-              <a:rPr/>
-              <a:t>from</a:t>
-            </a:r>
-            <a:r>
-              <a:rPr/>
-              <a:t> </a:t>
-            </a:r>
-            <a:r>
-              <a:rPr/>
-              <a:t>forming.</a:t>
-            </a:r>
-            <a:r>
-              <a:rPr/>
-              <a:t> </a:t>
-            </a:r>
-            <a:r>
-              <a:rPr/>
-              <a:t>You</a:t>
-            </a:r>
-            <a:r>
-              <a:rPr/>
-              <a:t> </a:t>
-            </a:r>
-            <a:r>
-              <a:rPr/>
-              <a:t>have</a:t>
-            </a:r>
-            <a:r>
-              <a:rPr/>
-              <a:t> </a:t>
-            </a:r>
-            <a:r>
-              <a:rPr/>
-              <a:t>to</a:t>
-            </a:r>
-            <a:r>
-              <a:rPr/>
-              <a:t> </a:t>
-            </a:r>
-            <a:r>
-              <a:rPr/>
-              <a:t>experiement</a:t>
-            </a:r>
-            <a:r>
-              <a:rPr/>
-              <a:t> </a:t>
-            </a:r>
-            <a:r>
-              <a:rPr/>
-              <a:t>a</a:t>
-            </a:r>
-            <a:r>
-              <a:rPr/>
-              <a:t> </a:t>
-            </a:r>
-            <a:r>
-              <a:rPr/>
-              <a:t>bit</a:t>
-            </a:r>
-            <a:r>
-              <a:rPr/>
-              <a:t> </a:t>
-            </a:r>
-            <a:r>
-              <a:rPr/>
-              <a:t>with</a:t>
-            </a:r>
-            <a:r>
-              <a:rPr/>
-              <a:t> </a:t>
-            </a:r>
-            <a:r>
-              <a:rPr/>
-              <a:t>the</a:t>
-            </a:r>
-            <a:r>
-              <a:rPr/>
-              <a:t> </a:t>
-            </a:r>
-            <a:r>
-              <a:rPr/>
-              <a:t>level</a:t>
-            </a:r>
-            <a:r>
-              <a:rPr/>
-              <a:t> </a:t>
-            </a:r>
-            <a:r>
-              <a:rPr/>
-              <a:t>of</a:t>
-            </a:r>
-            <a:r>
-              <a:rPr/>
-              <a:t> </a:t>
-            </a:r>
-            <a:r>
-              <a:rPr/>
-              <a:t>translucence.</a:t>
+              <a:t>log</a:t>
+            </a:r>
+            <a:r>
+              <a:rPr/>
+              <a:t> </a:t>
+            </a:r>
+            <a:r>
+              <a:rPr/>
+              <a:t>scale.</a:t>
             </a:r>
           </a:p>
         </p:txBody>
@@ -1314,7 +2166,31 @@
             </a:pPr>
             <a:r>
               <a:rPr/>
-              <a:t>Smaller</a:t>
+              <a:t>If</a:t>
+            </a:r>
+            <a:r>
+              <a:rPr/>
+              <a:t> </a:t>
+            </a:r>
+            <a:r>
+              <a:rPr/>
+              <a:t>you</a:t>
+            </a:r>
+            <a:r>
+              <a:rPr/>
+              <a:t> </a:t>
+            </a:r>
+            <a:r>
+              <a:rPr/>
+              <a:t>make</a:t>
+            </a:r>
+            <a:r>
+              <a:rPr/>
+              <a:t> </a:t>
+            </a:r>
+            <a:r>
+              <a:rPr/>
+              <a:t>the</a:t>
             </a:r>
             <a:r>
               <a:rPr/>
@@ -1338,6 +2214,166 @@
             </a:r>
             <a:r>
               <a:rPr/>
+              <a:t>somewhat</a:t>
+            </a:r>
+            <a:r>
+              <a:rPr/>
+              <a:t> </a:t>
+            </a:r>
+            <a:r>
+              <a:rPr/>
+              <a:t>translucent,</a:t>
+            </a:r>
+            <a:r>
+              <a:rPr/>
+              <a:t> </a:t>
+            </a:r>
+            <a:r>
+              <a:rPr/>
+              <a:t>so</a:t>
+            </a:r>
+            <a:r>
+              <a:rPr/>
+              <a:t> </a:t>
+            </a:r>
+            <a:r>
+              <a:rPr/>
+              <a:t>that</a:t>
+            </a:r>
+            <a:r>
+              <a:rPr/>
+              <a:t> </a:t>
+            </a:r>
+            <a:r>
+              <a:rPr/>
+              <a:t>you</a:t>
+            </a:r>
+            <a:r>
+              <a:rPr/>
+              <a:t> </a:t>
+            </a:r>
+            <a:r>
+              <a:rPr/>
+              <a:t>can</a:t>
+            </a:r>
+            <a:r>
+              <a:rPr/>
+              <a:t> </a:t>
+            </a:r>
+            <a:r>
+              <a:rPr/>
+              <a:t>see</a:t>
+            </a:r>
+            <a:r>
+              <a:rPr/>
+              <a:t> </a:t>
+            </a:r>
+            <a:r>
+              <a:rPr/>
+              <a:t>what</a:t>
+            </a:r>
+            <a:r>
+              <a:rPr/>
+              <a:t> </a:t>
+            </a:r>
+            <a:r>
+              <a:rPr/>
+              <a:t>it</a:t>
+            </a:r>
+            <a:r>
+              <a:rPr/>
+              <a:t> </a:t>
+            </a:r>
+            <a:r>
+              <a:rPr/>
+              <a:t>behind</a:t>
+            </a:r>
+            <a:r>
+              <a:rPr/>
+              <a:t> </a:t>
+            </a:r>
+            <a:r>
+              <a:rPr/>
+              <a:t>it,</a:t>
+            </a:r>
+            <a:r>
+              <a:rPr/>
+              <a:t> </a:t>
+            </a:r>
+            <a:r>
+              <a:rPr/>
+              <a:t>this</a:t>
+            </a:r>
+            <a:r>
+              <a:rPr/>
+              <a:t> </a:t>
+            </a:r>
+            <a:r>
+              <a:rPr/>
+              <a:t>prevents</a:t>
+            </a:r>
+            <a:r>
+              <a:rPr/>
+              <a:t> </a:t>
+            </a:r>
+            <a:r>
+              <a:rPr/>
+              <a:t>a</a:t>
+            </a:r>
+            <a:r>
+              <a:rPr/>
+              <a:t> </a:t>
+            </a:r>
+            <a:r>
+              <a:rPr/>
+              <a:t>massive</a:t>
+            </a:r>
+            <a:r>
+              <a:rPr/>
+              <a:t> </a:t>
+            </a:r>
+            <a:r>
+              <a:rPr/>
+              <a:t>black</a:t>
+            </a:r>
+            <a:r>
+              <a:rPr/>
+              <a:t> </a:t>
+            </a:r>
+            <a:r>
+              <a:rPr/>
+              <a:t>blob</a:t>
+            </a:r>
+            <a:r>
+              <a:rPr/>
+              <a:t> </a:t>
+            </a:r>
+            <a:r>
+              <a:rPr/>
+              <a:t>from</a:t>
+            </a:r>
+            <a:r>
+              <a:rPr/>
+              <a:t> </a:t>
+            </a:r>
+            <a:r>
+              <a:rPr/>
+              <a:t>forming.</a:t>
+            </a:r>
+            <a:r>
+              <a:rPr/>
+              <a:t> </a:t>
+            </a:r>
+            <a:r>
+              <a:rPr/>
+              <a:t>You</a:t>
+            </a:r>
+            <a:r>
+              <a:rPr/>
+              <a:t> </a:t>
+            </a:r>
+            <a:r>
+              <a:rPr/>
               <a:t>have</a:t>
             </a:r>
             <a:r>
@@ -1346,15 +2382,31 @@
             </a:r>
             <a:r>
               <a:rPr/>
-              <a:t>less</a:t>
-            </a:r>
-            <a:r>
-              <a:rPr/>
-              <a:t> </a:t>
-            </a:r>
-            <a:r>
-              <a:rPr/>
-              <a:t>trouble</a:t>
+              <a:t>to</a:t>
+            </a:r>
+            <a:r>
+              <a:rPr/>
+              <a:t> </a:t>
+            </a:r>
+            <a:r>
+              <a:rPr/>
+              <a:t>experiement</a:t>
+            </a:r>
+            <a:r>
+              <a:rPr/>
+              <a:t> </a:t>
+            </a:r>
+            <a:r>
+              <a:rPr/>
+              <a:t>a</a:t>
+            </a:r>
+            <a:r>
+              <a:rPr/>
+              <a:t> </a:t>
+            </a:r>
+            <a:r>
+              <a:rPr/>
+              <a:t>bit</a:t>
             </a:r>
             <a:r>
               <a:rPr/>
@@ -1370,7 +2422,31 @@
             </a:r>
             <a:r>
               <a:rPr/>
-              <a:t>overprinting.</a:t>
+              <a:t>the</a:t>
+            </a:r>
+            <a:r>
+              <a:rPr/>
+              <a:t> </a:t>
+            </a:r>
+            <a:r>
+              <a:rPr/>
+              <a:t>level</a:t>
+            </a:r>
+            <a:r>
+              <a:rPr/>
+              <a:t> </a:t>
+            </a:r>
+            <a:r>
+              <a:rPr/>
+              <a:t>of</a:t>
+            </a:r>
+            <a:r>
+              <a:rPr/>
+              <a:t> </a:t>
+            </a:r>
+            <a:r>
+              <a:rPr/>
+              <a:t>translucence.</a:t>
             </a:r>
           </a:p>
         </p:txBody>
@@ -1590,159 +2666,63 @@
             </a:pPr>
             <a:r>
               <a:rPr/>
-              <a:t>It’s</a:t>
-            </a:r>
-            <a:r>
-              <a:rPr/>
-              <a:t> </a:t>
-            </a:r>
-            <a:r>
-              <a:rPr/>
-              <a:t>okay</a:t>
-            </a:r>
-            <a:r>
-              <a:rPr/>
-              <a:t> </a:t>
-            </a:r>
-            <a:r>
-              <a:rPr/>
-              <a:t>to</a:t>
-            </a:r>
-            <a:r>
-              <a:rPr/>
-              <a:t> </a:t>
-            </a:r>
-            <a:r>
-              <a:rPr/>
-              <a:t>map</a:t>
-            </a:r>
-            <a:r>
-              <a:rPr/>
-              <a:t> </a:t>
-            </a:r>
-            <a:r>
-              <a:rPr/>
-              <a:t>a</a:t>
-            </a:r>
-            <a:r>
-              <a:rPr/>
-              <a:t> </a:t>
-            </a:r>
-            <a:r>
-              <a:rPr/>
-              <a:t>single</a:t>
-            </a:r>
-            <a:r>
-              <a:rPr/>
-              <a:t> </a:t>
-            </a:r>
-            <a:r>
-              <a:rPr/>
-              <a:t>variable</a:t>
-            </a:r>
-            <a:r>
-              <a:rPr/>
-              <a:t> </a:t>
-            </a:r>
-            <a:r>
-              <a:rPr/>
-              <a:t>to</a:t>
-            </a:r>
-            <a:r>
-              <a:rPr/>
-              <a:t> </a:t>
-            </a:r>
-            <a:r>
-              <a:rPr/>
-              <a:t>more</a:t>
-            </a:r>
-            <a:r>
-              <a:rPr/>
-              <a:t> </a:t>
-            </a:r>
-            <a:r>
-              <a:rPr/>
-              <a:t>than</a:t>
-            </a:r>
-            <a:r>
-              <a:rPr/>
-              <a:t> </a:t>
-            </a:r>
-            <a:r>
-              <a:rPr/>
-              <a:t>one</a:t>
-            </a:r>
-            <a:r>
-              <a:rPr/>
-              <a:t> </a:t>
-            </a:r>
-            <a:r>
-              <a:rPr/>
-              <a:t>aesthetic.</a:t>
-            </a:r>
-            <a:r>
-              <a:rPr/>
-              <a:t> </a:t>
-            </a:r>
-            <a:r>
-              <a:rPr/>
-              <a:t>In</a:t>
-            </a:r>
-            <a:r>
-              <a:rPr/>
-              <a:t> </a:t>
-            </a:r>
-            <a:r>
-              <a:rPr/>
-              <a:t>fact,</a:t>
-            </a:r>
-            <a:r>
-              <a:rPr/>
-              <a:t> </a:t>
-            </a:r>
-            <a:r>
-              <a:rPr/>
-              <a:t>this</a:t>
-            </a:r>
-            <a:r>
-              <a:rPr/>
-              <a:t> </a:t>
-            </a:r>
-            <a:r>
-              <a:rPr/>
-              <a:t>often</a:t>
-            </a:r>
-            <a:r>
-              <a:rPr/>
-              <a:t> </a:t>
-            </a:r>
-            <a:r>
-              <a:rPr/>
-              <a:t>helps</a:t>
-            </a:r>
-            <a:r>
-              <a:rPr/>
-              <a:t> </a:t>
-            </a:r>
-            <a:r>
-              <a:rPr/>
-              <a:t>emphasize</a:t>
-            </a:r>
-            <a:r>
-              <a:rPr/>
-              <a:t> </a:t>
-            </a:r>
-            <a:r>
-              <a:rPr/>
-              <a:t>that</a:t>
-            </a:r>
-            <a:r>
-              <a:rPr/>
-              <a:t> </a:t>
-            </a:r>
-            <a:r>
-              <a:rPr/>
-              <a:t>variable.</a:t>
+              <a:t>Smaller</a:t>
+            </a:r>
+            <a:r>
+              <a:rPr/>
+              <a:t> </a:t>
+            </a:r>
+            <a:r>
+              <a:rPr/>
+              <a:t>data</a:t>
+            </a:r>
+            <a:r>
+              <a:rPr/>
+              <a:t> </a:t>
+            </a:r>
+            <a:r>
+              <a:rPr/>
+              <a:t>points</a:t>
+            </a:r>
+            <a:r>
+              <a:rPr/>
+              <a:t> </a:t>
+            </a:r>
+            <a:r>
+              <a:rPr/>
+              <a:t>have</a:t>
+            </a:r>
+            <a:r>
+              <a:rPr/>
+              <a:t> </a:t>
+            </a:r>
+            <a:r>
+              <a:rPr/>
+              <a:t>less</a:t>
+            </a:r>
+            <a:r>
+              <a:rPr/>
+              <a:t> </a:t>
+            </a:r>
+            <a:r>
+              <a:rPr/>
+              <a:t>trouble</a:t>
+            </a:r>
+            <a:r>
+              <a:rPr/>
+              <a:t> </a:t>
+            </a:r>
+            <a:r>
+              <a:rPr/>
+              <a:t>with</a:t>
+            </a:r>
+            <a:r>
+              <a:rPr/>
+              <a:t> </a:t>
+            </a:r>
+            <a:r>
+              <a:rPr/>
+              <a:t>overprinting.</a:t>
             </a:r>
           </a:p>
         </p:txBody>
@@ -1764,7 +2744,7 @@
           <a:p>
             <a:fld id="{18BDFEC3-8487-43E8-A154-7C12CBC1FFF2}" type="slidenum">
               <a:rPr lang="en-US"/>
-              <a:t>9</a:t>
+              <a:t>6</a:t>
             </a:fld>
             <a:endParaRPr lang="en-US"/>
           </a:p>
@@ -1824,39 +2804,15 @@
             </a:pPr>
             <a:r>
               <a:rPr/>
-              <a:t>There</a:t>
-            </a:r>
-            <a:r>
-              <a:rPr/>
-              <a:t> </a:t>
-            </a:r>
-            <a:r>
-              <a:rPr/>
-              <a:t>are</a:t>
-            </a:r>
-            <a:r>
-              <a:rPr/>
-              <a:t> </a:t>
-            </a:r>
-            <a:r>
-              <a:rPr/>
-              <a:t>some</a:t>
-            </a:r>
-            <a:r>
-              <a:rPr/>
-              <a:t> </a:t>
-            </a:r>
-            <a:r>
-              <a:rPr/>
-              <a:t>practical</a:t>
-            </a:r>
-            <a:r>
-              <a:rPr/>
-              <a:t> </a:t>
-            </a:r>
-            <a:r>
-              <a:rPr/>
-              <a:t>limits</a:t>
+              <a:t>It’s</a:t>
+            </a:r>
+            <a:r>
+              <a:rPr/>
+              <a:t> </a:t>
+            </a:r>
+            <a:r>
+              <a:rPr/>
+              <a:t>okay</a:t>
             </a:r>
             <a:r>
               <a:rPr/>
@@ -1872,111 +2828,7 @@
             </a:r>
             <a:r>
               <a:rPr/>
-              <a:t>aesthetics</a:t>
-            </a:r>
-            <a:r>
-              <a:rPr/>
-              <a:t> </a:t>
-            </a:r>
-            <a:r>
-              <a:rPr/>
-              <a:t>of</a:t>
-            </a:r>
-            <a:r>
-              <a:rPr/>
-              <a:t> </a:t>
-            </a:r>
-            <a:r>
-              <a:rPr/>
-              <a:t>points.</a:t>
-            </a:r>
-            <a:r>
-              <a:rPr/>
-              <a:t> </a:t>
-            </a:r>
-            <a:r>
-              <a:rPr/>
-              <a:t>First,</a:t>
-            </a:r>
-            <a:r>
-              <a:rPr/>
-              <a:t> </a:t>
-            </a:r>
-            <a:r>
-              <a:rPr/>
-              <a:t>shape</a:t>
-            </a:r>
-            <a:r>
-              <a:rPr/>
-              <a:t> </a:t>
-            </a:r>
-            <a:r>
-              <a:rPr/>
-              <a:t>makes</a:t>
-            </a:r>
-            <a:r>
-              <a:rPr/>
-              <a:t> </a:t>
-            </a:r>
-            <a:r>
-              <a:rPr/>
-              <a:t>sense</a:t>
-            </a:r>
-            <a:r>
-              <a:rPr/>
-              <a:t> </a:t>
-            </a:r>
-            <a:r>
-              <a:rPr/>
-              <a:t>only</a:t>
-            </a:r>
-            <a:r>
-              <a:rPr/>
-              <a:t> </a:t>
-            </a:r>
-            <a:r>
-              <a:rPr/>
-              <a:t>for</a:t>
-            </a:r>
-            <a:r>
-              <a:rPr/>
-              <a:t> </a:t>
-            </a:r>
-            <a:r>
-              <a:rPr/>
-              <a:t>categorical</a:t>
-            </a:r>
-            <a:r>
-              <a:rPr/>
-              <a:t> </a:t>
-            </a:r>
-            <a:r>
-              <a:rPr/>
-              <a:t>data.</a:t>
-            </a:r>
-            <a:r>
-              <a:rPr/>
-              <a:t> </a:t>
-            </a:r>
-            <a:r>
-              <a:rPr/>
-              <a:t>If</a:t>
-            </a:r>
-            <a:r>
-              <a:rPr/>
-              <a:t> </a:t>
-            </a:r>
-            <a:r>
-              <a:rPr/>
-              <a:t>you</a:t>
-            </a:r>
-            <a:r>
-              <a:rPr/>
-              <a:t> </a:t>
-            </a:r>
-            <a:r>
-              <a:rPr/>
-              <a:t>have</a:t>
+              <a:t>map</a:t>
             </a:r>
             <a:r>
               <a:rPr/>
@@ -1992,389 +2844,15 @@
             </a:r>
             <a:r>
               <a:rPr/>
-              <a:t>large</a:t>
-            </a:r>
-            <a:r>
-              <a:rPr/>
-              <a:t> </a:t>
-            </a:r>
-            <a:r>
-              <a:rPr/>
-              <a:t>number</a:t>
-            </a:r>
-            <a:r>
-              <a:rPr/>
-              <a:t> </a:t>
-            </a:r>
-            <a:r>
-              <a:rPr/>
-              <a:t>of</a:t>
-            </a:r>
-            <a:r>
-              <a:rPr/>
-              <a:t> </a:t>
-            </a:r>
-            <a:r>
-              <a:rPr/>
-              <a:t>values,</a:t>
-            </a:r>
-            <a:r>
-              <a:rPr/>
-              <a:t> </a:t>
-            </a:r>
-            <a:r>
-              <a:rPr/>
-              <a:t>as</a:t>
-            </a:r>
-            <a:r>
-              <a:rPr/>
-              <a:t> </a:t>
-            </a:r>
-            <a:r>
-              <a:rPr/>
-              <a:t>is</a:t>
-            </a:r>
-            <a:r>
-              <a:rPr/>
-              <a:t> </a:t>
-            </a:r>
-            <a:r>
-              <a:rPr/>
-              <a:t>typical</a:t>
-            </a:r>
-            <a:r>
-              <a:rPr/>
-              <a:t> </a:t>
-            </a:r>
-            <a:r>
-              <a:rPr/>
-              <a:t>for</a:t>
-            </a:r>
-            <a:r>
-              <a:rPr/>
-              <a:t> </a:t>
-            </a:r>
-            <a:r>
-              <a:rPr/>
-              <a:t>a</a:t>
-            </a:r>
-            <a:r>
-              <a:rPr/>
-              <a:t> </a:t>
-            </a:r>
-            <a:r>
-              <a:rPr/>
-              <a:t>continuous</a:t>
-            </a:r>
-            <a:r>
-              <a:rPr/>
-              <a:t> </a:t>
-            </a:r>
-            <a:r>
-              <a:rPr/>
-              <a:t>variable,</a:t>
-            </a:r>
-            <a:r>
-              <a:rPr/>
-              <a:t> </a:t>
-            </a:r>
-            <a:r>
-              <a:rPr/>
-              <a:t>you</a:t>
-            </a:r>
-            <a:r>
-              <a:rPr/>
-              <a:t> </a:t>
-            </a:r>
-            <a:r>
-              <a:rPr/>
-              <a:t>run</a:t>
-            </a:r>
-            <a:r>
-              <a:rPr/>
-              <a:t> </a:t>
-            </a:r>
-            <a:r>
-              <a:rPr/>
-              <a:t>out</a:t>
-            </a:r>
-            <a:r>
-              <a:rPr/>
-              <a:t> </a:t>
-            </a:r>
-            <a:r>
-              <a:rPr/>
-              <a:t>of</a:t>
-            </a:r>
-            <a:r>
-              <a:rPr/>
-              <a:t> </a:t>
-            </a:r>
-            <a:r>
-              <a:rPr/>
-              <a:t>symbols</a:t>
-            </a:r>
-            <a:r>
-              <a:rPr/>
-              <a:t> </a:t>
-            </a:r>
-            <a:r>
-              <a:rPr/>
-              <a:t>before</a:t>
-            </a:r>
-            <a:r>
-              <a:rPr/>
-              <a:t> </a:t>
-            </a:r>
-            <a:r>
-              <a:rPr/>
-              <a:t>you</a:t>
-            </a:r>
-            <a:r>
-              <a:rPr/>
-              <a:t> </a:t>
-            </a:r>
-            <a:r>
-              <a:rPr/>
-              <a:t>run</a:t>
-            </a:r>
-            <a:r>
-              <a:rPr/>
-              <a:t> </a:t>
-            </a:r>
-            <a:r>
-              <a:rPr/>
-              <a:t>out</a:t>
-            </a:r>
-            <a:r>
-              <a:rPr/>
-              <a:t> </a:t>
-            </a:r>
-            <a:r>
-              <a:rPr/>
-              <a:t>of</a:t>
-            </a:r>
-            <a:r>
-              <a:rPr/>
-              <a:t> </a:t>
-            </a:r>
-            <a:r>
-              <a:rPr/>
-              <a:t>categories.</a:t>
-            </a:r>
-          </a:p>
-          <a:p>
-            <a:pPr lvl="0" marL="0" indent="0">
-              <a:buNone/>
-            </a:pPr>
-          </a:p>
-          <a:p>
-            <a:pPr lvl="0" marL="0" indent="0">
-              <a:buNone/>
-            </a:pPr>
-            <a:r>
-              <a:rPr/>
-              <a:t>Also</a:t>
-            </a:r>
-            <a:r>
-              <a:rPr/>
-              <a:t> </a:t>
-            </a:r>
-            <a:r>
-              <a:rPr/>
-              <a:t>size</a:t>
-            </a:r>
-            <a:r>
-              <a:rPr/>
-              <a:t> </a:t>
-            </a:r>
-            <a:r>
-              <a:rPr/>
-              <a:t>and</a:t>
-            </a:r>
-            <a:r>
-              <a:rPr/>
-              <a:t> </a:t>
-            </a:r>
-            <a:r>
-              <a:rPr/>
-              <a:t>shape</a:t>
-            </a:r>
-            <a:r>
-              <a:rPr/>
-              <a:t> </a:t>
-            </a:r>
-            <a:r>
-              <a:rPr/>
-              <a:t>don’t</a:t>
-            </a:r>
-            <a:r>
-              <a:rPr/>
-              <a:t> </a:t>
-            </a:r>
-            <a:r>
-              <a:rPr/>
-              <a:t>mix.</a:t>
-            </a:r>
-            <a:r>
-              <a:rPr/>
-              <a:t> </a:t>
-            </a:r>
-            <a:r>
-              <a:rPr/>
-              <a:t>You</a:t>
-            </a:r>
-            <a:r>
-              <a:rPr/>
-              <a:t> </a:t>
-            </a:r>
-            <a:r>
-              <a:rPr/>
-              <a:t>can</a:t>
-            </a:r>
-            <a:r>
-              <a:rPr/>
-              <a:t> </a:t>
-            </a:r>
-            <a:r>
-              <a:rPr/>
-              <a:t>really</a:t>
-            </a:r>
-            <a:r>
-              <a:rPr/>
-              <a:t> </a:t>
-            </a:r>
-            <a:r>
-              <a:rPr/>
-              <a:t>compare</a:t>
-            </a:r>
-            <a:r>
-              <a:rPr/>
-              <a:t> </a:t>
-            </a:r>
-            <a:r>
-              <a:rPr/>
-              <a:t>two</a:t>
-            </a:r>
-            <a:r>
-              <a:rPr/>
-              <a:t> </a:t>
-            </a:r>
-            <a:r>
-              <a:rPr/>
-              <a:t>diffent</a:t>
-            </a:r>
-            <a:r>
-              <a:rPr/>
-              <a:t> </a:t>
-            </a:r>
-            <a:r>
-              <a:rPr/>
-              <a:t>shapes,</a:t>
-            </a:r>
-            <a:r>
-              <a:rPr/>
-              <a:t> </a:t>
-            </a:r>
-            <a:r>
-              <a:rPr/>
-              <a:t>such</a:t>
-            </a:r>
-            <a:r>
-              <a:rPr/>
-              <a:t> </a:t>
-            </a:r>
-            <a:r>
-              <a:rPr/>
-              <a:t>as</a:t>
-            </a:r>
-            <a:r>
-              <a:rPr/>
-              <a:t> </a:t>
-            </a:r>
-            <a:r>
-              <a:rPr/>
-              <a:t>an</a:t>
-            </a:r>
-            <a:r>
-              <a:rPr/>
-              <a:t> </a:t>
-            </a:r>
-            <a:r>
-              <a:rPr/>
-              <a:t>X</a:t>
-            </a:r>
-            <a:r>
-              <a:rPr/>
-              <a:t> </a:t>
-            </a:r>
-            <a:r>
-              <a:rPr/>
-              <a:t>and</a:t>
-            </a:r>
-            <a:r>
-              <a:rPr/>
-              <a:t> </a:t>
-            </a:r>
-            <a:r>
-              <a:rPr/>
-              <a:t>an</a:t>
-            </a:r>
-            <a:r>
-              <a:rPr/>
-              <a:t> </a:t>
-            </a:r>
-            <a:r>
-              <a:rPr/>
-              <a:t>O</a:t>
-            </a:r>
-            <a:r>
-              <a:rPr/>
-              <a:t> </a:t>
-            </a:r>
-            <a:r>
-              <a:rPr/>
-              <a:t>on</a:t>
-            </a:r>
-            <a:r>
-              <a:rPr/>
-              <a:t> </a:t>
-            </a:r>
-            <a:r>
-              <a:rPr/>
-              <a:t>size.</a:t>
-            </a:r>
-            <a:r>
-              <a:rPr/>
-              <a:t> </a:t>
-            </a:r>
-            <a:r>
-              <a:rPr/>
-              <a:t>Is</a:t>
-            </a:r>
-            <a:r>
-              <a:rPr/>
-              <a:t> </a:t>
-            </a:r>
-            <a:r>
-              <a:rPr/>
-              <a:t>the</a:t>
-            </a:r>
-            <a:r>
-              <a:rPr/>
-              <a:t> </a:t>
-            </a:r>
-            <a:r>
-              <a:rPr/>
-              <a:t>size</a:t>
-            </a:r>
-            <a:r>
-              <a:rPr/>
-              <a:t> </a:t>
-            </a:r>
-            <a:r>
-              <a:rPr/>
-              <a:t>related</a:t>
+              <a:t>single</a:t>
+            </a:r>
+            <a:r>
+              <a:rPr/>
+              <a:t> </a:t>
+            </a:r>
+            <a:r>
+              <a:rPr/>
+              <a:t>variable</a:t>
             </a:r>
             <a:r>
               <a:rPr/>
@@ -2390,159 +2868,79 @@
             </a:r>
             <a:r>
               <a:rPr/>
-              <a:t>the</a:t>
-            </a:r>
-            <a:r>
-              <a:rPr/>
-              <a:t> </a:t>
-            </a:r>
-            <a:r>
-              <a:rPr/>
-              <a:t>diameter,</a:t>
-            </a:r>
-            <a:r>
-              <a:rPr/>
-              <a:t> </a:t>
-            </a:r>
-            <a:r>
-              <a:rPr/>
-              <a:t>the</a:t>
-            </a:r>
-            <a:r>
-              <a:rPr/>
-              <a:t> </a:t>
-            </a:r>
-            <a:r>
-              <a:rPr/>
-              <a:t>area,</a:t>
-            </a:r>
-            <a:r>
-              <a:rPr/>
-              <a:t> </a:t>
-            </a:r>
-            <a:r>
-              <a:rPr/>
-              <a:t>or</a:t>
-            </a:r>
-            <a:r>
-              <a:rPr/>
-              <a:t> </a:t>
-            </a:r>
-            <a:r>
-              <a:rPr/>
-              <a:t>the</a:t>
-            </a:r>
-            <a:r>
-              <a:rPr/>
-              <a:t> </a:t>
-            </a:r>
-            <a:r>
-              <a:rPr/>
-              <a:t>perimeter?</a:t>
-            </a:r>
-            <a:r>
-              <a:rPr/>
-              <a:t> </a:t>
-            </a:r>
-            <a:r>
-              <a:rPr/>
-              <a:t>There’s</a:t>
-            </a:r>
-            <a:r>
-              <a:rPr/>
-              <a:t> </a:t>
-            </a:r>
-            <a:r>
-              <a:rPr/>
-              <a:t>no</a:t>
-            </a:r>
-            <a:r>
-              <a:rPr/>
-              <a:t> </a:t>
-            </a:r>
-            <a:r>
-              <a:rPr/>
-              <a:t>really</a:t>
-            </a:r>
-            <a:r>
-              <a:rPr/>
-              <a:t> </a:t>
-            </a:r>
-            <a:r>
-              <a:rPr/>
-              <a:t>good</a:t>
-            </a:r>
-            <a:r>
-              <a:rPr/>
-              <a:t> </a:t>
-            </a:r>
-            <a:r>
-              <a:rPr/>
-              <a:t>answer,</a:t>
-            </a:r>
-            <a:r>
-              <a:rPr/>
-              <a:t> </a:t>
-            </a:r>
-            <a:r>
-              <a:rPr/>
-              <a:t>so</a:t>
-            </a:r>
-            <a:r>
-              <a:rPr/>
-              <a:t> </a:t>
-            </a:r>
-            <a:r>
-              <a:rPr/>
-              <a:t>it’s</a:t>
-            </a:r>
-            <a:r>
-              <a:rPr/>
-              <a:t> </a:t>
-            </a:r>
-            <a:r>
-              <a:rPr/>
-              <a:t>asking</a:t>
-            </a:r>
-            <a:r>
-              <a:rPr/>
-              <a:t> </a:t>
-            </a:r>
-            <a:r>
-              <a:rPr/>
-              <a:t>to</a:t>
-            </a:r>
-            <a:r>
-              <a:rPr/>
-              <a:t> </a:t>
-            </a:r>
-            <a:r>
-              <a:rPr/>
-              <a:t>much</a:t>
-            </a:r>
-            <a:r>
-              <a:rPr/>
-              <a:t> </a:t>
-            </a:r>
-            <a:r>
-              <a:rPr/>
-              <a:t>of</a:t>
-            </a:r>
-            <a:r>
-              <a:rPr/>
-              <a:t> </a:t>
-            </a:r>
-            <a:r>
-              <a:rPr/>
-              <a:t>a</a:t>
-            </a:r>
-            <a:r>
-              <a:rPr/>
-              <a:t> </a:t>
-            </a:r>
-            <a:r>
-              <a:rPr/>
-              <a:t>graph</a:t>
+              <a:t>more</a:t>
+            </a:r>
+            <a:r>
+              <a:rPr/>
+              <a:t> </a:t>
+            </a:r>
+            <a:r>
+              <a:rPr/>
+              <a:t>than</a:t>
+            </a:r>
+            <a:r>
+              <a:rPr/>
+              <a:t> </a:t>
+            </a:r>
+            <a:r>
+              <a:rPr/>
+              <a:t>one</a:t>
+            </a:r>
+            <a:r>
+              <a:rPr/>
+              <a:t> </a:t>
+            </a:r>
+            <a:r>
+              <a:rPr/>
+              <a:t>aesthetic.</a:t>
+            </a:r>
+            <a:r>
+              <a:rPr/>
+              <a:t> </a:t>
+            </a:r>
+            <a:r>
+              <a:rPr/>
+              <a:t>In</a:t>
+            </a:r>
+            <a:r>
+              <a:rPr/>
+              <a:t> </a:t>
+            </a:r>
+            <a:r>
+              <a:rPr/>
+              <a:t>fact,</a:t>
+            </a:r>
+            <a:r>
+              <a:rPr/>
+              <a:t> </a:t>
+            </a:r>
+            <a:r>
+              <a:rPr/>
+              <a:t>this</a:t>
+            </a:r>
+            <a:r>
+              <a:rPr/>
+              <a:t> </a:t>
+            </a:r>
+            <a:r>
+              <a:rPr/>
+              <a:t>often</a:t>
+            </a:r>
+            <a:r>
+              <a:rPr/>
+              <a:t> </a:t>
+            </a:r>
+            <a:r>
+              <a:rPr/>
+              <a:t>helps</a:t>
+            </a:r>
+            <a:r>
+              <a:rPr/>
+              <a:t> </a:t>
+            </a:r>
+            <a:r>
+              <a:rPr/>
+              <a:t>emphasize</a:t>
             </a:r>
             <a:r>
               <a:rPr/>
@@ -2558,183 +2956,7 @@
             </a:r>
             <a:r>
               <a:rPr/>
-              <a:t>asks</a:t>
-            </a:r>
-            <a:r>
-              <a:rPr/>
-              <a:t> </a:t>
-            </a:r>
-            <a:r>
-              <a:rPr/>
-              <a:t>you</a:t>
-            </a:r>
-            <a:r>
-              <a:rPr/>
-              <a:t> </a:t>
-            </a:r>
-            <a:r>
-              <a:rPr/>
-              <a:t>to</a:t>
-            </a:r>
-            <a:r>
-              <a:rPr/>
-              <a:t> </a:t>
-            </a:r>
-            <a:r>
-              <a:rPr/>
-              <a:t>decide</a:t>
-            </a:r>
-            <a:r>
-              <a:rPr/>
-              <a:t> </a:t>
-            </a:r>
-            <a:r>
-              <a:rPr/>
-              <a:t>which</a:t>
-            </a:r>
-            <a:r>
-              <a:rPr/>
-              <a:t> </a:t>
-            </a:r>
-            <a:r>
-              <a:rPr/>
-              <a:t>is</a:t>
-            </a:r>
-            <a:r>
-              <a:rPr/>
-              <a:t> </a:t>
-            </a:r>
-            <a:r>
-              <a:rPr/>
-              <a:t>larger</a:t>
-            </a:r>
-            <a:r>
-              <a:rPr/>
-              <a:t> </a:t>
-            </a:r>
-            <a:r>
-              <a:rPr/>
-              <a:t>among</a:t>
-            </a:r>
-            <a:r>
-              <a:rPr/>
-              <a:t> </a:t>
-            </a:r>
-            <a:r>
-              <a:rPr/>
-              <a:t>points</a:t>
-            </a:r>
-            <a:r>
-              <a:rPr/>
-              <a:t> </a:t>
-            </a:r>
-            <a:r>
-              <a:rPr/>
-              <a:t>represent</a:t>
-            </a:r>
-            <a:r>
-              <a:rPr/>
-              <a:t> </a:t>
-            </a:r>
-            <a:r>
-              <a:rPr/>
-              <a:t>different</a:t>
-            </a:r>
-            <a:r>
-              <a:rPr/>
-              <a:t> </a:t>
-            </a:r>
-            <a:r>
-              <a:rPr/>
-              <a:t>shapes.</a:t>
-            </a:r>
-            <a:r>
-              <a:rPr/>
-              <a:t> </a:t>
-            </a:r>
-            <a:r>
-              <a:rPr/>
-              <a:t>Either</a:t>
-            </a:r>
-            <a:r>
-              <a:rPr/>
-              <a:t> </a:t>
-            </a:r>
-            <a:r>
-              <a:rPr/>
-              <a:t>vary</a:t>
-            </a:r>
-            <a:r>
-              <a:rPr/>
-              <a:t> </a:t>
-            </a:r>
-            <a:r>
-              <a:rPr/>
-              <a:t>the</a:t>
-            </a:r>
-            <a:r>
-              <a:rPr/>
-              <a:t> </a:t>
-            </a:r>
-            <a:r>
-              <a:rPr/>
-              <a:t>shape</a:t>
-            </a:r>
-            <a:r>
-              <a:rPr/>
-              <a:t> </a:t>
-            </a:r>
-            <a:r>
-              <a:rPr/>
-              <a:t>or</a:t>
-            </a:r>
-            <a:r>
-              <a:rPr/>
-              <a:t> </a:t>
-            </a:r>
-            <a:r>
-              <a:rPr/>
-              <a:t>vary</a:t>
-            </a:r>
-            <a:r>
-              <a:rPr/>
-              <a:t> </a:t>
-            </a:r>
-            <a:r>
-              <a:rPr/>
-              <a:t>the</a:t>
-            </a:r>
-            <a:r>
-              <a:rPr/>
-              <a:t> </a:t>
-            </a:r>
-            <a:r>
-              <a:rPr/>
-              <a:t>size,</a:t>
-            </a:r>
-            <a:r>
-              <a:rPr/>
-              <a:t> </a:t>
-            </a:r>
-            <a:r>
-              <a:rPr/>
-              <a:t>but</a:t>
-            </a:r>
-            <a:r>
-              <a:rPr/>
-              <a:t> </a:t>
-            </a:r>
-            <a:r>
-              <a:rPr/>
-              <a:t>not</a:t>
-            </a:r>
-            <a:r>
-              <a:rPr/>
-              <a:t> </a:t>
-            </a:r>
-            <a:r>
-              <a:rPr/>
-              <a:t>both.</a:t>
+              <a:t>variable.</a:t>
             </a:r>
           </a:p>
         </p:txBody>
@@ -2757,6 +2979,998 @@
             <a:fld id="{18BDFEC3-8487-43E8-A154-7C12CBC1FFF2}" type="slidenum">
               <a:rPr lang="en-US"/>
               <a:t>10</a:t>
+            </a:fld>
+            <a:endParaRPr lang="en-US"/>
+          </a:p>
+        </p:txBody>
+      </p:sp>
+    </p:spTree>
+  </p:cSld>
+</p:notes>
+</file>
+
+<file path=ppt/notesSlides/notesSlide7.xml><?xml version="1.0" encoding="utf-8"?>
+<p:notes xmlns:a="http://schemas.openxmlformats.org/drawingml/2006/main" xmlns:r="http://schemas.openxmlformats.org/officeDocument/2006/relationships" xmlns:p="http://schemas.openxmlformats.org/presentationml/2006/main">
+  <p:cSld>
+    <p:spTree>
+      <p:nvGrpSpPr>
+        <p:cNvPr id="1" name=""/>
+        <p:cNvGrpSpPr/>
+        <p:nvPr/>
+      </p:nvGrpSpPr>
+      <p:grpSpPr>
+        <a:xfrm>
+          <a:off x="0" y="0"/>
+          <a:ext cx="0" cy="0"/>
+          <a:chOff x="0" y="0"/>
+          <a:chExt cx="0" cy="0"/>
+        </a:xfrm>
+      </p:grpSpPr>
+      <p:sp>
+        <p:nvSpPr>
+          <p:cNvPr id="2" name="Slide Image Placeholder 1"/>
+          <p:cNvSpPr>
+            <a:spLocks noGrp="1" noRot="1" noChangeAspect="1"/>
+          </p:cNvSpPr>
+          <p:nvPr>
+            <p:ph type="sldImg"/>
+          </p:nvPr>
+        </p:nvSpPr>
+        <p:spPr/>
+      </p:sp>
+      <p:sp>
+        <p:nvSpPr>
+          <p:cNvPr id="3" name="Notes Placeholder 2"/>
+          <p:cNvSpPr>
+            <a:spLocks noGrp="1"/>
+          </p:cNvSpPr>
+          <p:nvPr>
+            <p:ph type="body" idx="1"/>
+          </p:nvPr>
+        </p:nvSpPr>
+        <p:spPr/>
+        <p:txBody>
+          <a:bodyPr/>
+          <a:lstStyle/>
+          <a:p>
+            <a:pPr lvl="0" marL="0" indent="0">
+              <a:buNone/>
+            </a:pPr>
+            <a:r>
+              <a:rPr/>
+              <a:t>There</a:t>
+            </a:r>
+            <a:r>
+              <a:rPr/>
+              <a:t> </a:t>
+            </a:r>
+            <a:r>
+              <a:rPr/>
+              <a:t>are</a:t>
+            </a:r>
+            <a:r>
+              <a:rPr/>
+              <a:t> </a:t>
+            </a:r>
+            <a:r>
+              <a:rPr/>
+              <a:t>some</a:t>
+            </a:r>
+            <a:r>
+              <a:rPr/>
+              <a:t> </a:t>
+            </a:r>
+            <a:r>
+              <a:rPr/>
+              <a:t>practical</a:t>
+            </a:r>
+            <a:r>
+              <a:rPr/>
+              <a:t> </a:t>
+            </a:r>
+            <a:r>
+              <a:rPr/>
+              <a:t>limits</a:t>
+            </a:r>
+            <a:r>
+              <a:rPr/>
+              <a:t> </a:t>
+            </a:r>
+            <a:r>
+              <a:rPr/>
+              <a:t>to</a:t>
+            </a:r>
+            <a:r>
+              <a:rPr/>
+              <a:t> </a:t>
+            </a:r>
+            <a:r>
+              <a:rPr/>
+              <a:t>aesthetics</a:t>
+            </a:r>
+            <a:r>
+              <a:rPr/>
+              <a:t> </a:t>
+            </a:r>
+            <a:r>
+              <a:rPr/>
+              <a:t>of</a:t>
+            </a:r>
+            <a:r>
+              <a:rPr/>
+              <a:t> </a:t>
+            </a:r>
+            <a:r>
+              <a:rPr/>
+              <a:t>points.</a:t>
+            </a:r>
+            <a:r>
+              <a:rPr/>
+              <a:t> </a:t>
+            </a:r>
+            <a:r>
+              <a:rPr/>
+              <a:t>First,</a:t>
+            </a:r>
+            <a:r>
+              <a:rPr/>
+              <a:t> </a:t>
+            </a:r>
+            <a:r>
+              <a:rPr/>
+              <a:t>shape</a:t>
+            </a:r>
+            <a:r>
+              <a:rPr/>
+              <a:t> </a:t>
+            </a:r>
+            <a:r>
+              <a:rPr/>
+              <a:t>makes</a:t>
+            </a:r>
+            <a:r>
+              <a:rPr/>
+              <a:t> </a:t>
+            </a:r>
+            <a:r>
+              <a:rPr/>
+              <a:t>sense</a:t>
+            </a:r>
+            <a:r>
+              <a:rPr/>
+              <a:t> </a:t>
+            </a:r>
+            <a:r>
+              <a:rPr/>
+              <a:t>only</a:t>
+            </a:r>
+            <a:r>
+              <a:rPr/>
+              <a:t> </a:t>
+            </a:r>
+            <a:r>
+              <a:rPr/>
+              <a:t>for</a:t>
+            </a:r>
+            <a:r>
+              <a:rPr/>
+              <a:t> </a:t>
+            </a:r>
+            <a:r>
+              <a:rPr/>
+              <a:t>categorical</a:t>
+            </a:r>
+            <a:r>
+              <a:rPr/>
+              <a:t> </a:t>
+            </a:r>
+            <a:r>
+              <a:rPr/>
+              <a:t>data.</a:t>
+            </a:r>
+            <a:r>
+              <a:rPr/>
+              <a:t> </a:t>
+            </a:r>
+            <a:r>
+              <a:rPr/>
+              <a:t>If</a:t>
+            </a:r>
+            <a:r>
+              <a:rPr/>
+              <a:t> </a:t>
+            </a:r>
+            <a:r>
+              <a:rPr/>
+              <a:t>you</a:t>
+            </a:r>
+            <a:r>
+              <a:rPr/>
+              <a:t> </a:t>
+            </a:r>
+            <a:r>
+              <a:rPr/>
+              <a:t>have</a:t>
+            </a:r>
+            <a:r>
+              <a:rPr/>
+              <a:t> </a:t>
+            </a:r>
+            <a:r>
+              <a:rPr/>
+              <a:t>a</a:t>
+            </a:r>
+            <a:r>
+              <a:rPr/>
+              <a:t> </a:t>
+            </a:r>
+            <a:r>
+              <a:rPr/>
+              <a:t>large</a:t>
+            </a:r>
+            <a:r>
+              <a:rPr/>
+              <a:t> </a:t>
+            </a:r>
+            <a:r>
+              <a:rPr/>
+              <a:t>number</a:t>
+            </a:r>
+            <a:r>
+              <a:rPr/>
+              <a:t> </a:t>
+            </a:r>
+            <a:r>
+              <a:rPr/>
+              <a:t>of</a:t>
+            </a:r>
+            <a:r>
+              <a:rPr/>
+              <a:t> </a:t>
+            </a:r>
+            <a:r>
+              <a:rPr/>
+              <a:t>values,</a:t>
+            </a:r>
+            <a:r>
+              <a:rPr/>
+              <a:t> </a:t>
+            </a:r>
+            <a:r>
+              <a:rPr/>
+              <a:t>as</a:t>
+            </a:r>
+            <a:r>
+              <a:rPr/>
+              <a:t> </a:t>
+            </a:r>
+            <a:r>
+              <a:rPr/>
+              <a:t>is</a:t>
+            </a:r>
+            <a:r>
+              <a:rPr/>
+              <a:t> </a:t>
+            </a:r>
+            <a:r>
+              <a:rPr/>
+              <a:t>typical</a:t>
+            </a:r>
+            <a:r>
+              <a:rPr/>
+              <a:t> </a:t>
+            </a:r>
+            <a:r>
+              <a:rPr/>
+              <a:t>for</a:t>
+            </a:r>
+            <a:r>
+              <a:rPr/>
+              <a:t> </a:t>
+            </a:r>
+            <a:r>
+              <a:rPr/>
+              <a:t>a</a:t>
+            </a:r>
+            <a:r>
+              <a:rPr/>
+              <a:t> </a:t>
+            </a:r>
+            <a:r>
+              <a:rPr/>
+              <a:t>continuous</a:t>
+            </a:r>
+            <a:r>
+              <a:rPr/>
+              <a:t> </a:t>
+            </a:r>
+            <a:r>
+              <a:rPr/>
+              <a:t>variable,</a:t>
+            </a:r>
+            <a:r>
+              <a:rPr/>
+              <a:t> </a:t>
+            </a:r>
+            <a:r>
+              <a:rPr/>
+              <a:t>you</a:t>
+            </a:r>
+            <a:r>
+              <a:rPr/>
+              <a:t> </a:t>
+            </a:r>
+            <a:r>
+              <a:rPr/>
+              <a:t>run</a:t>
+            </a:r>
+            <a:r>
+              <a:rPr/>
+              <a:t> </a:t>
+            </a:r>
+            <a:r>
+              <a:rPr/>
+              <a:t>out</a:t>
+            </a:r>
+            <a:r>
+              <a:rPr/>
+              <a:t> </a:t>
+            </a:r>
+            <a:r>
+              <a:rPr/>
+              <a:t>of</a:t>
+            </a:r>
+            <a:r>
+              <a:rPr/>
+              <a:t> </a:t>
+            </a:r>
+            <a:r>
+              <a:rPr/>
+              <a:t>symbols</a:t>
+            </a:r>
+            <a:r>
+              <a:rPr/>
+              <a:t> </a:t>
+            </a:r>
+            <a:r>
+              <a:rPr/>
+              <a:t>before</a:t>
+            </a:r>
+            <a:r>
+              <a:rPr/>
+              <a:t> </a:t>
+            </a:r>
+            <a:r>
+              <a:rPr/>
+              <a:t>you</a:t>
+            </a:r>
+            <a:r>
+              <a:rPr/>
+              <a:t> </a:t>
+            </a:r>
+            <a:r>
+              <a:rPr/>
+              <a:t>run</a:t>
+            </a:r>
+            <a:r>
+              <a:rPr/>
+              <a:t> </a:t>
+            </a:r>
+            <a:r>
+              <a:rPr/>
+              <a:t>out</a:t>
+            </a:r>
+            <a:r>
+              <a:rPr/>
+              <a:t> </a:t>
+            </a:r>
+            <a:r>
+              <a:rPr/>
+              <a:t>of</a:t>
+            </a:r>
+            <a:r>
+              <a:rPr/>
+              <a:t> </a:t>
+            </a:r>
+            <a:r>
+              <a:rPr/>
+              <a:t>categories.</a:t>
+            </a:r>
+          </a:p>
+          <a:p>
+            <a:pPr lvl="0" marL="0" indent="0">
+              <a:buNone/>
+            </a:pPr>
+          </a:p>
+          <a:p>
+            <a:pPr lvl="0" marL="0" indent="0">
+              <a:buNone/>
+            </a:pPr>
+            <a:r>
+              <a:rPr/>
+              <a:t>Also</a:t>
+            </a:r>
+            <a:r>
+              <a:rPr/>
+              <a:t> </a:t>
+            </a:r>
+            <a:r>
+              <a:rPr/>
+              <a:t>size</a:t>
+            </a:r>
+            <a:r>
+              <a:rPr/>
+              <a:t> </a:t>
+            </a:r>
+            <a:r>
+              <a:rPr/>
+              <a:t>and</a:t>
+            </a:r>
+            <a:r>
+              <a:rPr/>
+              <a:t> </a:t>
+            </a:r>
+            <a:r>
+              <a:rPr/>
+              <a:t>shape</a:t>
+            </a:r>
+            <a:r>
+              <a:rPr/>
+              <a:t> </a:t>
+            </a:r>
+            <a:r>
+              <a:rPr/>
+              <a:t>don’t</a:t>
+            </a:r>
+            <a:r>
+              <a:rPr/>
+              <a:t> </a:t>
+            </a:r>
+            <a:r>
+              <a:rPr/>
+              <a:t>mix.</a:t>
+            </a:r>
+            <a:r>
+              <a:rPr/>
+              <a:t> </a:t>
+            </a:r>
+            <a:r>
+              <a:rPr/>
+              <a:t>You</a:t>
+            </a:r>
+            <a:r>
+              <a:rPr/>
+              <a:t> </a:t>
+            </a:r>
+            <a:r>
+              <a:rPr/>
+              <a:t>can</a:t>
+            </a:r>
+            <a:r>
+              <a:rPr/>
+              <a:t> </a:t>
+            </a:r>
+            <a:r>
+              <a:rPr/>
+              <a:t>really</a:t>
+            </a:r>
+            <a:r>
+              <a:rPr/>
+              <a:t> </a:t>
+            </a:r>
+            <a:r>
+              <a:rPr/>
+              <a:t>compare</a:t>
+            </a:r>
+            <a:r>
+              <a:rPr/>
+              <a:t> </a:t>
+            </a:r>
+            <a:r>
+              <a:rPr/>
+              <a:t>two</a:t>
+            </a:r>
+            <a:r>
+              <a:rPr/>
+              <a:t> </a:t>
+            </a:r>
+            <a:r>
+              <a:rPr/>
+              <a:t>diffent</a:t>
+            </a:r>
+            <a:r>
+              <a:rPr/>
+              <a:t> </a:t>
+            </a:r>
+            <a:r>
+              <a:rPr/>
+              <a:t>shapes,</a:t>
+            </a:r>
+            <a:r>
+              <a:rPr/>
+              <a:t> </a:t>
+            </a:r>
+            <a:r>
+              <a:rPr/>
+              <a:t>such</a:t>
+            </a:r>
+            <a:r>
+              <a:rPr/>
+              <a:t> </a:t>
+            </a:r>
+            <a:r>
+              <a:rPr/>
+              <a:t>as</a:t>
+            </a:r>
+            <a:r>
+              <a:rPr/>
+              <a:t> </a:t>
+            </a:r>
+            <a:r>
+              <a:rPr/>
+              <a:t>an</a:t>
+            </a:r>
+            <a:r>
+              <a:rPr/>
+              <a:t> </a:t>
+            </a:r>
+            <a:r>
+              <a:rPr/>
+              <a:t>X</a:t>
+            </a:r>
+            <a:r>
+              <a:rPr/>
+              <a:t> </a:t>
+            </a:r>
+            <a:r>
+              <a:rPr/>
+              <a:t>and</a:t>
+            </a:r>
+            <a:r>
+              <a:rPr/>
+              <a:t> </a:t>
+            </a:r>
+            <a:r>
+              <a:rPr/>
+              <a:t>an</a:t>
+            </a:r>
+            <a:r>
+              <a:rPr/>
+              <a:t> </a:t>
+            </a:r>
+            <a:r>
+              <a:rPr/>
+              <a:t>O</a:t>
+            </a:r>
+            <a:r>
+              <a:rPr/>
+              <a:t> </a:t>
+            </a:r>
+            <a:r>
+              <a:rPr/>
+              <a:t>on</a:t>
+            </a:r>
+            <a:r>
+              <a:rPr/>
+              <a:t> </a:t>
+            </a:r>
+            <a:r>
+              <a:rPr/>
+              <a:t>size.</a:t>
+            </a:r>
+            <a:r>
+              <a:rPr/>
+              <a:t> </a:t>
+            </a:r>
+            <a:r>
+              <a:rPr/>
+              <a:t>Is</a:t>
+            </a:r>
+            <a:r>
+              <a:rPr/>
+              <a:t> </a:t>
+            </a:r>
+            <a:r>
+              <a:rPr/>
+              <a:t>the</a:t>
+            </a:r>
+            <a:r>
+              <a:rPr/>
+              <a:t> </a:t>
+            </a:r>
+            <a:r>
+              <a:rPr/>
+              <a:t>size</a:t>
+            </a:r>
+            <a:r>
+              <a:rPr/>
+              <a:t> </a:t>
+            </a:r>
+            <a:r>
+              <a:rPr/>
+              <a:t>related</a:t>
+            </a:r>
+            <a:r>
+              <a:rPr/>
+              <a:t> </a:t>
+            </a:r>
+            <a:r>
+              <a:rPr/>
+              <a:t>to</a:t>
+            </a:r>
+            <a:r>
+              <a:rPr/>
+              <a:t> </a:t>
+            </a:r>
+            <a:r>
+              <a:rPr/>
+              <a:t>the</a:t>
+            </a:r>
+            <a:r>
+              <a:rPr/>
+              <a:t> </a:t>
+            </a:r>
+            <a:r>
+              <a:rPr/>
+              <a:t>diameter,</a:t>
+            </a:r>
+            <a:r>
+              <a:rPr/>
+              <a:t> </a:t>
+            </a:r>
+            <a:r>
+              <a:rPr/>
+              <a:t>the</a:t>
+            </a:r>
+            <a:r>
+              <a:rPr/>
+              <a:t> </a:t>
+            </a:r>
+            <a:r>
+              <a:rPr/>
+              <a:t>area,</a:t>
+            </a:r>
+            <a:r>
+              <a:rPr/>
+              <a:t> </a:t>
+            </a:r>
+            <a:r>
+              <a:rPr/>
+              <a:t>or</a:t>
+            </a:r>
+            <a:r>
+              <a:rPr/>
+              <a:t> </a:t>
+            </a:r>
+            <a:r>
+              <a:rPr/>
+              <a:t>the</a:t>
+            </a:r>
+            <a:r>
+              <a:rPr/>
+              <a:t> </a:t>
+            </a:r>
+            <a:r>
+              <a:rPr/>
+              <a:t>perimeter?</a:t>
+            </a:r>
+            <a:r>
+              <a:rPr/>
+              <a:t> </a:t>
+            </a:r>
+            <a:r>
+              <a:rPr/>
+              <a:t>There’s</a:t>
+            </a:r>
+            <a:r>
+              <a:rPr/>
+              <a:t> </a:t>
+            </a:r>
+            <a:r>
+              <a:rPr/>
+              <a:t>no</a:t>
+            </a:r>
+            <a:r>
+              <a:rPr/>
+              <a:t> </a:t>
+            </a:r>
+            <a:r>
+              <a:rPr/>
+              <a:t>really</a:t>
+            </a:r>
+            <a:r>
+              <a:rPr/>
+              <a:t> </a:t>
+            </a:r>
+            <a:r>
+              <a:rPr/>
+              <a:t>good</a:t>
+            </a:r>
+            <a:r>
+              <a:rPr/>
+              <a:t> </a:t>
+            </a:r>
+            <a:r>
+              <a:rPr/>
+              <a:t>answer,</a:t>
+            </a:r>
+            <a:r>
+              <a:rPr/>
+              <a:t> </a:t>
+            </a:r>
+            <a:r>
+              <a:rPr/>
+              <a:t>so</a:t>
+            </a:r>
+            <a:r>
+              <a:rPr/>
+              <a:t> </a:t>
+            </a:r>
+            <a:r>
+              <a:rPr/>
+              <a:t>it’s</a:t>
+            </a:r>
+            <a:r>
+              <a:rPr/>
+              <a:t> </a:t>
+            </a:r>
+            <a:r>
+              <a:rPr/>
+              <a:t>asking</a:t>
+            </a:r>
+            <a:r>
+              <a:rPr/>
+              <a:t> </a:t>
+            </a:r>
+            <a:r>
+              <a:rPr/>
+              <a:t>to</a:t>
+            </a:r>
+            <a:r>
+              <a:rPr/>
+              <a:t> </a:t>
+            </a:r>
+            <a:r>
+              <a:rPr/>
+              <a:t>much</a:t>
+            </a:r>
+            <a:r>
+              <a:rPr/>
+              <a:t> </a:t>
+            </a:r>
+            <a:r>
+              <a:rPr/>
+              <a:t>of</a:t>
+            </a:r>
+            <a:r>
+              <a:rPr/>
+              <a:t> </a:t>
+            </a:r>
+            <a:r>
+              <a:rPr/>
+              <a:t>a</a:t>
+            </a:r>
+            <a:r>
+              <a:rPr/>
+              <a:t> </a:t>
+            </a:r>
+            <a:r>
+              <a:rPr/>
+              <a:t>graph</a:t>
+            </a:r>
+            <a:r>
+              <a:rPr/>
+              <a:t> </a:t>
+            </a:r>
+            <a:r>
+              <a:rPr/>
+              <a:t>that</a:t>
+            </a:r>
+            <a:r>
+              <a:rPr/>
+              <a:t> </a:t>
+            </a:r>
+            <a:r>
+              <a:rPr/>
+              <a:t>asks</a:t>
+            </a:r>
+            <a:r>
+              <a:rPr/>
+              <a:t> </a:t>
+            </a:r>
+            <a:r>
+              <a:rPr/>
+              <a:t>you</a:t>
+            </a:r>
+            <a:r>
+              <a:rPr/>
+              <a:t> </a:t>
+            </a:r>
+            <a:r>
+              <a:rPr/>
+              <a:t>to</a:t>
+            </a:r>
+            <a:r>
+              <a:rPr/>
+              <a:t> </a:t>
+            </a:r>
+            <a:r>
+              <a:rPr/>
+              <a:t>decide</a:t>
+            </a:r>
+            <a:r>
+              <a:rPr/>
+              <a:t> </a:t>
+            </a:r>
+            <a:r>
+              <a:rPr/>
+              <a:t>which</a:t>
+            </a:r>
+            <a:r>
+              <a:rPr/>
+              <a:t> </a:t>
+            </a:r>
+            <a:r>
+              <a:rPr/>
+              <a:t>is</a:t>
+            </a:r>
+            <a:r>
+              <a:rPr/>
+              <a:t> </a:t>
+            </a:r>
+            <a:r>
+              <a:rPr/>
+              <a:t>larger</a:t>
+            </a:r>
+            <a:r>
+              <a:rPr/>
+              <a:t> </a:t>
+            </a:r>
+            <a:r>
+              <a:rPr/>
+              <a:t>among</a:t>
+            </a:r>
+            <a:r>
+              <a:rPr/>
+              <a:t> </a:t>
+            </a:r>
+            <a:r>
+              <a:rPr/>
+              <a:t>points</a:t>
+            </a:r>
+            <a:r>
+              <a:rPr/>
+              <a:t> </a:t>
+            </a:r>
+            <a:r>
+              <a:rPr/>
+              <a:t>represent</a:t>
+            </a:r>
+            <a:r>
+              <a:rPr/>
+              <a:t> </a:t>
+            </a:r>
+            <a:r>
+              <a:rPr/>
+              <a:t>different</a:t>
+            </a:r>
+            <a:r>
+              <a:rPr/>
+              <a:t> </a:t>
+            </a:r>
+            <a:r>
+              <a:rPr/>
+              <a:t>shapes.</a:t>
+            </a:r>
+            <a:r>
+              <a:rPr/>
+              <a:t> </a:t>
+            </a:r>
+            <a:r>
+              <a:rPr/>
+              <a:t>Either</a:t>
+            </a:r>
+            <a:r>
+              <a:rPr/>
+              <a:t> </a:t>
+            </a:r>
+            <a:r>
+              <a:rPr/>
+              <a:t>vary</a:t>
+            </a:r>
+            <a:r>
+              <a:rPr/>
+              <a:t> </a:t>
+            </a:r>
+            <a:r>
+              <a:rPr/>
+              <a:t>the</a:t>
+            </a:r>
+            <a:r>
+              <a:rPr/>
+              <a:t> </a:t>
+            </a:r>
+            <a:r>
+              <a:rPr/>
+              <a:t>shape</a:t>
+            </a:r>
+            <a:r>
+              <a:rPr/>
+              <a:t> </a:t>
+            </a:r>
+            <a:r>
+              <a:rPr/>
+              <a:t>or</a:t>
+            </a:r>
+            <a:r>
+              <a:rPr/>
+              <a:t> </a:t>
+            </a:r>
+            <a:r>
+              <a:rPr/>
+              <a:t>vary</a:t>
+            </a:r>
+            <a:r>
+              <a:rPr/>
+              <a:t> </a:t>
+            </a:r>
+            <a:r>
+              <a:rPr/>
+              <a:t>the</a:t>
+            </a:r>
+            <a:r>
+              <a:rPr/>
+              <a:t> </a:t>
+            </a:r>
+            <a:r>
+              <a:rPr/>
+              <a:t>size,</a:t>
+            </a:r>
+            <a:r>
+              <a:rPr/>
+              <a:t> </a:t>
+            </a:r>
+            <a:r>
+              <a:rPr/>
+              <a:t>but</a:t>
+            </a:r>
+            <a:r>
+              <a:rPr/>
+              <a:t> </a:t>
+            </a:r>
+            <a:r>
+              <a:rPr/>
+              <a:t>not</a:t>
+            </a:r>
+            <a:r>
+              <a:rPr/>
+              <a:t> </a:t>
+            </a:r>
+            <a:r>
+              <a:rPr/>
+              <a:t>both.</a:t>
+            </a:r>
+          </a:p>
+        </p:txBody>
+      </p:sp>
+      <p:sp>
+        <p:nvSpPr>
+          <p:cNvPr id="4" name="Slide Number Placeholder 3"/>
+          <p:cNvSpPr>
+            <a:spLocks noGrp="1"/>
+          </p:cNvSpPr>
+          <p:nvPr>
+            <p:ph type="sldNum" sz="quarter" idx="10"/>
+          </p:nvPr>
+        </p:nvSpPr>
+        <p:spPr/>
+        <p:txBody>
+          <a:bodyPr/>
+          <a:lstStyle/>
+          <a:p>
+            <a:fld id="{18BDFEC3-8487-43E8-A154-7C12CBC1FFF2}" type="slidenum">
+              <a:rPr lang="en-US"/>
+              <a:t>11</a:t>
             </a:fld>
             <a:endParaRPr lang="en-US"/>
           </a:p>
@@ -5875,92 +7089,23 @@
             </a:pPr>
             <a:r>
               <a:rPr/>
-              <a:t>Some</a:t>
-            </a:r>
-            <a:r>
-              <a:rPr/>
-              <a:t> </a:t>
-            </a:r>
-            <a:r>
-              <a:rPr/>
-              <a:t>restrictions</a:t>
-            </a:r>
-          </a:p>
-        </p:txBody>
-      </p:sp>
-      <p:sp>
-        <p:nvSpPr>
-          <p:cNvPr id="3" name="Content Placeholder 2"/>
-          <p:cNvSpPr>
-            <a:spLocks noGrp="1"/>
-          </p:cNvSpPr>
-          <p:nvPr>
-            <p:ph idx="1"/>
-          </p:nvPr>
-        </p:nvSpPr>
-        <p:spPr/>
-        <p:txBody>
-          <a:bodyPr/>
-          <a:lstStyle/>
-          <a:p>
-            <a:pPr lvl="1"/>
-            <a:r>
-              <a:rPr/>
-              <a:t>Shape is only good for categories</a:t>
-            </a:r>
-          </a:p>
-          <a:p>
-            <a:pPr lvl="1"/>
-            <a:r>
-              <a:rPr/>
-              <a:t>Shape and size don’t mix</a:t>
-            </a:r>
-          </a:p>
-        </p:txBody>
-      </p:sp>
-    </p:spTree>
-  </p:cSld>
-</p:sld>
-</file>
-
-<file path=ppt/slides/slide2.xml><?xml version="1.0" encoding="utf-8"?>
-<p:sld xmlns:a="http://schemas.openxmlformats.org/drawingml/2006/main" xmlns:r="http://schemas.openxmlformats.org/officeDocument/2006/relationships" xmlns:p="http://schemas.openxmlformats.org/presentationml/2006/main">
-  <p:cSld>
-    <p:spTree>
-      <p:nvGrpSpPr>
-        <p:cNvPr id="1" name=""/>
-        <p:cNvGrpSpPr/>
-        <p:nvPr/>
-      </p:nvGrpSpPr>
-      <p:grpSpPr>
-        <a:xfrm>
-          <a:off x="0" y="0"/>
-          <a:ext cx="0" cy="0"/>
-          <a:chOff x="0" y="0"/>
-          <a:chExt cx="0" cy="0"/>
-        </a:xfrm>
-      </p:grpSpPr>
-      <p:sp>
-        <p:nvSpPr>
-          <p:cNvPr id="2" name="Title 1"/>
-          <p:cNvSpPr>
-            <a:spLocks noGrp="1"/>
-          </p:cNvSpPr>
-          <p:nvPr>
-            <p:ph type="title"/>
-          </p:nvPr>
-        </p:nvSpPr>
-        <p:spPr/>
-        <p:txBody>
-          <a:bodyPr/>
-          <a:lstStyle/>
-          <a:p>
-            <a:pPr lvl="0" marL="0" indent="0">
-              <a:buNone/>
-            </a:pPr>
-            <a:r>
-              <a:rPr/>
-              <a:t>Solutions</a:t>
+              <a:t>Recommendations,</a:t>
+            </a:r>
+            <a:r>
+              <a:rPr/>
+              <a:t> </a:t>
+            </a:r>
+            <a:r>
+              <a:rPr/>
+              <a:t>Double</a:t>
+            </a:r>
+            <a:r>
+              <a:rPr/>
+              <a:t> </a:t>
+            </a:r>
+            <a:r>
+              <a:rPr/>
+              <a:t>up</a:t>
             </a:r>
             <a:r>
               <a:rPr/>
@@ -5976,129 +7121,14 @@
             </a:r>
             <a:r>
               <a:rPr/>
-              <a:t>excessive</a:t>
-            </a:r>
-            <a:r>
-              <a:rPr/>
-              <a:t> </a:t>
-            </a:r>
-            <a:r>
-              <a:rPr/>
-              <a:t>overprinting</a:t>
-            </a:r>
-          </a:p>
-        </p:txBody>
-      </p:sp>
-      <p:sp>
-        <p:nvSpPr>
-          <p:cNvPr id="3" name="Content Placeholder 2"/>
-          <p:cNvSpPr>
-            <a:spLocks noGrp="1"/>
-          </p:cNvSpPr>
-          <p:nvPr>
-            <p:ph idx="1"/>
-          </p:nvPr>
-        </p:nvSpPr>
-        <p:spPr/>
-        <p:txBody>
-          <a:bodyPr/>
-          <a:lstStyle/>
-          <a:p>
-            <a:pPr lvl="1"/>
-            <a:r>
-              <a:rPr/>
-              <a:t>Opacity</a:t>
-            </a:r>
-          </a:p>
-          <a:p>
-            <a:pPr lvl="1"/>
-            <a:r>
-              <a:rPr/>
-              <a:t>Small points</a:t>
-            </a:r>
-          </a:p>
-          <a:p>
-            <a:pPr lvl="1"/>
-            <a:r>
-              <a:rPr/>
-              <a:t>Open symbols</a:t>
-            </a:r>
-          </a:p>
-          <a:p>
-            <a:pPr lvl="1"/>
-            <a:r>
-              <a:rPr/>
-              <a:t>Log scale</a:t>
-            </a:r>
-          </a:p>
-        </p:txBody>
-      </p:sp>
-    </p:spTree>
-  </p:cSld>
-</p:sld>
-</file>
-
-<file path=ppt/slides/slide3.xml><?xml version="1.0" encoding="utf-8"?>
-<p:sld xmlns:a="http://schemas.openxmlformats.org/drawingml/2006/main" xmlns:r="http://schemas.openxmlformats.org/officeDocument/2006/relationships" xmlns:p="http://schemas.openxmlformats.org/presentationml/2006/main">
-  <p:cSld>
-    <p:spTree>
-      <p:nvGrpSpPr>
-        <p:cNvPr id="1" name=""/>
-        <p:cNvGrpSpPr/>
-        <p:nvPr/>
-      </p:nvGrpSpPr>
-      <p:grpSpPr>
-        <a:xfrm>
-          <a:off x="0" y="0"/>
-          <a:ext cx="0" cy="0"/>
-          <a:chOff x="0" y="0"/>
-          <a:chExt cx="0" cy="0"/>
-        </a:xfrm>
-      </p:grpSpPr>
-      <p:sp>
-        <p:nvSpPr>
-          <p:cNvPr id="2" name="Title 1"/>
-          <p:cNvSpPr>
-            <a:spLocks noGrp="1"/>
-          </p:cNvSpPr>
-          <p:nvPr>
-            <p:ph type="title"/>
-          </p:nvPr>
-        </p:nvSpPr>
-        <p:spPr/>
-        <p:txBody>
-          <a:bodyPr/>
-          <a:lstStyle/>
-          <a:p>
-            <a:pPr lvl="0" marL="0" indent="0">
-              <a:buNone/>
-            </a:pPr>
-            <a:r>
-              <a:rPr/>
-              <a:t>Overprinting</a:t>
-            </a:r>
-            <a:r>
-              <a:rPr/>
-              <a:t> </a:t>
-            </a:r>
-            <a:r>
-              <a:rPr/>
-              <a:t>-</a:t>
-            </a:r>
-            <a:r>
-              <a:rPr/>
-              <a:t> </a:t>
-            </a:r>
-            <a:r>
-              <a:rPr/>
-              <a:t>opacity</a:t>
+              <a:t>emphasize</a:t>
             </a:r>
           </a:p>
         </p:txBody>
       </p:sp>
       <p:pic>
         <p:nvPicPr>
-          <p:cNvPr descr="../images/point-opacity.png" id="0" name="Picture 1"/>
+          <p:cNvPr descr="../images/r/double-up.png" id="0" name="Picture 1"/>
           <p:cNvPicPr>
             <a:picLocks noGrp="1" noChangeAspect="1"/>
           </p:cNvPicPr>
@@ -6151,15 +7181,7 @@
             </a:pPr>
             <a:r>
               <a:rPr/>
-              <a:t>R</a:t>
-            </a:r>
-            <a:r>
-              <a:rPr/>
-              <a:t> </a:t>
-            </a:r>
-            <a:r>
-              <a:rPr/>
-              <a:t>graph</a:t>
+              <a:t>Graph</a:t>
             </a:r>
             <a:r>
               <a:rPr/>
@@ -6175,7 +7197,439 @@
             </a:r>
             <a:r>
               <a:rPr/>
-              <a:t>opacity</a:t>
+              <a:t>colors</a:t>
+            </a:r>
+            <a:r>
+              <a:rPr/>
+              <a:t> </a:t>
+            </a:r>
+            <a:r>
+              <a:rPr/>
+              <a:t>and</a:t>
+            </a:r>
+            <a:r>
+              <a:rPr/>
+              <a:t> </a:t>
+            </a:r>
+            <a:r>
+              <a:rPr/>
+              <a:t>shapes</a:t>
+            </a:r>
+          </a:p>
+        </p:txBody>
+      </p:sp>
+    </p:spTree>
+  </p:cSld>
+</p:sld>
+</file>
+
+<file path=ppt/slides/slide11.xml><?xml version="1.0" encoding="utf-8"?>
+<p:sld xmlns:a="http://schemas.openxmlformats.org/drawingml/2006/main" xmlns:r="http://schemas.openxmlformats.org/officeDocument/2006/relationships" xmlns:p="http://schemas.openxmlformats.org/presentationml/2006/main">
+  <p:cSld>
+    <p:spTree>
+      <p:nvGrpSpPr>
+        <p:cNvPr id="1" name=""/>
+        <p:cNvGrpSpPr/>
+        <p:nvPr/>
+      </p:nvGrpSpPr>
+      <p:grpSpPr>
+        <a:xfrm>
+          <a:off x="0" y="0"/>
+          <a:ext cx="0" cy="0"/>
+          <a:chOff x="0" y="0"/>
+          <a:chExt cx="0" cy="0"/>
+        </a:xfrm>
+      </p:grpSpPr>
+      <p:sp>
+        <p:nvSpPr>
+          <p:cNvPr id="2" name="Title 1"/>
+          <p:cNvSpPr>
+            <a:spLocks noGrp="1"/>
+          </p:cNvSpPr>
+          <p:nvPr>
+            <p:ph type="title"/>
+          </p:nvPr>
+        </p:nvSpPr>
+        <p:spPr/>
+        <p:txBody>
+          <a:bodyPr/>
+          <a:lstStyle/>
+          <a:p>
+            <a:pPr lvl="0" marL="0" indent="0">
+              <a:buNone/>
+            </a:pPr>
+            <a:r>
+              <a:rPr/>
+              <a:t>Recommendations,</a:t>
+            </a:r>
+            <a:r>
+              <a:rPr/>
+              <a:t> </a:t>
+            </a:r>
+            <a:r>
+              <a:rPr/>
+              <a:t>Some</a:t>
+            </a:r>
+            <a:r>
+              <a:rPr/>
+              <a:t> </a:t>
+            </a:r>
+            <a:r>
+              <a:rPr/>
+              <a:t>restrictions</a:t>
+            </a:r>
+          </a:p>
+        </p:txBody>
+      </p:sp>
+      <p:sp>
+        <p:nvSpPr>
+          <p:cNvPr id="3" name="Content Placeholder 2"/>
+          <p:cNvSpPr>
+            <a:spLocks noGrp="1"/>
+          </p:cNvSpPr>
+          <p:nvPr>
+            <p:ph idx="1"/>
+          </p:nvPr>
+        </p:nvSpPr>
+        <p:spPr/>
+        <p:txBody>
+          <a:bodyPr/>
+          <a:lstStyle/>
+          <a:p>
+            <a:pPr lvl="1"/>
+            <a:r>
+              <a:rPr/>
+              <a:t>Shape is only good for categories</a:t>
+            </a:r>
+          </a:p>
+          <a:p>
+            <a:pPr lvl="1"/>
+            <a:r>
+              <a:rPr/>
+              <a:t>Shape and size don’t mix</a:t>
+            </a:r>
+          </a:p>
+        </p:txBody>
+      </p:sp>
+    </p:spTree>
+  </p:cSld>
+</p:sld>
+</file>
+
+<file path=ppt/slides/slide12.xml><?xml version="1.0" encoding="utf-8"?>
+<p:sld xmlns:a="http://schemas.openxmlformats.org/drawingml/2006/main" xmlns:r="http://schemas.openxmlformats.org/officeDocument/2006/relationships" xmlns:p="http://schemas.openxmlformats.org/presentationml/2006/main">
+  <p:cSld>
+    <p:spTree>
+      <p:nvGrpSpPr>
+        <p:cNvPr id="1" name=""/>
+        <p:cNvGrpSpPr/>
+        <p:nvPr/>
+      </p:nvGrpSpPr>
+      <p:grpSpPr>
+        <a:xfrm>
+          <a:off x="0" y="0"/>
+          <a:ext cx="0" cy="0"/>
+          <a:chOff x="0" y="0"/>
+          <a:chExt cx="0" cy="0"/>
+        </a:xfrm>
+      </p:grpSpPr>
+      <p:sp>
+        <p:nvSpPr>
+          <p:cNvPr id="2" name="Title 1"/>
+          <p:cNvSpPr>
+            <a:spLocks noGrp="1"/>
+          </p:cNvSpPr>
+          <p:nvPr>
+            <p:ph type="title"/>
+          </p:nvPr>
+        </p:nvSpPr>
+        <p:spPr/>
+        <p:txBody>
+          <a:bodyPr/>
+          <a:lstStyle/>
+          <a:p>
+            <a:pPr lvl="0" marL="0" indent="0">
+              <a:buNone/>
+            </a:pPr>
+            <a:r>
+              <a:rPr/>
+              <a:t>Recommendations,</a:t>
+            </a:r>
+            <a:r>
+              <a:rPr/>
+              <a:t> </a:t>
+            </a:r>
+            <a:r>
+              <a:rPr/>
+              <a:t>summary</a:t>
+            </a:r>
+          </a:p>
+        </p:txBody>
+      </p:sp>
+      <p:sp>
+        <p:nvSpPr>
+          <p:cNvPr id="3" name="Content Placeholder 2"/>
+          <p:cNvSpPr>
+            <a:spLocks noGrp="1"/>
+          </p:cNvSpPr>
+          <p:nvPr>
+            <p:ph idx="1"/>
+          </p:nvPr>
+        </p:nvSpPr>
+        <p:spPr/>
+        <p:txBody>
+          <a:bodyPr/>
+          <a:lstStyle/>
+          <a:p>
+            <a:pPr lvl="1"/>
+            <a:r>
+              <a:rPr/>
+              <a:t>(To be added)</a:t>
+            </a:r>
+          </a:p>
+        </p:txBody>
+      </p:sp>
+    </p:spTree>
+  </p:cSld>
+</p:sld>
+</file>
+
+<file path=ppt/slides/slide2.xml><?xml version="1.0" encoding="utf-8"?>
+<p:sld xmlns:a="http://schemas.openxmlformats.org/drawingml/2006/main" xmlns:r="http://schemas.openxmlformats.org/officeDocument/2006/relationships" xmlns:p="http://schemas.openxmlformats.org/presentationml/2006/main">
+  <p:cSld>
+    <p:spTree>
+      <p:nvGrpSpPr>
+        <p:cNvPr id="1" name=""/>
+        <p:cNvGrpSpPr/>
+        <p:nvPr/>
+      </p:nvGrpSpPr>
+      <p:grpSpPr>
+        <a:xfrm>
+          <a:off x="0" y="0"/>
+          <a:ext cx="0" cy="0"/>
+          <a:chOff x="0" y="0"/>
+          <a:chExt cx="0" cy="0"/>
+        </a:xfrm>
+      </p:grpSpPr>
+      <p:sp>
+        <p:nvSpPr>
+          <p:cNvPr id="2" name="Title 1"/>
+          <p:cNvSpPr>
+            <a:spLocks noGrp="1"/>
+          </p:cNvSpPr>
+          <p:nvPr>
+            <p:ph type="title"/>
+          </p:nvPr>
+        </p:nvSpPr>
+        <p:spPr/>
+        <p:txBody>
+          <a:bodyPr/>
+          <a:lstStyle/>
+          <a:p>
+            <a:pPr lvl="0" marL="0" indent="0">
+              <a:buNone/>
+            </a:pPr>
+            <a:r>
+              <a:rPr/>
+              <a:t>Recommendations,</a:t>
+            </a:r>
+            <a:r>
+              <a:rPr/>
+              <a:t> </a:t>
+            </a:r>
+            <a:r>
+              <a:rPr/>
+              <a:t>outline</a:t>
+            </a:r>
+            <a:r>
+              <a:rPr/>
+              <a:t> </a:t>
+            </a:r>
+            <a:r>
+              <a:rPr/>
+              <a:t>of</a:t>
+            </a:r>
+            <a:r>
+              <a:rPr/>
+              <a:t> </a:t>
+            </a:r>
+            <a:r>
+              <a:rPr/>
+              <a:t>topics</a:t>
+            </a:r>
+          </a:p>
+        </p:txBody>
+      </p:sp>
+      <p:sp>
+        <p:nvSpPr>
+          <p:cNvPr id="3" name="Content Placeholder 2"/>
+          <p:cNvSpPr>
+            <a:spLocks noGrp="1"/>
+          </p:cNvSpPr>
+          <p:nvPr>
+            <p:ph idx="1"/>
+          </p:nvPr>
+        </p:nvSpPr>
+        <p:spPr/>
+        <p:txBody>
+          <a:bodyPr/>
+          <a:lstStyle/>
+          <a:p>
+            <a:pPr lvl="1"/>
+            <a:r>
+              <a:rPr/>
+              <a:t>Solving problems with overprinting</a:t>
+            </a:r>
+          </a:p>
+          <a:p>
+            <a:pPr lvl="1"/>
+            <a:r>
+              <a:rPr/>
+              <a:t>Don’t mix shape and size</a:t>
+            </a:r>
+          </a:p>
+          <a:p>
+            <a:pPr lvl="1"/>
+            <a:r>
+              <a:rPr/>
+              <a:t>Double up for emphasis</a:t>
+            </a:r>
+          </a:p>
+          <a:p>
+            <a:pPr lvl="1"/>
+            <a:r>
+              <a:rPr/>
+              <a:t>Shape is only good for categories</a:t>
+            </a:r>
+          </a:p>
+          <a:p>
+            <a:pPr lvl="1"/>
+            <a:r>
+              <a:rPr/>
+              <a:t>Size is only good for contiuous variables.</a:t>
+            </a:r>
+          </a:p>
+        </p:txBody>
+      </p:sp>
+    </p:spTree>
+  </p:cSld>
+</p:sld>
+</file>
+
+<file path=ppt/slides/slide3.xml><?xml version="1.0" encoding="utf-8"?>
+<p:sld xmlns:a="http://schemas.openxmlformats.org/drawingml/2006/main" xmlns:r="http://schemas.openxmlformats.org/officeDocument/2006/relationships" xmlns:p="http://schemas.openxmlformats.org/presentationml/2006/main">
+  <p:cSld>
+    <p:spTree>
+      <p:nvGrpSpPr>
+        <p:cNvPr id="1" name=""/>
+        <p:cNvGrpSpPr/>
+        <p:nvPr/>
+      </p:nvGrpSpPr>
+      <p:grpSpPr>
+        <a:xfrm>
+          <a:off x="0" y="0"/>
+          <a:ext cx="0" cy="0"/>
+          <a:chOff x="0" y="0"/>
+          <a:chExt cx="0" cy="0"/>
+        </a:xfrm>
+      </p:grpSpPr>
+      <p:sp>
+        <p:nvSpPr>
+          <p:cNvPr id="2" name="Title 1"/>
+          <p:cNvSpPr>
+            <a:spLocks noGrp="1"/>
+          </p:cNvSpPr>
+          <p:nvPr>
+            <p:ph type="title"/>
+          </p:nvPr>
+        </p:nvSpPr>
+        <p:spPr/>
+        <p:txBody>
+          <a:bodyPr/>
+          <a:lstStyle/>
+          <a:p>
+            <a:pPr lvl="0" marL="0" indent="0">
+              <a:buNone/>
+            </a:pPr>
+            <a:r>
+              <a:rPr/>
+              <a:t>Recommendations,</a:t>
+            </a:r>
+            <a:r>
+              <a:rPr/>
+              <a:t> </a:t>
+            </a:r>
+            <a:r>
+              <a:rPr/>
+              <a:t>Solutions</a:t>
+            </a:r>
+            <a:r>
+              <a:rPr/>
+              <a:t> </a:t>
+            </a:r>
+            <a:r>
+              <a:rPr/>
+              <a:t>to</a:t>
+            </a:r>
+            <a:r>
+              <a:rPr/>
+              <a:t> </a:t>
+            </a:r>
+            <a:r>
+              <a:rPr/>
+              <a:t>excessive</a:t>
+            </a:r>
+            <a:r>
+              <a:rPr/>
+              <a:t> </a:t>
+            </a:r>
+            <a:r>
+              <a:rPr/>
+              <a:t>overprinting</a:t>
+            </a:r>
+          </a:p>
+        </p:txBody>
+      </p:sp>
+      <p:sp>
+        <p:nvSpPr>
+          <p:cNvPr id="3" name="Content Placeholder 2"/>
+          <p:cNvSpPr>
+            <a:spLocks noGrp="1"/>
+          </p:cNvSpPr>
+          <p:nvPr>
+            <p:ph idx="1"/>
+          </p:nvPr>
+        </p:nvSpPr>
+        <p:spPr/>
+        <p:txBody>
+          <a:bodyPr/>
+          <a:lstStyle/>
+          <a:p>
+            <a:pPr lvl="1"/>
+            <a:r>
+              <a:rPr/>
+              <a:t>Opacity</a:t>
+            </a:r>
+          </a:p>
+          <a:p>
+            <a:pPr lvl="1"/>
+            <a:r>
+              <a:rPr/>
+              <a:t>Small points</a:t>
+            </a:r>
+          </a:p>
+          <a:p>
+            <a:pPr lvl="1"/>
+            <a:r>
+              <a:rPr/>
+              <a:t>Open symbols</a:t>
+            </a:r>
+          </a:p>
+          <a:p>
+            <a:pPr lvl="1"/>
+            <a:r>
+              <a:rPr/>
+              <a:t>Log scale</a:t>
             </a:r>
           </a:p>
         </p:txBody>
@@ -6222,6 +7676,14 @@
             </a:pPr>
             <a:r>
               <a:rPr/>
+              <a:t>Recommendations,</a:t>
+            </a:r>
+            <a:r>
+              <a:rPr/>
+              <a:t> </a:t>
+            </a:r>
+            <a:r>
+              <a:rPr/>
               <a:t>Overprinting</a:t>
             </a:r>
             <a:r>
@@ -6238,22 +7700,14 @@
             </a:r>
             <a:r>
               <a:rPr/>
-              <a:t>small</a:t>
-            </a:r>
-            <a:r>
-              <a:rPr/>
-              <a:t> </a:t>
-            </a:r>
-            <a:r>
-              <a:rPr/>
-              <a:t>points</a:t>
+              <a:t>opacity</a:t>
             </a:r>
           </a:p>
         </p:txBody>
       </p:sp>
       <p:pic>
         <p:nvPicPr>
-          <p:cNvPr descr="../images/small-points.png" id="0" name="Picture 1"/>
+          <p:cNvPr descr="../images/r/point-opacity.png" id="0" name="Picture 1"/>
           <p:cNvPicPr>
             <a:picLocks noGrp="1" noChangeAspect="1"/>
           </p:cNvPicPr>
@@ -6306,15 +7760,7 @@
             </a:pPr>
             <a:r>
               <a:rPr/>
-              <a:t>R</a:t>
-            </a:r>
-            <a:r>
-              <a:rPr/>
-              <a:t> </a:t>
-            </a:r>
-            <a:r>
-              <a:rPr/>
-              <a:t>graph</a:t>
+              <a:t>Graph</a:t>
             </a:r>
             <a:r>
               <a:rPr/>
@@ -6330,15 +7776,7 @@
             </a:r>
             <a:r>
               <a:rPr/>
-              <a:t>small</a:t>
-            </a:r>
-            <a:r>
-              <a:rPr/>
-              <a:t> </a:t>
-            </a:r>
-            <a:r>
-              <a:rPr/>
-              <a:t>points</a:t>
+              <a:t>opacity</a:t>
             </a:r>
           </a:p>
         </p:txBody>
@@ -6385,6 +7823,14 @@
             </a:pPr>
             <a:r>
               <a:rPr/>
+              <a:t>Recommendations,</a:t>
+            </a:r>
+            <a:r>
+              <a:rPr/>
+              <a:t> </a:t>
+            </a:r>
+            <a:r>
+              <a:rPr/>
               <a:t>Overprinting</a:t>
             </a:r>
             <a:r>
@@ -6401,22 +7847,22 @@
             </a:r>
             <a:r>
               <a:rPr/>
-              <a:t>open</a:t>
-            </a:r>
-            <a:r>
-              <a:rPr/>
-              <a:t> </a:t>
-            </a:r>
-            <a:r>
-              <a:rPr/>
-              <a:t>symbols</a:t>
+              <a:t>small</a:t>
+            </a:r>
+            <a:r>
+              <a:rPr/>
+              <a:t> </a:t>
+            </a:r>
+            <a:r>
+              <a:rPr/>
+              <a:t>points</a:t>
             </a:r>
           </a:p>
         </p:txBody>
       </p:sp>
       <p:pic>
         <p:nvPicPr>
-          <p:cNvPr descr="../images/open-symbols.png" id="0" name="Picture 1"/>
+          <p:cNvPr descr="../images/r/small-points.png" id="0" name="Picture 1"/>
           <p:cNvPicPr>
             <a:picLocks noGrp="1" noChangeAspect="1"/>
           </p:cNvPicPr>
@@ -6469,15 +7915,7 @@
             </a:pPr>
             <a:r>
               <a:rPr/>
-              <a:t>R</a:t>
-            </a:r>
-            <a:r>
-              <a:rPr/>
-              <a:t> </a:t>
-            </a:r>
-            <a:r>
-              <a:rPr/>
-              <a:t>graph</a:t>
+              <a:t>Graph</a:t>
             </a:r>
             <a:r>
               <a:rPr/>
@@ -6493,15 +7931,15 @@
             </a:r>
             <a:r>
               <a:rPr/>
-              <a:t>open</a:t>
-            </a:r>
-            <a:r>
-              <a:rPr/>
-              <a:t> </a:t>
-            </a:r>
-            <a:r>
-              <a:rPr/>
-              <a:t>circles</a:t>
+              <a:t>small</a:t>
+            </a:r>
+            <a:r>
+              <a:rPr/>
+              <a:t> </a:t>
+            </a:r>
+            <a:r>
+              <a:rPr/>
+              <a:t>points</a:t>
             </a:r>
           </a:p>
         </p:txBody>
@@ -6548,6 +7986,14 @@
             </a:pPr>
             <a:r>
               <a:rPr/>
+              <a:t>Recommendations,</a:t>
+            </a:r>
+            <a:r>
+              <a:rPr/>
+              <a:t> </a:t>
+            </a:r>
+            <a:r>
+              <a:rPr/>
               <a:t>Overprinting</a:t>
             </a:r>
             <a:r>
@@ -6564,22 +8010,193 @@
             </a:r>
             <a:r>
               <a:rPr/>
-              <a:t>log</a:t>
-            </a:r>
-            <a:r>
-              <a:rPr/>
-              <a:t> </a:t>
-            </a:r>
-            <a:r>
-              <a:rPr/>
-              <a:t>scale</a:t>
+              <a:t>open</a:t>
+            </a:r>
+            <a:r>
+              <a:rPr/>
+              <a:t> </a:t>
+            </a:r>
+            <a:r>
+              <a:rPr/>
+              <a:t>symbols</a:t>
             </a:r>
           </a:p>
         </p:txBody>
       </p:sp>
       <p:pic>
         <p:nvPicPr>
-          <p:cNvPr descr="../images/log-scale.png" id="0" name="Picture 1"/>
+          <p:cNvPr descr="../images/r/open-symbols.png" id="0" name="Picture 1"/>
+          <p:cNvPicPr>
+            <a:picLocks noGrp="1" noChangeAspect="1"/>
+          </p:cNvPicPr>
+          <p:nvPr/>
+        </p:nvPicPr>
+        <p:blipFill>
+          <a:blip r:embed="rId3"/>
+          <a:stretch>
+            <a:fillRect/>
+          </a:stretch>
+        </p:blipFill>
+        <p:spPr bwMode="auto">
+          <a:xfrm>
+            <a:off x="2565400" y="1600200"/>
+            <a:ext cx="4013200" cy="4013200"/>
+          </a:xfrm>
+          <a:prstGeom prst="rect">
+            <a:avLst/>
+          </a:prstGeom>
+          <a:noFill/>
+          <a:ln w="9525">
+            <a:noFill/>
+            <a:headEnd/>
+            <a:tailEnd/>
+          </a:ln>
+        </p:spPr>
+      </p:pic>
+      <p:sp>
+        <p:nvSpPr>
+          <p:cNvPr id="1" name="TextBox 3"/>
+          <p:cNvSpPr txBox="1"/>
+          <p:nvPr/>
+        </p:nvSpPr>
+        <p:spPr>
+          <a:xfrm>
+            <a:off x="457200" y="5613400"/>
+            <a:ext cx="8229600" cy="508000"/>
+          </a:xfrm>
+          <a:prstGeom prst="rect">
+            <a:avLst/>
+          </a:prstGeom>
+          <a:noFill/>
+        </p:spPr>
+        <p:txBody>
+          <a:bodyPr/>
+          <a:lstStyle/>
+          <a:p>
+            <a:pPr lvl="0" marL="0" indent="0" algn="ctr">
+              <a:buNone/>
+            </a:pPr>
+            <a:r>
+              <a:rPr/>
+              <a:t>R</a:t>
+            </a:r>
+            <a:r>
+              <a:rPr/>
+              <a:t> </a:t>
+            </a:r>
+            <a:r>
+              <a:rPr/>
+              <a:t>graph</a:t>
+            </a:r>
+            <a:r>
+              <a:rPr/>
+              <a:t> </a:t>
+            </a:r>
+            <a:r>
+              <a:rPr/>
+              <a:t>using</a:t>
+            </a:r>
+            <a:r>
+              <a:rPr/>
+              <a:t> </a:t>
+            </a:r>
+            <a:r>
+              <a:rPr/>
+              <a:t>open</a:t>
+            </a:r>
+            <a:r>
+              <a:rPr/>
+              <a:t> </a:t>
+            </a:r>
+            <a:r>
+              <a:rPr/>
+              <a:t>circles</a:t>
+            </a:r>
+          </a:p>
+        </p:txBody>
+      </p:sp>
+    </p:spTree>
+  </p:cSld>
+</p:sld>
+</file>
+
+<file path=ppt/slides/slide7.xml><?xml version="1.0" encoding="utf-8"?>
+<p:sld xmlns:a="http://schemas.openxmlformats.org/drawingml/2006/main" xmlns:r="http://schemas.openxmlformats.org/officeDocument/2006/relationships" xmlns:p="http://schemas.openxmlformats.org/presentationml/2006/main">
+  <p:cSld>
+    <p:spTree>
+      <p:nvGrpSpPr>
+        <p:cNvPr id="1" name=""/>
+        <p:cNvGrpSpPr/>
+        <p:nvPr/>
+      </p:nvGrpSpPr>
+      <p:grpSpPr>
+        <a:xfrm>
+          <a:off x="0" y="0"/>
+          <a:ext cx="0" cy="0"/>
+          <a:chOff x="0" y="0"/>
+          <a:chExt cx="0" cy="0"/>
+        </a:xfrm>
+      </p:grpSpPr>
+      <p:sp>
+        <p:nvSpPr>
+          <p:cNvPr id="2" name="Title 1"/>
+          <p:cNvSpPr>
+            <a:spLocks noGrp="1"/>
+          </p:cNvSpPr>
+          <p:nvPr>
+            <p:ph type="title"/>
+          </p:nvPr>
+        </p:nvSpPr>
+        <p:spPr/>
+        <p:txBody>
+          <a:bodyPr/>
+          <a:lstStyle/>
+          <a:p>
+            <a:pPr lvl="0" marL="0" indent="0">
+              <a:buNone/>
+            </a:pPr>
+            <a:r>
+              <a:rPr/>
+              <a:t>Recommendations,</a:t>
+            </a:r>
+            <a:r>
+              <a:rPr/>
+              <a:t> </a:t>
+            </a:r>
+            <a:r>
+              <a:rPr/>
+              <a:t>Overprinting</a:t>
+            </a:r>
+            <a:r>
+              <a:rPr/>
+              <a:t> </a:t>
+            </a:r>
+            <a:r>
+              <a:rPr/>
+              <a:t>-</a:t>
+            </a:r>
+            <a:r>
+              <a:rPr/>
+              <a:t> </a:t>
+            </a:r>
+            <a:r>
+              <a:rPr/>
+              <a:t>log</a:t>
+            </a:r>
+            <a:r>
+              <a:rPr/>
+              <a:t> </a:t>
+            </a:r>
+            <a:r>
+              <a:rPr/>
+              <a:t>scale</a:t>
+            </a:r>
+          </a:p>
+        </p:txBody>
+      </p:sp>
+      <p:pic>
+        <p:nvPicPr>
+          <p:cNvPr descr="../images/r/point-log-scale.png" id="0" name="Picture 1"/>
           <p:cNvPicPr>
             <a:picLocks noGrp="1" noChangeAspect="1"/>
           </p:cNvPicPr>
@@ -6632,15 +8249,7 @@
             </a:pPr>
             <a:r>
               <a:rPr/>
-              <a:t>R</a:t>
-            </a:r>
-            <a:r>
-              <a:rPr/>
-              <a:t> </a:t>
-            </a:r>
-            <a:r>
-              <a:rPr/>
-              <a:t>graph</a:t>
+              <a:t>Graph</a:t>
             </a:r>
             <a:r>
               <a:rPr/>
@@ -6665,105 +8274,6 @@
             <a:r>
               <a:rPr/>
               <a:t>scales</a:t>
-            </a:r>
-          </a:p>
-        </p:txBody>
-      </p:sp>
-    </p:spTree>
-  </p:cSld>
-</p:sld>
-</file>
-
-<file path=ppt/slides/slide7.xml><?xml version="1.0" encoding="utf-8"?>
-<p:sld xmlns:a="http://schemas.openxmlformats.org/drawingml/2006/main" xmlns:r="http://schemas.openxmlformats.org/officeDocument/2006/relationships" xmlns:p="http://schemas.openxmlformats.org/presentationml/2006/main">
-  <p:cSld>
-    <p:spTree>
-      <p:nvGrpSpPr>
-        <p:cNvPr id="1" name=""/>
-        <p:cNvGrpSpPr/>
-        <p:nvPr/>
-      </p:nvGrpSpPr>
-      <p:grpSpPr>
-        <a:xfrm>
-          <a:off x="0" y="0"/>
-          <a:ext cx="0" cy="0"/>
-          <a:chOff x="0" y="0"/>
-          <a:chExt cx="0" cy="0"/>
-        </a:xfrm>
-      </p:grpSpPr>
-      <p:sp>
-        <p:nvSpPr>
-          <p:cNvPr id="2" name="Title 1"/>
-          <p:cNvSpPr>
-            <a:spLocks noGrp="1"/>
-          </p:cNvSpPr>
-          <p:nvPr>
-            <p:ph type="title"/>
-          </p:nvPr>
-        </p:nvSpPr>
-        <p:spPr/>
-        <p:txBody>
-          <a:bodyPr/>
-          <a:lstStyle/>
-          <a:p>
-            <a:pPr lvl="0" marL="0" indent="0">
-              <a:buNone/>
-            </a:pPr>
-            <a:r>
-              <a:rPr/>
-              <a:t>Some</a:t>
-            </a:r>
-            <a:r>
-              <a:rPr/>
-              <a:t> </a:t>
-            </a:r>
-            <a:r>
-              <a:rPr/>
-              <a:t>tips</a:t>
-            </a:r>
-          </a:p>
-        </p:txBody>
-      </p:sp>
-      <p:sp>
-        <p:nvSpPr>
-          <p:cNvPr id="3" name="Content Placeholder 2"/>
-          <p:cNvSpPr>
-            <a:spLocks noGrp="1"/>
-          </p:cNvSpPr>
-          <p:nvPr>
-            <p:ph idx="1"/>
-          </p:nvPr>
-        </p:nvSpPr>
-        <p:spPr/>
-        <p:txBody>
-          <a:bodyPr/>
-          <a:lstStyle/>
-          <a:p>
-            <a:pPr lvl="1"/>
-            <a:r>
-              <a:rPr/>
-              <a:t>Don’t try to squeeze in too much</a:t>
-            </a:r>
-          </a:p>
-          <a:p>
-            <a:pPr lvl="1"/>
-            <a:r>
-              <a:rPr/>
-              <a:t>Double up to emphasize</a:t>
-            </a:r>
-          </a:p>
-          <a:p>
-            <a:pPr lvl="1"/>
-            <a:r>
-              <a:rPr/>
-              <a:t>Shape is only good for categories</a:t>
-            </a:r>
-          </a:p>
-          <a:p>
-            <a:pPr lvl="1"/>
-            <a:r>
-              <a:rPr/>
-              <a:t>Shape and size don’t mix</a:t>
             </a:r>
           </a:p>
         </p:txBody>
@@ -6810,6 +8320,121 @@
             </a:pPr>
             <a:r>
               <a:rPr/>
+              <a:t>Recommendations,</a:t>
+            </a:r>
+            <a:r>
+              <a:rPr/>
+              <a:t> </a:t>
+            </a:r>
+            <a:r>
+              <a:rPr/>
+              <a:t>Some</a:t>
+            </a:r>
+            <a:r>
+              <a:rPr/>
+              <a:t> </a:t>
+            </a:r>
+            <a:r>
+              <a:rPr/>
+              <a:t>tips</a:t>
+            </a:r>
+          </a:p>
+        </p:txBody>
+      </p:sp>
+      <p:sp>
+        <p:nvSpPr>
+          <p:cNvPr id="3" name="Content Placeholder 2"/>
+          <p:cNvSpPr>
+            <a:spLocks noGrp="1"/>
+          </p:cNvSpPr>
+          <p:nvPr>
+            <p:ph idx="1"/>
+          </p:nvPr>
+        </p:nvSpPr>
+        <p:spPr/>
+        <p:txBody>
+          <a:bodyPr/>
+          <a:lstStyle/>
+          <a:p>
+            <a:pPr lvl="1"/>
+            <a:r>
+              <a:rPr/>
+              <a:t>Don’t try to squeeze in too much</a:t>
+            </a:r>
+          </a:p>
+          <a:p>
+            <a:pPr lvl="1"/>
+            <a:r>
+              <a:rPr/>
+              <a:t>Double up to emphasize</a:t>
+            </a:r>
+          </a:p>
+          <a:p>
+            <a:pPr lvl="1"/>
+            <a:r>
+              <a:rPr/>
+              <a:t>Shape is only good for categories</a:t>
+            </a:r>
+          </a:p>
+          <a:p>
+            <a:pPr lvl="1"/>
+            <a:r>
+              <a:rPr/>
+              <a:t>Shape and size don’t mix</a:t>
+            </a:r>
+          </a:p>
+        </p:txBody>
+      </p:sp>
+    </p:spTree>
+  </p:cSld>
+</p:sld>
+</file>
+
+<file path=ppt/slides/slide9.xml><?xml version="1.0" encoding="utf-8"?>
+<p:sld xmlns:a="http://schemas.openxmlformats.org/drawingml/2006/main" xmlns:r="http://schemas.openxmlformats.org/officeDocument/2006/relationships" xmlns:p="http://schemas.openxmlformats.org/presentationml/2006/main">
+  <p:cSld>
+    <p:spTree>
+      <p:nvGrpSpPr>
+        <p:cNvPr id="1" name=""/>
+        <p:cNvGrpSpPr/>
+        <p:nvPr/>
+      </p:nvGrpSpPr>
+      <p:grpSpPr>
+        <a:xfrm>
+          <a:off x="0" y="0"/>
+          <a:ext cx="0" cy="0"/>
+          <a:chOff x="0" y="0"/>
+          <a:chExt cx="0" cy="0"/>
+        </a:xfrm>
+      </p:grpSpPr>
+      <p:sp>
+        <p:nvSpPr>
+          <p:cNvPr id="2" name="Title 1"/>
+          <p:cNvSpPr>
+            <a:spLocks noGrp="1"/>
+          </p:cNvSpPr>
+          <p:nvPr>
+            <p:ph type="title"/>
+          </p:nvPr>
+        </p:nvSpPr>
+        <p:spPr/>
+        <p:txBody>
+          <a:bodyPr/>
+          <a:lstStyle/>
+          <a:p>
+            <a:pPr lvl="0" marL="0" indent="0">
+              <a:buNone/>
+            </a:pPr>
+            <a:r>
+              <a:rPr/>
+              <a:t>Recommendations,</a:t>
+            </a:r>
+            <a:r>
+              <a:rPr/>
+              <a:t> </a:t>
+            </a:r>
+            <a:r>
+              <a:rPr/>
               <a:t>Don’t</a:t>
             </a:r>
             <a:r>
@@ -6865,7 +8490,7 @@
       </p:sp>
       <p:pic>
         <p:nvPicPr>
-          <p:cNvPr descr="../images/aesthetics-color-3.png" id="0" name="Picture 1"/>
+          <p:cNvPr descr="../images/r/point-aesthetics-color-3.png" id="0" name="Picture 1"/>
           <p:cNvPicPr>
             <a:picLocks noGrp="1" noChangeAspect="1"/>
           </p:cNvPicPr>
@@ -6918,15 +8543,7 @@
             </a:pPr>
             <a:r>
               <a:rPr/>
-              <a:t>R</a:t>
-            </a:r>
-            <a:r>
-              <a:rPr/>
-              <a:t> </a:t>
-            </a:r>
-            <a:r>
-              <a:rPr/>
-              <a:t>graph</a:t>
+              <a:t>Graph</a:t>
             </a:r>
             <a:r>
               <a:rPr/>
@@ -6959,177 +8576,6 @@
             <a:r>
               <a:rPr/>
               <a:t>colors</a:t>
-            </a:r>
-          </a:p>
-        </p:txBody>
-      </p:sp>
-    </p:spTree>
-  </p:cSld>
-</p:sld>
-</file>
-
-<file path=ppt/slides/slide9.xml><?xml version="1.0" encoding="utf-8"?>
-<p:sld xmlns:a="http://schemas.openxmlformats.org/drawingml/2006/main" xmlns:r="http://schemas.openxmlformats.org/officeDocument/2006/relationships" xmlns:p="http://schemas.openxmlformats.org/presentationml/2006/main">
-  <p:cSld>
-    <p:spTree>
-      <p:nvGrpSpPr>
-        <p:cNvPr id="1" name=""/>
-        <p:cNvGrpSpPr/>
-        <p:nvPr/>
-      </p:nvGrpSpPr>
-      <p:grpSpPr>
-        <a:xfrm>
-          <a:off x="0" y="0"/>
-          <a:ext cx="0" cy="0"/>
-          <a:chOff x="0" y="0"/>
-          <a:chExt cx="0" cy="0"/>
-        </a:xfrm>
-      </p:grpSpPr>
-      <p:sp>
-        <p:nvSpPr>
-          <p:cNvPr id="2" name="Title 1"/>
-          <p:cNvSpPr>
-            <a:spLocks noGrp="1"/>
-          </p:cNvSpPr>
-          <p:nvPr>
-            <p:ph type="title"/>
-          </p:nvPr>
-        </p:nvSpPr>
-        <p:spPr/>
-        <p:txBody>
-          <a:bodyPr/>
-          <a:lstStyle/>
-          <a:p>
-            <a:pPr lvl="0" marL="0" indent="0">
-              <a:buNone/>
-            </a:pPr>
-            <a:r>
-              <a:rPr/>
-              <a:t>Double</a:t>
-            </a:r>
-            <a:r>
-              <a:rPr/>
-              <a:t> </a:t>
-            </a:r>
-            <a:r>
-              <a:rPr/>
-              <a:t>up</a:t>
-            </a:r>
-            <a:r>
-              <a:rPr/>
-              <a:t> </a:t>
-            </a:r>
-            <a:r>
-              <a:rPr/>
-              <a:t>to</a:t>
-            </a:r>
-            <a:r>
-              <a:rPr/>
-              <a:t> </a:t>
-            </a:r>
-            <a:r>
-              <a:rPr/>
-              <a:t>emphasize</a:t>
-            </a:r>
-          </a:p>
-        </p:txBody>
-      </p:sp>
-      <p:pic>
-        <p:nvPicPr>
-          <p:cNvPr descr="../images/double-up.png" id="0" name="Picture 1"/>
-          <p:cNvPicPr>
-            <a:picLocks noGrp="1" noChangeAspect="1"/>
-          </p:cNvPicPr>
-          <p:nvPr/>
-        </p:nvPicPr>
-        <p:blipFill>
-          <a:blip r:embed="rId3"/>
-          <a:stretch>
-            <a:fillRect/>
-          </a:stretch>
-        </p:blipFill>
-        <p:spPr bwMode="auto">
-          <a:xfrm>
-            <a:off x="2565400" y="1600200"/>
-            <a:ext cx="4013200" cy="4013200"/>
-          </a:xfrm>
-          <a:prstGeom prst="rect">
-            <a:avLst/>
-          </a:prstGeom>
-          <a:noFill/>
-          <a:ln w="9525">
-            <a:noFill/>
-            <a:headEnd/>
-            <a:tailEnd/>
-          </a:ln>
-        </p:spPr>
-      </p:pic>
-      <p:sp>
-        <p:nvSpPr>
-          <p:cNvPr id="1" name="TextBox 3"/>
-          <p:cNvSpPr txBox="1"/>
-          <p:nvPr/>
-        </p:nvSpPr>
-        <p:spPr>
-          <a:xfrm>
-            <a:off x="457200" y="5613400"/>
-            <a:ext cx="8229600" cy="508000"/>
-          </a:xfrm>
-          <a:prstGeom prst="rect">
-            <a:avLst/>
-          </a:prstGeom>
-          <a:noFill/>
-        </p:spPr>
-        <p:txBody>
-          <a:bodyPr/>
-          <a:lstStyle/>
-          <a:p>
-            <a:pPr lvl="0" marL="0" indent="0" algn="ctr">
-              <a:buNone/>
-            </a:pPr>
-            <a:r>
-              <a:rPr/>
-              <a:t>R</a:t>
-            </a:r>
-            <a:r>
-              <a:rPr/>
-              <a:t> </a:t>
-            </a:r>
-            <a:r>
-              <a:rPr/>
-              <a:t>graph</a:t>
-            </a:r>
-            <a:r>
-              <a:rPr/>
-              <a:t> </a:t>
-            </a:r>
-            <a:r>
-              <a:rPr/>
-              <a:t>using</a:t>
-            </a:r>
-            <a:r>
-              <a:rPr/>
-              <a:t> </a:t>
-            </a:r>
-            <a:r>
-              <a:rPr/>
-              <a:t>colors</a:t>
-            </a:r>
-            <a:r>
-              <a:rPr/>
-              <a:t> </a:t>
-            </a:r>
-            <a:r>
-              <a:rPr/>
-              <a:t>and</a:t>
-            </a:r>
-            <a:r>
-              <a:rPr/>
-              <a:t> </a:t>
-            </a:r>
-            <a:r>
-              <a:rPr/>
-              <a:t>shapes</a:t>
             </a:r>
           </a:p>
         </p:txBody>

--- a/data-viz-01/component/recommendations.pptx
+++ b/data-viz-01/component/recommendations.pptx
@@ -2012,7 +2012,7 @@
             </a:r>
             <a:r>
               <a:rPr/>
-              <a:t>three</a:t>
+              <a:t>four</a:t>
             </a:r>
             <a:r>
               <a:rPr/>
@@ -2036,23 +2036,39 @@
             </a:r>
             <a:r>
               <a:rPr/>
+              <a:t>open</a:t>
+            </a:r>
+            <a:r>
+              <a:rPr/>
+              <a:t> </a:t>
+            </a:r>
+            <a:r>
+              <a:rPr/>
+              <a:t>symbols,</a:t>
+            </a:r>
+            <a:r>
+              <a:rPr/>
+              <a:t> </a:t>
+            </a:r>
+            <a:r>
+              <a:rPr/>
+              <a:t>small</a:t>
+            </a:r>
+            <a:r>
+              <a:rPr/>
+              <a:t> </a:t>
+            </a:r>
+            <a:r>
+              <a:rPr/>
+              <a:t>points,</a:t>
+            </a:r>
+            <a:r>
+              <a:rPr/>
+              <a:t> </a:t>
+            </a:r>
+            <a:r>
+              <a:rPr/>
               <a:t>opacity,</a:t>
-            </a:r>
-            <a:r>
-              <a:rPr/>
-              <a:t> </a:t>
-            </a:r>
-            <a:r>
-              <a:rPr/>
-              <a:t>small</a:t>
-            </a:r>
-            <a:r>
-              <a:rPr/>
-              <a:t> </a:t>
-            </a:r>
-            <a:r>
-              <a:rPr/>
-              <a:t>points,</a:t>
             </a:r>
             <a:r>
               <a:rPr/>
@@ -2166,111 +2182,95 @@
             </a:pPr>
             <a:r>
               <a:rPr/>
-              <a:t>If</a:t>
-            </a:r>
-            <a:r>
-              <a:rPr/>
-              <a:t> </a:t>
-            </a:r>
-            <a:r>
-              <a:rPr/>
-              <a:t>you</a:t>
-            </a:r>
-            <a:r>
-              <a:rPr/>
-              <a:t> </a:t>
-            </a:r>
-            <a:r>
-              <a:rPr/>
-              <a:t>make</a:t>
-            </a:r>
-            <a:r>
-              <a:rPr/>
-              <a:t> </a:t>
-            </a:r>
-            <a:r>
-              <a:rPr/>
-              <a:t>the</a:t>
-            </a:r>
-            <a:r>
-              <a:rPr/>
-              <a:t> </a:t>
-            </a:r>
-            <a:r>
-              <a:rPr/>
-              <a:t>data</a:t>
-            </a:r>
-            <a:r>
-              <a:rPr/>
-              <a:t> </a:t>
-            </a:r>
-            <a:r>
-              <a:rPr/>
-              <a:t>points</a:t>
-            </a:r>
-            <a:r>
-              <a:rPr/>
-              <a:t> </a:t>
-            </a:r>
-            <a:r>
-              <a:rPr/>
-              <a:t>somewhat</a:t>
-            </a:r>
-            <a:r>
-              <a:rPr/>
-              <a:t> </a:t>
-            </a:r>
-            <a:r>
-              <a:rPr/>
-              <a:t>translucent,</a:t>
-            </a:r>
-            <a:r>
-              <a:rPr/>
-              <a:t> </a:t>
-            </a:r>
-            <a:r>
-              <a:rPr/>
-              <a:t>so</a:t>
-            </a:r>
-            <a:r>
-              <a:rPr/>
-              <a:t> </a:t>
-            </a:r>
-            <a:r>
-              <a:rPr/>
-              <a:t>that</a:t>
-            </a:r>
-            <a:r>
-              <a:rPr/>
-              <a:t> </a:t>
-            </a:r>
-            <a:r>
-              <a:rPr/>
-              <a:t>you</a:t>
-            </a:r>
-            <a:r>
-              <a:rPr/>
-              <a:t> </a:t>
-            </a:r>
-            <a:r>
-              <a:rPr/>
-              <a:t>can</a:t>
-            </a:r>
-            <a:r>
-              <a:rPr/>
-              <a:t> </a:t>
-            </a:r>
-            <a:r>
-              <a:rPr/>
-              <a:t>see</a:t>
-            </a:r>
-            <a:r>
-              <a:rPr/>
-              <a:t> </a:t>
-            </a:r>
-            <a:r>
-              <a:rPr/>
-              <a:t>what</a:t>
+              <a:t>Open</a:t>
+            </a:r>
+            <a:r>
+              <a:rPr/>
+              <a:t> </a:t>
+            </a:r>
+            <a:r>
+              <a:rPr/>
+              <a:t>symbols</a:t>
+            </a:r>
+            <a:r>
+              <a:rPr/>
+              <a:t> </a:t>
+            </a:r>
+            <a:r>
+              <a:rPr/>
+              <a:t>have</a:t>
+            </a:r>
+            <a:r>
+              <a:rPr/>
+              <a:t> </a:t>
+            </a:r>
+            <a:r>
+              <a:rPr/>
+              <a:t>less</a:t>
+            </a:r>
+            <a:r>
+              <a:rPr/>
+              <a:t> </a:t>
+            </a:r>
+            <a:r>
+              <a:rPr/>
+              <a:t>trouble</a:t>
+            </a:r>
+            <a:r>
+              <a:rPr/>
+              <a:t> </a:t>
+            </a:r>
+            <a:r>
+              <a:rPr/>
+              <a:t>with</a:t>
+            </a:r>
+            <a:r>
+              <a:rPr/>
+              <a:t> </a:t>
+            </a:r>
+            <a:r>
+              <a:rPr/>
+              <a:t>overprinting.</a:t>
+            </a:r>
+            <a:r>
+              <a:rPr/>
+              <a:t> </a:t>
+            </a:r>
+            <a:r>
+              <a:rPr/>
+              <a:t>They</a:t>
+            </a:r>
+            <a:r>
+              <a:rPr/>
+              <a:t> </a:t>
+            </a:r>
+            <a:r>
+              <a:rPr/>
+              <a:t>use</a:t>
+            </a:r>
+            <a:r>
+              <a:rPr/>
+              <a:t> </a:t>
+            </a:r>
+            <a:r>
+              <a:rPr/>
+              <a:t>less</a:t>
+            </a:r>
+            <a:r>
+              <a:rPr/>
+              <a:t> </a:t>
+            </a:r>
+            <a:r>
+              <a:rPr/>
+              <a:t>ink</a:t>
+            </a:r>
+            <a:r>
+              <a:rPr/>
+              <a:t> </a:t>
+            </a:r>
+            <a:r>
+              <a:rPr/>
+              <a:t>and</a:t>
             </a:r>
             <a:r>
               <a:rPr/>
@@ -2286,95 +2286,15 @@
             </a:r>
             <a:r>
               <a:rPr/>
-              <a:t>behind</a:t>
-            </a:r>
-            <a:r>
-              <a:rPr/>
-              <a:t> </a:t>
-            </a:r>
-            <a:r>
-              <a:rPr/>
-              <a:t>it,</a:t>
-            </a:r>
-            <a:r>
-              <a:rPr/>
-              <a:t> </a:t>
-            </a:r>
-            <a:r>
-              <a:rPr/>
-              <a:t>this</a:t>
-            </a:r>
-            <a:r>
-              <a:rPr/>
-              <a:t> </a:t>
-            </a:r>
-            <a:r>
-              <a:rPr/>
-              <a:t>prevents</a:t>
-            </a:r>
-            <a:r>
-              <a:rPr/>
-              <a:t> </a:t>
-            </a:r>
-            <a:r>
-              <a:rPr/>
-              <a:t>a</a:t>
-            </a:r>
-            <a:r>
-              <a:rPr/>
-              <a:t> </a:t>
-            </a:r>
-            <a:r>
-              <a:rPr/>
-              <a:t>massive</a:t>
-            </a:r>
-            <a:r>
-              <a:rPr/>
-              <a:t> </a:t>
-            </a:r>
-            <a:r>
-              <a:rPr/>
-              <a:t>black</a:t>
-            </a:r>
-            <a:r>
-              <a:rPr/>
-              <a:t> </a:t>
-            </a:r>
-            <a:r>
-              <a:rPr/>
-              <a:t>blob</a:t>
-            </a:r>
-            <a:r>
-              <a:rPr/>
-              <a:t> </a:t>
-            </a:r>
-            <a:r>
-              <a:rPr/>
-              <a:t>from</a:t>
-            </a:r>
-            <a:r>
-              <a:rPr/>
-              <a:t> </a:t>
-            </a:r>
-            <a:r>
-              <a:rPr/>
-              <a:t>forming.</a:t>
-            </a:r>
-            <a:r>
-              <a:rPr/>
-              <a:t> </a:t>
-            </a:r>
-            <a:r>
-              <a:rPr/>
-              <a:t>You</a:t>
-            </a:r>
-            <a:r>
-              <a:rPr/>
-              <a:t> </a:t>
-            </a:r>
-            <a:r>
-              <a:rPr/>
-              <a:t>have</a:t>
+              <a:t>is</a:t>
+            </a:r>
+            <a:r>
+              <a:rPr/>
+              <a:t> </a:t>
+            </a:r>
+            <a:r>
+              <a:rPr/>
+              <a:t>easier</a:t>
             </a:r>
             <a:r>
               <a:rPr/>
@@ -2390,63 +2310,55 @@
             </a:r>
             <a:r>
               <a:rPr/>
-              <a:t>experiement</a:t>
-            </a:r>
-            <a:r>
-              <a:rPr/>
-              <a:t> </a:t>
-            </a:r>
-            <a:r>
-              <a:rPr/>
-              <a:t>a</a:t>
-            </a:r>
-            <a:r>
-              <a:rPr/>
-              <a:t> </a:t>
-            </a:r>
-            <a:r>
-              <a:rPr/>
-              <a:t>bit</a:t>
-            </a:r>
-            <a:r>
-              <a:rPr/>
-              <a:t> </a:t>
-            </a:r>
-            <a:r>
-              <a:rPr/>
-              <a:t>with</a:t>
-            </a:r>
-            <a:r>
-              <a:rPr/>
-              <a:t> </a:t>
-            </a:r>
-            <a:r>
-              <a:rPr/>
-              <a:t>the</a:t>
-            </a:r>
-            <a:r>
-              <a:rPr/>
-              <a:t> </a:t>
-            </a:r>
-            <a:r>
-              <a:rPr/>
-              <a:t>level</a:t>
-            </a:r>
-            <a:r>
-              <a:rPr/>
-              <a:t> </a:t>
-            </a:r>
-            <a:r>
-              <a:rPr/>
-              <a:t>of</a:t>
-            </a:r>
-            <a:r>
-              <a:rPr/>
-              <a:t> </a:t>
-            </a:r>
-            <a:r>
-              <a:rPr/>
-              <a:t>translucence.</a:t>
+              <a:t>disentanlge</a:t>
+            </a:r>
+            <a:r>
+              <a:rPr/>
+              <a:t> </a:t>
+            </a:r>
+            <a:r>
+              <a:rPr/>
+              <a:t>two</a:t>
+            </a:r>
+            <a:r>
+              <a:rPr/>
+              <a:t> </a:t>
+            </a:r>
+            <a:r>
+              <a:rPr/>
+              <a:t>or</a:t>
+            </a:r>
+            <a:r>
+              <a:rPr/>
+              <a:t> </a:t>
+            </a:r>
+            <a:r>
+              <a:rPr/>
+              <a:t>three</a:t>
+            </a:r>
+            <a:r>
+              <a:rPr/>
+              <a:t> </a:t>
+            </a:r>
+            <a:r>
+              <a:rPr/>
+              <a:t>partially</a:t>
+            </a:r>
+            <a:r>
+              <a:rPr/>
+              <a:t> </a:t>
+            </a:r>
+            <a:r>
+              <a:rPr/>
+              <a:t>overlapping</a:t>
+            </a:r>
+            <a:r>
+              <a:rPr/>
+              <a:t> </a:t>
+            </a:r>
+            <a:r>
+              <a:rPr/>
+              <a:t>symbols.</a:t>
             </a:r>
           </a:p>
         </p:txBody>
@@ -2666,7 +2578,31 @@
             </a:pPr>
             <a:r>
               <a:rPr/>
-              <a:t>Smaller</a:t>
+              <a:t>If</a:t>
+            </a:r>
+            <a:r>
+              <a:rPr/>
+              <a:t> </a:t>
+            </a:r>
+            <a:r>
+              <a:rPr/>
+              <a:t>you</a:t>
+            </a:r>
+            <a:r>
+              <a:rPr/>
+              <a:t> </a:t>
+            </a:r>
+            <a:r>
+              <a:rPr/>
+              <a:t>make</a:t>
+            </a:r>
+            <a:r>
+              <a:rPr/>
+              <a:t> </a:t>
+            </a:r>
+            <a:r>
+              <a:rPr/>
+              <a:t>the</a:t>
             </a:r>
             <a:r>
               <a:rPr/>
@@ -2690,6 +2626,166 @@
             </a:r>
             <a:r>
               <a:rPr/>
+              <a:t>somewhat</a:t>
+            </a:r>
+            <a:r>
+              <a:rPr/>
+              <a:t> </a:t>
+            </a:r>
+            <a:r>
+              <a:rPr/>
+              <a:t>translucent,</a:t>
+            </a:r>
+            <a:r>
+              <a:rPr/>
+              <a:t> </a:t>
+            </a:r>
+            <a:r>
+              <a:rPr/>
+              <a:t>so</a:t>
+            </a:r>
+            <a:r>
+              <a:rPr/>
+              <a:t> </a:t>
+            </a:r>
+            <a:r>
+              <a:rPr/>
+              <a:t>that</a:t>
+            </a:r>
+            <a:r>
+              <a:rPr/>
+              <a:t> </a:t>
+            </a:r>
+            <a:r>
+              <a:rPr/>
+              <a:t>you</a:t>
+            </a:r>
+            <a:r>
+              <a:rPr/>
+              <a:t> </a:t>
+            </a:r>
+            <a:r>
+              <a:rPr/>
+              <a:t>can</a:t>
+            </a:r>
+            <a:r>
+              <a:rPr/>
+              <a:t> </a:t>
+            </a:r>
+            <a:r>
+              <a:rPr/>
+              <a:t>see</a:t>
+            </a:r>
+            <a:r>
+              <a:rPr/>
+              <a:t> </a:t>
+            </a:r>
+            <a:r>
+              <a:rPr/>
+              <a:t>what</a:t>
+            </a:r>
+            <a:r>
+              <a:rPr/>
+              <a:t> </a:t>
+            </a:r>
+            <a:r>
+              <a:rPr/>
+              <a:t>it</a:t>
+            </a:r>
+            <a:r>
+              <a:rPr/>
+              <a:t> </a:t>
+            </a:r>
+            <a:r>
+              <a:rPr/>
+              <a:t>behind</a:t>
+            </a:r>
+            <a:r>
+              <a:rPr/>
+              <a:t> </a:t>
+            </a:r>
+            <a:r>
+              <a:rPr/>
+              <a:t>it,</a:t>
+            </a:r>
+            <a:r>
+              <a:rPr/>
+              <a:t> </a:t>
+            </a:r>
+            <a:r>
+              <a:rPr/>
+              <a:t>this</a:t>
+            </a:r>
+            <a:r>
+              <a:rPr/>
+              <a:t> </a:t>
+            </a:r>
+            <a:r>
+              <a:rPr/>
+              <a:t>prevents</a:t>
+            </a:r>
+            <a:r>
+              <a:rPr/>
+              <a:t> </a:t>
+            </a:r>
+            <a:r>
+              <a:rPr/>
+              <a:t>a</a:t>
+            </a:r>
+            <a:r>
+              <a:rPr/>
+              <a:t> </a:t>
+            </a:r>
+            <a:r>
+              <a:rPr/>
+              <a:t>massive</a:t>
+            </a:r>
+            <a:r>
+              <a:rPr/>
+              <a:t> </a:t>
+            </a:r>
+            <a:r>
+              <a:rPr/>
+              <a:t>black</a:t>
+            </a:r>
+            <a:r>
+              <a:rPr/>
+              <a:t> </a:t>
+            </a:r>
+            <a:r>
+              <a:rPr/>
+              <a:t>blob</a:t>
+            </a:r>
+            <a:r>
+              <a:rPr/>
+              <a:t> </a:t>
+            </a:r>
+            <a:r>
+              <a:rPr/>
+              <a:t>from</a:t>
+            </a:r>
+            <a:r>
+              <a:rPr/>
+              <a:t> </a:t>
+            </a:r>
+            <a:r>
+              <a:rPr/>
+              <a:t>forming.</a:t>
+            </a:r>
+            <a:r>
+              <a:rPr/>
+              <a:t> </a:t>
+            </a:r>
+            <a:r>
+              <a:rPr/>
+              <a:t>You</a:t>
+            </a:r>
+            <a:r>
+              <a:rPr/>
+              <a:t> </a:t>
+            </a:r>
+            <a:r>
+              <a:rPr/>
               <a:t>have</a:t>
             </a:r>
             <a:r>
@@ -2698,15 +2794,31 @@
             </a:r>
             <a:r>
               <a:rPr/>
-              <a:t>less</a:t>
-            </a:r>
-            <a:r>
-              <a:rPr/>
-              <a:t> </a:t>
-            </a:r>
-            <a:r>
-              <a:rPr/>
-              <a:t>trouble</a:t>
+              <a:t>to</a:t>
+            </a:r>
+            <a:r>
+              <a:rPr/>
+              <a:t> </a:t>
+            </a:r>
+            <a:r>
+              <a:rPr/>
+              <a:t>experiement</a:t>
+            </a:r>
+            <a:r>
+              <a:rPr/>
+              <a:t> </a:t>
+            </a:r>
+            <a:r>
+              <a:rPr/>
+              <a:t>a</a:t>
+            </a:r>
+            <a:r>
+              <a:rPr/>
+              <a:t> </a:t>
+            </a:r>
+            <a:r>
+              <a:rPr/>
+              <a:t>bit</a:t>
             </a:r>
             <a:r>
               <a:rPr/>
@@ -2722,7 +2834,31 @@
             </a:r>
             <a:r>
               <a:rPr/>
-              <a:t>overprinting.</a:t>
+              <a:t>the</a:t>
+            </a:r>
+            <a:r>
+              <a:rPr/>
+              <a:t> </a:t>
+            </a:r>
+            <a:r>
+              <a:rPr/>
+              <a:t>level</a:t>
+            </a:r>
+            <a:r>
+              <a:rPr/>
+              <a:t> </a:t>
+            </a:r>
+            <a:r>
+              <a:rPr/>
+              <a:t>of</a:t>
+            </a:r>
+            <a:r>
+              <a:rPr/>
+              <a:t> </a:t>
+            </a:r>
+            <a:r>
+              <a:rPr/>
+              <a:t>translucence.</a:t>
             </a:r>
           </a:p>
         </p:txBody>
@@ -2804,15 +2940,1061 @@
             </a:pPr>
             <a:r>
               <a:rPr/>
-              <a:t>It’s</a:t>
-            </a:r>
-            <a:r>
-              <a:rPr/>
-              <a:t> </a:t>
-            </a:r>
-            <a:r>
-              <a:rPr/>
-              <a:t>okay</a:t>
+              <a:t>The</a:t>
+            </a:r>
+            <a:r>
+              <a:rPr/>
+              <a:t> </a:t>
+            </a:r>
+            <a:r>
+              <a:rPr/>
+              <a:t>log</a:t>
+            </a:r>
+            <a:r>
+              <a:rPr/>
+              <a:t> </a:t>
+            </a:r>
+            <a:r>
+              <a:rPr/>
+              <a:t>function</a:t>
+            </a:r>
+            <a:r>
+              <a:rPr/>
+              <a:t> </a:t>
+            </a:r>
+            <a:r>
+              <a:rPr/>
+              <a:t>stretches</a:t>
+            </a:r>
+            <a:r>
+              <a:rPr/>
+              <a:t> </a:t>
+            </a:r>
+            <a:r>
+              <a:rPr/>
+              <a:t>the</a:t>
+            </a:r>
+            <a:r>
+              <a:rPr/>
+              <a:t> </a:t>
+            </a:r>
+            <a:r>
+              <a:rPr/>
+              <a:t>small</a:t>
+            </a:r>
+            <a:r>
+              <a:rPr/>
+              <a:t> </a:t>
+            </a:r>
+            <a:r>
+              <a:rPr/>
+              <a:t>values</a:t>
+            </a:r>
+            <a:r>
+              <a:rPr/>
+              <a:t> </a:t>
+            </a:r>
+            <a:r>
+              <a:rPr/>
+              <a:t>and</a:t>
+            </a:r>
+            <a:r>
+              <a:rPr/>
+              <a:t> </a:t>
+            </a:r>
+            <a:r>
+              <a:rPr/>
+              <a:t>squeeze</a:t>
+            </a:r>
+            <a:r>
+              <a:rPr/>
+              <a:t> </a:t>
+            </a:r>
+            <a:r>
+              <a:rPr/>
+              <a:t>the</a:t>
+            </a:r>
+            <a:r>
+              <a:rPr/>
+              <a:t> </a:t>
+            </a:r>
+            <a:r>
+              <a:rPr/>
+              <a:t>large</a:t>
+            </a:r>
+            <a:r>
+              <a:rPr/>
+              <a:t> </a:t>
+            </a:r>
+            <a:r>
+              <a:rPr/>
+              <a:t>values.</a:t>
+            </a:r>
+            <a:r>
+              <a:rPr/>
+              <a:t> </a:t>
+            </a:r>
+            <a:r>
+              <a:rPr/>
+              <a:t>Here</a:t>
+            </a:r>
+            <a:r>
+              <a:rPr/>
+              <a:t> </a:t>
+            </a:r>
+            <a:r>
+              <a:rPr/>
+              <a:t>the</a:t>
+            </a:r>
+            <a:r>
+              <a:rPr/>
+              <a:t> </a:t>
+            </a:r>
+            <a:r>
+              <a:rPr/>
+              <a:t>log</a:t>
+            </a:r>
+            <a:r>
+              <a:rPr/>
+              <a:t> </a:t>
+            </a:r>
+            <a:r>
+              <a:rPr/>
+              <a:t>scale</a:t>
+            </a:r>
+            <a:r>
+              <a:rPr/>
+              <a:t> </a:t>
+            </a:r>
+            <a:r>
+              <a:rPr/>
+              <a:t>is</a:t>
+            </a:r>
+            <a:r>
+              <a:rPr/>
+              <a:t> </a:t>
+            </a:r>
+            <a:r>
+              <a:rPr/>
+              <a:t>used</a:t>
+            </a:r>
+            <a:r>
+              <a:rPr/>
+              <a:t> </a:t>
+            </a:r>
+            <a:r>
+              <a:rPr/>
+              <a:t>on</a:t>
+            </a:r>
+            <a:r>
+              <a:rPr/>
+              <a:t> </a:t>
+            </a:r>
+            <a:r>
+              <a:rPr/>
+              <a:t>the</a:t>
+            </a:r>
+            <a:r>
+              <a:rPr/>
+              <a:t> </a:t>
+            </a:r>
+            <a:r>
+              <a:rPr/>
+              <a:t>x-axis</a:t>
+            </a:r>
+            <a:r>
+              <a:rPr/>
+              <a:t> </a:t>
+            </a:r>
+            <a:r>
+              <a:rPr/>
+              <a:t>only</a:t>
+            </a:r>
+            <a:r>
+              <a:rPr/>
+              <a:t> </a:t>
+            </a:r>
+            <a:r>
+              <a:rPr/>
+              <a:t>and</a:t>
+            </a:r>
+            <a:r>
+              <a:rPr/>
+              <a:t> </a:t>
+            </a:r>
+            <a:r>
+              <a:rPr/>
+              <a:t>the</a:t>
+            </a:r>
+            <a:r>
+              <a:rPr/>
+              <a:t> </a:t>
+            </a:r>
+            <a:r>
+              <a:rPr/>
+              <a:t>points</a:t>
+            </a:r>
+            <a:r>
+              <a:rPr/>
+              <a:t> </a:t>
+            </a:r>
+            <a:r>
+              <a:rPr/>
+              <a:t>that</a:t>
+            </a:r>
+            <a:r>
+              <a:rPr/>
+              <a:t> </a:t>
+            </a:r>
+            <a:r>
+              <a:rPr/>
+              <a:t>are</a:t>
+            </a:r>
+            <a:r>
+              <a:rPr/>
+              <a:t> </a:t>
+            </a:r>
+            <a:r>
+              <a:rPr/>
+              <a:t>all</a:t>
+            </a:r>
+            <a:r>
+              <a:rPr/>
+              <a:t> </a:t>
+            </a:r>
+            <a:r>
+              <a:rPr/>
+              <a:t>piled</a:t>
+            </a:r>
+            <a:r>
+              <a:rPr/>
+              <a:t> </a:t>
+            </a:r>
+            <a:r>
+              <a:rPr/>
+              <a:t>on</a:t>
+            </a:r>
+            <a:r>
+              <a:rPr/>
+              <a:t> </a:t>
+            </a:r>
+            <a:r>
+              <a:rPr/>
+              <a:t>top</a:t>
+            </a:r>
+            <a:r>
+              <a:rPr/>
+              <a:t> </a:t>
+            </a:r>
+            <a:r>
+              <a:rPr/>
+              <a:t>of</a:t>
+            </a:r>
+            <a:r>
+              <a:rPr/>
+              <a:t> </a:t>
+            </a:r>
+            <a:r>
+              <a:rPr/>
+              <a:t>one</a:t>
+            </a:r>
+            <a:r>
+              <a:rPr/>
+              <a:t> </a:t>
+            </a:r>
+            <a:r>
+              <a:rPr/>
+              <a:t>another</a:t>
+            </a:r>
+            <a:r>
+              <a:rPr/>
+              <a:t> </a:t>
+            </a:r>
+            <a:r>
+              <a:rPr/>
+              <a:t>on</a:t>
+            </a:r>
+            <a:r>
+              <a:rPr/>
+              <a:t> </a:t>
+            </a:r>
+            <a:r>
+              <a:rPr/>
+              <a:t>the</a:t>
+            </a:r>
+            <a:r>
+              <a:rPr/>
+              <a:t> </a:t>
+            </a:r>
+            <a:r>
+              <a:rPr/>
+              <a:t>left</a:t>
+            </a:r>
+            <a:r>
+              <a:rPr/>
+              <a:t> </a:t>
+            </a:r>
+            <a:r>
+              <a:rPr/>
+              <a:t>side</a:t>
+            </a:r>
+            <a:r>
+              <a:rPr/>
+              <a:t> </a:t>
+            </a:r>
+            <a:r>
+              <a:rPr/>
+              <a:t>of</a:t>
+            </a:r>
+            <a:r>
+              <a:rPr/>
+              <a:t> </a:t>
+            </a:r>
+            <a:r>
+              <a:rPr/>
+              <a:t>the</a:t>
+            </a:r>
+            <a:r>
+              <a:rPr/>
+              <a:t> </a:t>
+            </a:r>
+            <a:r>
+              <a:rPr/>
+              <a:t>graph</a:t>
+            </a:r>
+            <a:r>
+              <a:rPr/>
+              <a:t> </a:t>
+            </a:r>
+            <a:r>
+              <a:rPr/>
+              <a:t>are</a:t>
+            </a:r>
+            <a:r>
+              <a:rPr/>
+              <a:t> </a:t>
+            </a:r>
+            <a:r>
+              <a:rPr/>
+              <a:t>stretched</a:t>
+            </a:r>
+            <a:r>
+              <a:rPr/>
+              <a:t> </a:t>
+            </a:r>
+            <a:r>
+              <a:rPr/>
+              <a:t>apart.</a:t>
+            </a:r>
+            <a:r>
+              <a:rPr/>
+              <a:t> </a:t>
+            </a:r>
+            <a:r>
+              <a:rPr/>
+              <a:t>The</a:t>
+            </a:r>
+            <a:r>
+              <a:rPr/>
+              <a:t> </a:t>
+            </a:r>
+            <a:r>
+              <a:rPr/>
+              <a:t>outlying</a:t>
+            </a:r>
+            <a:r>
+              <a:rPr/>
+              <a:t> </a:t>
+            </a:r>
+            <a:r>
+              <a:rPr/>
+              <a:t>points</a:t>
+            </a:r>
+            <a:r>
+              <a:rPr/>
+              <a:t> </a:t>
+            </a:r>
+            <a:r>
+              <a:rPr/>
+              <a:t>on</a:t>
+            </a:r>
+            <a:r>
+              <a:rPr/>
+              <a:t> </a:t>
+            </a:r>
+            <a:r>
+              <a:rPr/>
+              <a:t>the</a:t>
+            </a:r>
+            <a:r>
+              <a:rPr/>
+              <a:t> </a:t>
+            </a:r>
+            <a:r>
+              <a:rPr/>
+              <a:t>right,</a:t>
+            </a:r>
+            <a:r>
+              <a:rPr/>
+              <a:t> </a:t>
+            </a:r>
+            <a:r>
+              <a:rPr/>
+              <a:t>the</a:t>
+            </a:r>
+            <a:r>
+              <a:rPr/>
+              <a:t> </a:t>
+            </a:r>
+            <a:r>
+              <a:rPr/>
+              <a:t>very,</a:t>
+            </a:r>
+            <a:r>
+              <a:rPr/>
+              <a:t> </a:t>
+            </a:r>
+            <a:r>
+              <a:rPr/>
+              <a:t>very</a:t>
+            </a:r>
+            <a:r>
+              <a:rPr/>
+              <a:t> </a:t>
+            </a:r>
+            <a:r>
+              <a:rPr/>
+              <a:t>old</a:t>
+            </a:r>
+            <a:r>
+              <a:rPr/>
+              <a:t> </a:t>
+            </a:r>
+            <a:r>
+              <a:rPr/>
+              <a:t>houses</a:t>
+            </a:r>
+            <a:r>
+              <a:rPr/>
+              <a:t> </a:t>
+            </a:r>
+            <a:r>
+              <a:rPr/>
+              <a:t>are</a:t>
+            </a:r>
+            <a:r>
+              <a:rPr/>
+              <a:t> </a:t>
+            </a:r>
+            <a:r>
+              <a:rPr/>
+              <a:t>fairly</a:t>
+            </a:r>
+            <a:r>
+              <a:rPr/>
+              <a:t> </a:t>
+            </a:r>
+            <a:r>
+              <a:rPr/>
+              <a:t>rare</a:t>
+            </a:r>
+            <a:r>
+              <a:rPr/>
+              <a:t> </a:t>
+            </a:r>
+            <a:r>
+              <a:rPr/>
+              <a:t>and</a:t>
+            </a:r>
+            <a:r>
+              <a:rPr/>
+              <a:t> </a:t>
+            </a:r>
+            <a:r>
+              <a:rPr/>
+              <a:t>waste</a:t>
+            </a:r>
+            <a:r>
+              <a:rPr/>
+              <a:t> </a:t>
+            </a:r>
+            <a:r>
+              <a:rPr/>
+              <a:t>some</a:t>
+            </a:r>
+            <a:r>
+              <a:rPr/>
+              <a:t> </a:t>
+            </a:r>
+            <a:r>
+              <a:rPr/>
+              <a:t>of</a:t>
+            </a:r>
+            <a:r>
+              <a:rPr/>
+              <a:t> </a:t>
+            </a:r>
+            <a:r>
+              <a:rPr/>
+              <a:t>the</a:t>
+            </a:r>
+            <a:r>
+              <a:rPr/>
+              <a:t> </a:t>
+            </a:r>
+            <a:r>
+              <a:rPr/>
+              <a:t>space</a:t>
+            </a:r>
+            <a:r>
+              <a:rPr/>
+              <a:t> </a:t>
+            </a:r>
+            <a:r>
+              <a:rPr/>
+              <a:t>that</a:t>
+            </a:r>
+            <a:r>
+              <a:rPr/>
+              <a:t> </a:t>
+            </a:r>
+            <a:r>
+              <a:rPr/>
+              <a:t>you</a:t>
+            </a:r>
+            <a:r>
+              <a:rPr/>
+              <a:t> </a:t>
+            </a:r>
+            <a:r>
+              <a:rPr/>
+              <a:t>might</a:t>
+            </a:r>
+            <a:r>
+              <a:rPr/>
+              <a:t> </a:t>
+            </a:r>
+            <a:r>
+              <a:rPr/>
+              <a:t>need</a:t>
+            </a:r>
+            <a:r>
+              <a:rPr/>
+              <a:t> </a:t>
+            </a:r>
+            <a:r>
+              <a:rPr/>
+              <a:t>for</a:t>
+            </a:r>
+            <a:r>
+              <a:rPr/>
+              <a:t> </a:t>
+            </a:r>
+            <a:r>
+              <a:rPr/>
+              <a:t>the</a:t>
+            </a:r>
+            <a:r>
+              <a:rPr/>
+              <a:t> </a:t>
+            </a:r>
+            <a:r>
+              <a:rPr/>
+              <a:t>far</a:t>
+            </a:r>
+            <a:r>
+              <a:rPr/>
+              <a:t> </a:t>
+            </a:r>
+            <a:r>
+              <a:rPr/>
+              <a:t>more</a:t>
+            </a:r>
+            <a:r>
+              <a:rPr/>
+              <a:t> </a:t>
+            </a:r>
+            <a:r>
+              <a:rPr/>
+              <a:t>numerous</a:t>
+            </a:r>
+            <a:r>
+              <a:rPr/>
+              <a:t> </a:t>
+            </a:r>
+            <a:r>
+              <a:rPr/>
+              <a:t>new</a:t>
+            </a:r>
+            <a:r>
+              <a:rPr/>
+              <a:t> </a:t>
+            </a:r>
+            <a:r>
+              <a:rPr/>
+              <a:t>houses.</a:t>
+            </a:r>
+            <a:r>
+              <a:rPr/>
+              <a:t> </a:t>
+            </a:r>
+            <a:r>
+              <a:rPr/>
+              <a:t>The</a:t>
+            </a:r>
+            <a:r>
+              <a:rPr/>
+              <a:t> </a:t>
+            </a:r>
+            <a:r>
+              <a:rPr/>
+              <a:t>log</a:t>
+            </a:r>
+            <a:r>
+              <a:rPr/>
+              <a:t> </a:t>
+            </a:r>
+            <a:r>
+              <a:rPr/>
+              <a:t>squeezes</a:t>
+            </a:r>
+            <a:r>
+              <a:rPr/>
+              <a:t> </a:t>
+            </a:r>
+            <a:r>
+              <a:rPr/>
+              <a:t>these</a:t>
+            </a:r>
+            <a:r>
+              <a:rPr/>
+              <a:t> </a:t>
+            </a:r>
+            <a:r>
+              <a:rPr/>
+              <a:t>few</a:t>
+            </a:r>
+            <a:r>
+              <a:rPr/>
+              <a:t> </a:t>
+            </a:r>
+            <a:r>
+              <a:rPr/>
+              <a:t>old</a:t>
+            </a:r>
+            <a:r>
+              <a:rPr/>
+              <a:t> </a:t>
+            </a:r>
+            <a:r>
+              <a:rPr/>
+              <a:t>houses</a:t>
+            </a:r>
+            <a:r>
+              <a:rPr/>
+              <a:t> </a:t>
+            </a:r>
+            <a:r>
+              <a:rPr/>
+              <a:t>together.</a:t>
+            </a:r>
+            <a:r>
+              <a:rPr/>
+              <a:t> </a:t>
+            </a:r>
+            <a:r>
+              <a:rPr/>
+              <a:t>The</a:t>
+            </a:r>
+            <a:r>
+              <a:rPr/>
+              <a:t> </a:t>
+            </a:r>
+            <a:r>
+              <a:rPr/>
+              <a:t>points</a:t>
+            </a:r>
+            <a:r>
+              <a:rPr/>
+              <a:t> </a:t>
+            </a:r>
+            <a:r>
+              <a:rPr/>
+              <a:t>are</a:t>
+            </a:r>
+            <a:r>
+              <a:rPr/>
+              <a:t> </a:t>
+            </a:r>
+            <a:r>
+              <a:rPr/>
+              <a:t>more</a:t>
+            </a:r>
+            <a:r>
+              <a:rPr/>
+              <a:t> </a:t>
+            </a:r>
+            <a:r>
+              <a:rPr/>
+              <a:t>evenly</a:t>
+            </a:r>
+            <a:r>
+              <a:rPr/>
+              <a:t> </a:t>
+            </a:r>
+            <a:r>
+              <a:rPr/>
+              <a:t>distributed</a:t>
+            </a:r>
+            <a:r>
+              <a:rPr/>
+              <a:t> </a:t>
+            </a:r>
+            <a:r>
+              <a:rPr/>
+              <a:t>across</a:t>
+            </a:r>
+            <a:r>
+              <a:rPr/>
+              <a:t> </a:t>
+            </a:r>
+            <a:r>
+              <a:rPr/>
+              <a:t>the</a:t>
+            </a:r>
+            <a:r>
+              <a:rPr/>
+              <a:t> </a:t>
+            </a:r>
+            <a:r>
+              <a:rPr/>
+              <a:t>x-axis</a:t>
+            </a:r>
+            <a:r>
+              <a:rPr/>
+              <a:t> </a:t>
+            </a:r>
+            <a:r>
+              <a:rPr/>
+              <a:t>when</a:t>
+            </a:r>
+            <a:r>
+              <a:rPr/>
+              <a:t> </a:t>
+            </a:r>
+            <a:r>
+              <a:rPr/>
+              <a:t>you</a:t>
+            </a:r>
+            <a:r>
+              <a:rPr/>
+              <a:t> </a:t>
+            </a:r>
+            <a:r>
+              <a:rPr/>
+              <a:t>use</a:t>
+            </a:r>
+            <a:r>
+              <a:rPr/>
+              <a:t> </a:t>
+            </a:r>
+            <a:r>
+              <a:rPr/>
+              <a:t>a</a:t>
+            </a:r>
+            <a:r>
+              <a:rPr/>
+              <a:t> </a:t>
+            </a:r>
+            <a:r>
+              <a:rPr/>
+              <a:t>log</a:t>
+            </a:r>
+            <a:r>
+              <a:rPr/>
+              <a:t> </a:t>
+            </a:r>
+            <a:r>
+              <a:rPr/>
+              <a:t>scale,</a:t>
+            </a:r>
+            <a:r>
+              <a:rPr/>
+              <a:t> </a:t>
+            </a:r>
+            <a:r>
+              <a:rPr/>
+              <a:t>so</a:t>
+            </a:r>
+            <a:r>
+              <a:rPr/>
+              <a:t> </a:t>
+            </a:r>
+            <a:r>
+              <a:rPr/>
+              <a:t>you</a:t>
+            </a:r>
+            <a:r>
+              <a:rPr/>
+              <a:t> </a:t>
+            </a:r>
+            <a:r>
+              <a:rPr/>
+              <a:t>can</a:t>
+            </a:r>
+            <a:r>
+              <a:rPr/>
+              <a:t> </a:t>
+            </a:r>
+            <a:r>
+              <a:rPr/>
+              <a:t>see</a:t>
+            </a:r>
+            <a:r>
+              <a:rPr/>
+              <a:t> </a:t>
+            </a:r>
+            <a:r>
+              <a:rPr/>
+              <a:t>more</a:t>
+            </a:r>
+            <a:r>
+              <a:rPr/>
+              <a:t> </a:t>
+            </a:r>
+            <a:r>
+              <a:rPr/>
+              <a:t>details</a:t>
+            </a:r>
+            <a:r>
+              <a:rPr/>
+              <a:t> </a:t>
+            </a:r>
+            <a:r>
+              <a:rPr/>
+              <a:t>and</a:t>
+            </a:r>
+            <a:r>
+              <a:rPr/>
+              <a:t> </a:t>
+            </a:r>
+            <a:r>
+              <a:rPr/>
+              <a:t>have</a:t>
+            </a:r>
+            <a:r>
+              <a:rPr/>
+              <a:t> </a:t>
+            </a:r>
+            <a:r>
+              <a:rPr/>
+              <a:t>less</a:t>
+            </a:r>
+            <a:r>
+              <a:rPr/>
+              <a:t> </a:t>
+            </a:r>
+            <a:r>
+              <a:rPr/>
+              <a:t>overprinting.</a:t>
+            </a:r>
+          </a:p>
+          <a:p>
+            <a:pPr lvl="0" marL="0" indent="0">
+              <a:buNone/>
+            </a:pPr>
+          </a:p>
+          <a:p>
+            <a:pPr lvl="0" marL="0" indent="0">
+              <a:buNone/>
+            </a:pPr>
+            <a:r>
+              <a:rPr/>
+              <a:t>It</a:t>
+            </a:r>
+            <a:r>
+              <a:rPr/>
+              <a:t> </a:t>
+            </a:r>
+            <a:r>
+              <a:rPr/>
+              <a:t>doesn’t</a:t>
+            </a:r>
+            <a:r>
+              <a:rPr/>
+              <a:t> </a:t>
+            </a:r>
+            <a:r>
+              <a:rPr/>
+              <a:t>work</a:t>
+            </a:r>
+            <a:r>
+              <a:rPr/>
+              <a:t> </a:t>
+            </a:r>
+            <a:r>
+              <a:rPr/>
+              <a:t>perfectly,</a:t>
+            </a:r>
+            <a:r>
+              <a:rPr/>
+              <a:t> </a:t>
+            </a:r>
+            <a:r>
+              <a:rPr/>
+              <a:t>and</a:t>
+            </a:r>
+            <a:r>
+              <a:rPr/>
+              <a:t> </a:t>
+            </a:r>
+            <a:r>
+              <a:rPr/>
+              <a:t>sometimes</a:t>
+            </a:r>
+            <a:r>
+              <a:rPr/>
+              <a:t> </a:t>
+            </a:r>
+            <a:r>
+              <a:rPr/>
+              <a:t>the</a:t>
+            </a:r>
+            <a:r>
+              <a:rPr/>
+              <a:t> </a:t>
+            </a:r>
+            <a:r>
+              <a:rPr/>
+              <a:t>log</a:t>
+            </a:r>
+            <a:r>
+              <a:rPr/>
+              <a:t> </a:t>
+            </a:r>
+            <a:r>
+              <a:rPr/>
+              <a:t>scale</a:t>
+            </a:r>
+            <a:r>
+              <a:rPr/>
+              <a:t> </a:t>
+            </a:r>
+            <a:r>
+              <a:rPr/>
+              <a:t>is</a:t>
+            </a:r>
+            <a:r>
+              <a:rPr/>
+              <a:t> </a:t>
+            </a:r>
+            <a:r>
+              <a:rPr/>
+              <a:t>like</a:t>
+            </a:r>
+            <a:r>
+              <a:rPr/>
+              <a:t> </a:t>
+            </a:r>
+            <a:r>
+              <a:rPr/>
+              <a:t>jumping</a:t>
+            </a:r>
+            <a:r>
+              <a:rPr/>
+              <a:t> </a:t>
+            </a:r>
+            <a:r>
+              <a:rPr/>
+              <a:t>from</a:t>
+            </a:r>
+            <a:r>
+              <a:rPr/>
+              <a:t> </a:t>
+            </a:r>
+            <a:r>
+              <a:rPr/>
+              <a:t>the</a:t>
+            </a:r>
+            <a:r>
+              <a:rPr/>
+              <a:t> </a:t>
+            </a:r>
+            <a:r>
+              <a:rPr/>
+              <a:t>frying</a:t>
+            </a:r>
+            <a:r>
+              <a:rPr/>
+              <a:t> </a:t>
+            </a:r>
+            <a:r>
+              <a:rPr/>
+              <a:t>pan</a:t>
+            </a:r>
+            <a:r>
+              <a:rPr/>
+              <a:t> </a:t>
+            </a:r>
+            <a:r>
+              <a:rPr/>
+              <a:t>into</a:t>
+            </a:r>
+            <a:r>
+              <a:rPr/>
+              <a:t> </a:t>
+            </a:r>
+            <a:r>
+              <a:rPr/>
+              <a:t>the</a:t>
+            </a:r>
+            <a:r>
+              <a:rPr/>
+              <a:t> </a:t>
+            </a:r>
+            <a:r>
+              <a:rPr/>
+              <a:t>fire.</a:t>
+            </a:r>
+            <a:r>
+              <a:rPr/>
+              <a:t> </a:t>
+            </a:r>
+            <a:r>
+              <a:rPr/>
+              <a:t>But</a:t>
+            </a:r>
+            <a:r>
+              <a:rPr/>
+              <a:t> </a:t>
+            </a:r>
+            <a:r>
+              <a:rPr/>
+              <a:t>it</a:t>
+            </a:r>
+            <a:r>
+              <a:rPr/>
+              <a:t> </a:t>
+            </a:r>
+            <a:r>
+              <a:rPr/>
+              <a:t>is</a:t>
+            </a:r>
+            <a:r>
+              <a:rPr/>
+              <a:t> </a:t>
+            </a:r>
+            <a:r>
+              <a:rPr/>
+              <a:t>easy</a:t>
+            </a:r>
+            <a:r>
+              <a:rPr/>
+              <a:t> </a:t>
+            </a:r>
+            <a:r>
+              <a:rPr/>
+              <a:t>enough</a:t>
             </a:r>
             <a:r>
               <a:rPr/>
@@ -2828,135 +4010,39 @@
             </a:r>
             <a:r>
               <a:rPr/>
-              <a:t>map</a:t>
-            </a:r>
-            <a:r>
-              <a:rPr/>
-              <a:t> </a:t>
-            </a:r>
-            <a:r>
-              <a:rPr/>
-              <a:t>a</a:t>
-            </a:r>
-            <a:r>
-              <a:rPr/>
-              <a:t> </a:t>
-            </a:r>
-            <a:r>
-              <a:rPr/>
-              <a:t>single</a:t>
-            </a:r>
-            <a:r>
-              <a:rPr/>
-              <a:t> </a:t>
-            </a:r>
-            <a:r>
-              <a:rPr/>
-              <a:t>variable</a:t>
-            </a:r>
-            <a:r>
-              <a:rPr/>
-              <a:t> </a:t>
-            </a:r>
-            <a:r>
-              <a:rPr/>
-              <a:t>to</a:t>
-            </a:r>
-            <a:r>
-              <a:rPr/>
-              <a:t> </a:t>
-            </a:r>
-            <a:r>
-              <a:rPr/>
-              <a:t>more</a:t>
-            </a:r>
-            <a:r>
-              <a:rPr/>
-              <a:t> </a:t>
-            </a:r>
-            <a:r>
-              <a:rPr/>
-              <a:t>than</a:t>
-            </a:r>
-            <a:r>
-              <a:rPr/>
-              <a:t> </a:t>
-            </a:r>
-            <a:r>
-              <a:rPr/>
-              <a:t>one</a:t>
-            </a:r>
-            <a:r>
-              <a:rPr/>
-              <a:t> </a:t>
-            </a:r>
-            <a:r>
-              <a:rPr/>
-              <a:t>aesthetic.</a:t>
-            </a:r>
-            <a:r>
-              <a:rPr/>
-              <a:t> </a:t>
-            </a:r>
-            <a:r>
-              <a:rPr/>
-              <a:t>In</a:t>
-            </a:r>
-            <a:r>
-              <a:rPr/>
-              <a:t> </a:t>
-            </a:r>
-            <a:r>
-              <a:rPr/>
-              <a:t>fact,</a:t>
-            </a:r>
-            <a:r>
-              <a:rPr/>
-              <a:t> </a:t>
-            </a:r>
-            <a:r>
-              <a:rPr/>
-              <a:t>this</a:t>
-            </a:r>
-            <a:r>
-              <a:rPr/>
-              <a:t> </a:t>
-            </a:r>
-            <a:r>
-              <a:rPr/>
-              <a:t>often</a:t>
-            </a:r>
-            <a:r>
-              <a:rPr/>
-              <a:t> </a:t>
-            </a:r>
-            <a:r>
-              <a:rPr/>
-              <a:t>helps</a:t>
-            </a:r>
-            <a:r>
-              <a:rPr/>
-              <a:t> </a:t>
-            </a:r>
-            <a:r>
-              <a:rPr/>
-              <a:t>emphasize</a:t>
-            </a:r>
-            <a:r>
-              <a:rPr/>
-              <a:t> </a:t>
-            </a:r>
-            <a:r>
-              <a:rPr/>
-              <a:t>that</a:t>
-            </a:r>
-            <a:r>
-              <a:rPr/>
-              <a:t> </a:t>
-            </a:r>
-            <a:r>
-              <a:rPr/>
-              <a:t>variable.</a:t>
+              <a:t>try,</a:t>
+            </a:r>
+            <a:r>
+              <a:rPr/>
+              <a:t> </a:t>
+            </a:r>
+            <a:r>
+              <a:rPr/>
+              <a:t>so</a:t>
+            </a:r>
+            <a:r>
+              <a:rPr/>
+              <a:t> </a:t>
+            </a:r>
+            <a:r>
+              <a:rPr/>
+              <a:t>what</a:t>
+            </a:r>
+            <a:r>
+              <a:rPr/>
+              <a:t> </a:t>
+            </a:r>
+            <a:r>
+              <a:rPr/>
+              <a:t>the</a:t>
+            </a:r>
+            <a:r>
+              <a:rPr/>
+              <a:t> </a:t>
+            </a:r>
+            <a:r>
+              <a:rPr/>
+              <a:t>heck!</a:t>
             </a:r>
           </a:p>
         </p:txBody>
@@ -2978,7 +4064,7 @@
           <a:p>
             <a:fld id="{18BDFEC3-8487-43E8-A154-7C12CBC1FFF2}" type="slidenum">
               <a:rPr lang="en-US"/>
-              <a:t>10</a:t>
+              <a:t>7</a:t>
             </a:fld>
             <a:endParaRPr lang="en-US"/>
           </a:p>
@@ -2990,6 +4076,1248 @@
 </file>
 
 <file path=ppt/notesSlides/notesSlide7.xml><?xml version="1.0" encoding="utf-8"?>
+<p:notes xmlns:a="http://schemas.openxmlformats.org/drawingml/2006/main" xmlns:r="http://schemas.openxmlformats.org/officeDocument/2006/relationships" xmlns:p="http://schemas.openxmlformats.org/presentationml/2006/main">
+  <p:cSld>
+    <p:spTree>
+      <p:nvGrpSpPr>
+        <p:cNvPr id="1" name=""/>
+        <p:cNvGrpSpPr/>
+        <p:nvPr/>
+      </p:nvGrpSpPr>
+      <p:grpSpPr>
+        <a:xfrm>
+          <a:off x="0" y="0"/>
+          <a:ext cx="0" cy="0"/>
+          <a:chOff x="0" y="0"/>
+          <a:chExt cx="0" cy="0"/>
+        </a:xfrm>
+      </p:grpSpPr>
+      <p:sp>
+        <p:nvSpPr>
+          <p:cNvPr id="2" name="Slide Image Placeholder 1"/>
+          <p:cNvSpPr>
+            <a:spLocks noGrp="1" noRot="1" noChangeAspect="1"/>
+          </p:cNvSpPr>
+          <p:nvPr>
+            <p:ph type="sldImg"/>
+          </p:nvPr>
+        </p:nvSpPr>
+        <p:spPr/>
+      </p:sp>
+      <p:sp>
+        <p:nvSpPr>
+          <p:cNvPr id="3" name="Notes Placeholder 2"/>
+          <p:cNvSpPr>
+            <a:spLocks noGrp="1"/>
+          </p:cNvSpPr>
+          <p:nvPr>
+            <p:ph type="body" idx="1"/>
+          </p:nvPr>
+        </p:nvSpPr>
+        <p:spPr/>
+        <p:txBody>
+          <a:bodyPr/>
+          <a:lstStyle/>
+          <a:p>
+            <a:pPr lvl="0" marL="0" indent="0">
+              <a:buNone/>
+            </a:pPr>
+            <a:r>
+              <a:rPr/>
+              <a:t>Sometimes</a:t>
+            </a:r>
+            <a:r>
+              <a:rPr/>
+              <a:t> </a:t>
+            </a:r>
+            <a:r>
+              <a:rPr/>
+              <a:t>less</a:t>
+            </a:r>
+            <a:r>
+              <a:rPr/>
+              <a:t> </a:t>
+            </a:r>
+            <a:r>
+              <a:rPr/>
+              <a:t>is</a:t>
+            </a:r>
+            <a:r>
+              <a:rPr/>
+              <a:t> </a:t>
+            </a:r>
+            <a:r>
+              <a:rPr/>
+              <a:t>more,</a:t>
+            </a:r>
+            <a:r>
+              <a:rPr/>
+              <a:t> </a:t>
+            </a:r>
+            <a:r>
+              <a:rPr/>
+              <a:t>and</a:t>
+            </a:r>
+            <a:r>
+              <a:rPr/>
+              <a:t> </a:t>
+            </a:r>
+            <a:r>
+              <a:rPr/>
+              <a:t>that</a:t>
+            </a:r>
+            <a:r>
+              <a:rPr/>
+              <a:t> </a:t>
+            </a:r>
+            <a:r>
+              <a:rPr/>
+              <a:t>is</a:t>
+            </a:r>
+            <a:r>
+              <a:rPr/>
+              <a:t> </a:t>
+            </a:r>
+            <a:r>
+              <a:rPr/>
+              <a:t>especially</a:t>
+            </a:r>
+            <a:r>
+              <a:rPr/>
+              <a:t> </a:t>
+            </a:r>
+            <a:r>
+              <a:rPr/>
+              <a:t>true</a:t>
+            </a:r>
+            <a:r>
+              <a:rPr/>
+              <a:t> </a:t>
+            </a:r>
+            <a:r>
+              <a:rPr/>
+              <a:t>for</a:t>
+            </a:r>
+            <a:r>
+              <a:rPr/>
+              <a:t> </a:t>
+            </a:r>
+            <a:r>
+              <a:rPr/>
+              <a:t>colors.</a:t>
+            </a:r>
+            <a:r>
+              <a:rPr/>
+              <a:t> </a:t>
+            </a:r>
+            <a:r>
+              <a:rPr/>
+              <a:t>Rather</a:t>
+            </a:r>
+            <a:r>
+              <a:rPr/>
+              <a:t> </a:t>
+            </a:r>
+            <a:r>
+              <a:rPr/>
+              <a:t>than</a:t>
+            </a:r>
+            <a:r>
+              <a:rPr/>
+              <a:t> </a:t>
+            </a:r>
+            <a:r>
+              <a:rPr/>
+              <a:t>assign</a:t>
+            </a:r>
+            <a:r>
+              <a:rPr/>
+              <a:t> </a:t>
+            </a:r>
+            <a:r>
+              <a:rPr/>
+              <a:t>eight</a:t>
+            </a:r>
+            <a:r>
+              <a:rPr/>
+              <a:t> </a:t>
+            </a:r>
+            <a:r>
+              <a:rPr/>
+              <a:t>different</a:t>
+            </a:r>
+            <a:r>
+              <a:rPr/>
+              <a:t> </a:t>
+            </a:r>
+            <a:r>
+              <a:rPr/>
+              <a:t>colors</a:t>
+            </a:r>
+            <a:r>
+              <a:rPr/>
+              <a:t> </a:t>
+            </a:r>
+            <a:r>
+              <a:rPr/>
+              <a:t>to</a:t>
+            </a:r>
+            <a:r>
+              <a:rPr/>
+              <a:t> </a:t>
+            </a:r>
+            <a:r>
+              <a:rPr/>
+              <a:t>the</a:t>
+            </a:r>
+            <a:r>
+              <a:rPr/>
+              <a:t> </a:t>
+            </a:r>
+            <a:r>
+              <a:rPr/>
+              <a:t>eight</a:t>
+            </a:r>
+            <a:r>
+              <a:rPr/>
+              <a:t> </a:t>
+            </a:r>
+            <a:r>
+              <a:rPr/>
+              <a:t>different</a:t>
+            </a:r>
+            <a:r>
+              <a:rPr/>
+              <a:t> </a:t>
+            </a:r>
+            <a:r>
+              <a:rPr/>
+              <a:t>number</a:t>
+            </a:r>
+            <a:r>
+              <a:rPr/>
+              <a:t> </a:t>
+            </a:r>
+            <a:r>
+              <a:rPr/>
+              <a:t>of</a:t>
+            </a:r>
+            <a:r>
+              <a:rPr/>
+              <a:t> </a:t>
+            </a:r>
+            <a:r>
+              <a:rPr/>
+              <a:t>bathrooms,</a:t>
+            </a:r>
+            <a:r>
+              <a:rPr/>
+              <a:t> </a:t>
+            </a:r>
+            <a:r>
+              <a:rPr/>
+              <a:t>why</a:t>
+            </a:r>
+            <a:r>
+              <a:rPr/>
+              <a:t> </a:t>
+            </a:r>
+            <a:r>
+              <a:rPr/>
+              <a:t>not</a:t>
+            </a:r>
+            <a:r>
+              <a:rPr/>
+              <a:t> </a:t>
+            </a:r>
+            <a:r>
+              <a:rPr/>
+              <a:t>just</a:t>
+            </a:r>
+            <a:r>
+              <a:rPr/>
+              <a:t> </a:t>
+            </a:r>
+            <a:r>
+              <a:rPr/>
+              <a:t>have</a:t>
+            </a:r>
+            <a:r>
+              <a:rPr/>
+              <a:t> </a:t>
+            </a:r>
+            <a:r>
+              <a:rPr/>
+              <a:t>two</a:t>
+            </a:r>
+            <a:r>
+              <a:rPr/>
+              <a:t> </a:t>
+            </a:r>
+            <a:r>
+              <a:rPr/>
+              <a:t>colors.</a:t>
+            </a:r>
+            <a:r>
+              <a:rPr/>
+              <a:t> </a:t>
+            </a:r>
+            <a:r>
+              <a:rPr/>
+              <a:t>Red</a:t>
+            </a:r>
+            <a:r>
+              <a:rPr/>
+              <a:t> </a:t>
+            </a:r>
+            <a:r>
+              <a:rPr/>
+              <a:t>for</a:t>
+            </a:r>
+            <a:r>
+              <a:rPr/>
+              <a:t> </a:t>
+            </a:r>
+            <a:r>
+              <a:rPr/>
+              <a:t>a</a:t>
+            </a:r>
+            <a:r>
+              <a:rPr/>
+              <a:t> </a:t>
+            </a:r>
+            <a:r>
+              <a:rPr/>
+              <a:t>small</a:t>
+            </a:r>
+            <a:r>
+              <a:rPr/>
+              <a:t> </a:t>
+            </a:r>
+            <a:r>
+              <a:rPr/>
+              <a:t>number</a:t>
+            </a:r>
+            <a:r>
+              <a:rPr/>
+              <a:t> </a:t>
+            </a:r>
+            <a:r>
+              <a:rPr/>
+              <a:t>of</a:t>
+            </a:r>
+            <a:r>
+              <a:rPr/>
+              <a:t> </a:t>
+            </a:r>
+            <a:r>
+              <a:rPr/>
+              <a:t>bathrooms</a:t>
+            </a:r>
+            <a:r>
+              <a:rPr/>
+              <a:t> </a:t>
+            </a:r>
+            <a:r>
+              <a:rPr/>
+              <a:t>(1.5</a:t>
+            </a:r>
+            <a:r>
+              <a:rPr/>
+              <a:t> </a:t>
+            </a:r>
+            <a:r>
+              <a:rPr/>
+              <a:t>or</a:t>
+            </a:r>
+            <a:r>
+              <a:rPr/>
+              <a:t> </a:t>
+            </a:r>
+            <a:r>
+              <a:rPr/>
+              <a:t>less)</a:t>
+            </a:r>
+            <a:r>
+              <a:rPr/>
+              <a:t> </a:t>
+            </a:r>
+            <a:r>
+              <a:rPr/>
+              <a:t>and</a:t>
+            </a:r>
+            <a:r>
+              <a:rPr/>
+              <a:t> </a:t>
+            </a:r>
+            <a:r>
+              <a:rPr/>
+              <a:t>blue</a:t>
+            </a:r>
+            <a:r>
+              <a:rPr/>
+              <a:t> </a:t>
+            </a:r>
+            <a:r>
+              <a:rPr/>
+              <a:t>for</a:t>
+            </a:r>
+            <a:r>
+              <a:rPr/>
+              <a:t> </a:t>
+            </a:r>
+            <a:r>
+              <a:rPr/>
+              <a:t>a</a:t>
+            </a:r>
+            <a:r>
+              <a:rPr/>
+              <a:t> </a:t>
+            </a:r>
+            <a:r>
+              <a:rPr/>
+              <a:t>large</a:t>
+            </a:r>
+            <a:r>
+              <a:rPr/>
+              <a:t> </a:t>
+            </a:r>
+            <a:r>
+              <a:rPr/>
+              <a:t>number</a:t>
+            </a:r>
+            <a:r>
+              <a:rPr/>
+              <a:t> </a:t>
+            </a:r>
+            <a:r>
+              <a:rPr/>
+              <a:t>of</a:t>
+            </a:r>
+            <a:r>
+              <a:rPr/>
+              <a:t> </a:t>
+            </a:r>
+            <a:r>
+              <a:rPr/>
+              <a:t>bathrooms</a:t>
+            </a:r>
+            <a:r>
+              <a:rPr/>
+              <a:t> </a:t>
+            </a:r>
+            <a:r>
+              <a:rPr/>
+              <a:t>(2</a:t>
+            </a:r>
+            <a:r>
+              <a:rPr/>
+              <a:t> </a:t>
+            </a:r>
+            <a:r>
+              <a:rPr/>
+              <a:t>or</a:t>
+            </a:r>
+            <a:r>
+              <a:rPr/>
+              <a:t> </a:t>
+            </a:r>
+            <a:r>
+              <a:rPr/>
+              <a:t>more).</a:t>
+            </a:r>
+          </a:p>
+          <a:p>
+            <a:pPr lvl="0" marL="0" indent="0">
+              <a:buNone/>
+            </a:pPr>
+          </a:p>
+          <a:p>
+            <a:pPr lvl="0" marL="0" indent="0">
+              <a:buNone/>
+            </a:pPr>
+            <a:r>
+              <a:rPr/>
+              <a:t>Sure</a:t>
+            </a:r>
+            <a:r>
+              <a:rPr/>
+              <a:t> </a:t>
+            </a:r>
+            <a:r>
+              <a:rPr/>
+              <a:t>you</a:t>
+            </a:r>
+            <a:r>
+              <a:rPr/>
+              <a:t> </a:t>
+            </a:r>
+            <a:r>
+              <a:rPr/>
+              <a:t>are</a:t>
+            </a:r>
+            <a:r>
+              <a:rPr/>
+              <a:t> </a:t>
+            </a:r>
+            <a:r>
+              <a:rPr/>
+              <a:t>losing</a:t>
+            </a:r>
+            <a:r>
+              <a:rPr/>
+              <a:t> </a:t>
+            </a:r>
+            <a:r>
+              <a:rPr/>
+              <a:t>some</a:t>
+            </a:r>
+            <a:r>
+              <a:rPr/>
+              <a:t> </a:t>
+            </a:r>
+            <a:r>
+              <a:rPr/>
+              <a:t>information,</a:t>
+            </a:r>
+            <a:r>
+              <a:rPr/>
+              <a:t> </a:t>
+            </a:r>
+            <a:r>
+              <a:rPr/>
+              <a:t>but</a:t>
+            </a:r>
+            <a:r>
+              <a:rPr/>
+              <a:t> </a:t>
+            </a:r>
+            <a:r>
+              <a:rPr/>
+              <a:t>the</a:t>
+            </a:r>
+            <a:r>
+              <a:rPr/>
+              <a:t> </a:t>
+            </a:r>
+            <a:r>
+              <a:rPr/>
+              <a:t>increasing</a:t>
+            </a:r>
+            <a:r>
+              <a:rPr/>
+              <a:t> </a:t>
+            </a:r>
+            <a:r>
+              <a:rPr/>
+              <a:t>clarity</a:t>
+            </a:r>
+            <a:r>
+              <a:rPr/>
+              <a:t> </a:t>
+            </a:r>
+            <a:r>
+              <a:rPr/>
+              <a:t>of</a:t>
+            </a:r>
+            <a:r>
+              <a:rPr/>
+              <a:t> </a:t>
+            </a:r>
+            <a:r>
+              <a:rPr/>
+              <a:t>the</a:t>
+            </a:r>
+            <a:r>
+              <a:rPr/>
+              <a:t> </a:t>
+            </a:r>
+            <a:r>
+              <a:rPr/>
+              <a:t>pattern</a:t>
+            </a:r>
+            <a:r>
+              <a:rPr/>
+              <a:t> </a:t>
+            </a:r>
+            <a:r>
+              <a:rPr/>
+              <a:t>more</a:t>
+            </a:r>
+            <a:r>
+              <a:rPr/>
+              <a:t> </a:t>
+            </a:r>
+            <a:r>
+              <a:rPr/>
+              <a:t>than</a:t>
+            </a:r>
+            <a:r>
+              <a:rPr/>
+              <a:t> </a:t>
+            </a:r>
+            <a:r>
+              <a:rPr/>
+              <a:t>compensates.</a:t>
+            </a:r>
+            <a:r>
+              <a:rPr/>
+              <a:t> </a:t>
+            </a:r>
+            <a:r>
+              <a:rPr/>
+              <a:t>Note</a:t>
+            </a:r>
+            <a:r>
+              <a:rPr/>
+              <a:t> </a:t>
+            </a:r>
+            <a:r>
+              <a:rPr/>
+              <a:t>that</a:t>
+            </a:r>
+            <a:r>
+              <a:rPr/>
+              <a:t> </a:t>
+            </a:r>
+            <a:r>
+              <a:rPr/>
+              <a:t>I</a:t>
+            </a:r>
+            <a:r>
+              <a:rPr/>
+              <a:t> </a:t>
+            </a:r>
+            <a:r>
+              <a:rPr/>
+              <a:t>deliberately</a:t>
+            </a:r>
+            <a:r>
+              <a:rPr/>
+              <a:t> </a:t>
+            </a:r>
+            <a:r>
+              <a:rPr/>
+              <a:t>included</a:t>
+            </a:r>
+            <a:r>
+              <a:rPr/>
+              <a:t> </a:t>
+            </a:r>
+            <a:r>
+              <a:rPr/>
+              <a:t>redundant</a:t>
+            </a:r>
+            <a:r>
+              <a:rPr/>
+              <a:t> </a:t>
+            </a:r>
+            <a:r>
+              <a:rPr/>
+              <a:t>values</a:t>
+            </a:r>
+            <a:r>
+              <a:rPr/>
+              <a:t> </a:t>
+            </a:r>
+            <a:r>
+              <a:rPr/>
+              <a:t>in</a:t>
+            </a:r>
+            <a:r>
+              <a:rPr/>
+              <a:t> </a:t>
+            </a:r>
+            <a:r>
+              <a:rPr/>
+              <a:t>the</a:t>
+            </a:r>
+            <a:r>
+              <a:rPr/>
+              <a:t> </a:t>
+            </a:r>
+            <a:r>
+              <a:rPr/>
+              <a:t>legend</a:t>
+            </a:r>
+            <a:r>
+              <a:rPr/>
+              <a:t> </a:t>
+            </a:r>
+            <a:r>
+              <a:rPr/>
+              <a:t>to</a:t>
+            </a:r>
+            <a:r>
+              <a:rPr/>
+              <a:t> </a:t>
+            </a:r>
+            <a:r>
+              <a:rPr/>
+              <a:t>better</a:t>
+            </a:r>
+            <a:r>
+              <a:rPr/>
+              <a:t> </a:t>
+            </a:r>
+            <a:r>
+              <a:rPr/>
+              <a:t>emphasize</a:t>
+            </a:r>
+            <a:r>
+              <a:rPr/>
+              <a:t> </a:t>
+            </a:r>
+            <a:r>
+              <a:rPr/>
+              <a:t>the</a:t>
+            </a:r>
+            <a:r>
+              <a:rPr/>
+              <a:t> </a:t>
+            </a:r>
+            <a:r>
+              <a:rPr/>
+              <a:t>choice</a:t>
+            </a:r>
+            <a:r>
+              <a:rPr/>
+              <a:t> </a:t>
+            </a:r>
+            <a:r>
+              <a:rPr/>
+              <a:t>I</a:t>
+            </a:r>
+            <a:r>
+              <a:rPr/>
+              <a:t> </a:t>
+            </a:r>
+            <a:r>
+              <a:rPr/>
+              <a:t>made.</a:t>
+            </a:r>
+            <a:r>
+              <a:rPr/>
+              <a:t> </a:t>
+            </a:r>
+            <a:r>
+              <a:rPr/>
+              <a:t>I</a:t>
+            </a:r>
+            <a:r>
+              <a:rPr/>
+              <a:t> </a:t>
+            </a:r>
+            <a:r>
+              <a:rPr/>
+              <a:t>would</a:t>
+            </a:r>
+            <a:r>
+              <a:rPr/>
+              <a:t> </a:t>
+            </a:r>
+            <a:r>
+              <a:rPr/>
+              <a:t>not</a:t>
+            </a:r>
+            <a:r>
+              <a:rPr/>
+              <a:t> </a:t>
+            </a:r>
+            <a:r>
+              <a:rPr/>
+              <a:t>recommend</a:t>
+            </a:r>
+            <a:r>
+              <a:rPr/>
+              <a:t> </a:t>
+            </a:r>
+            <a:r>
+              <a:rPr/>
+              <a:t>this</a:t>
+            </a:r>
+            <a:r>
+              <a:rPr/>
+              <a:t> </a:t>
+            </a:r>
+            <a:r>
+              <a:rPr/>
+              <a:t>for</a:t>
+            </a:r>
+            <a:r>
+              <a:rPr/>
+              <a:t> </a:t>
+            </a:r>
+            <a:r>
+              <a:rPr/>
+              <a:t>a</a:t>
+            </a:r>
+            <a:r>
+              <a:rPr/>
+              <a:t> </a:t>
+            </a:r>
+            <a:r>
+              <a:rPr/>
+              <a:t>final</a:t>
+            </a:r>
+            <a:r>
+              <a:rPr/>
+              <a:t> </a:t>
+            </a:r>
+            <a:r>
+              <a:rPr/>
+              <a:t>graph.</a:t>
+            </a:r>
+          </a:p>
+        </p:txBody>
+      </p:sp>
+      <p:sp>
+        <p:nvSpPr>
+          <p:cNvPr id="4" name="Slide Number Placeholder 3"/>
+          <p:cNvSpPr>
+            <a:spLocks noGrp="1"/>
+          </p:cNvSpPr>
+          <p:nvPr>
+            <p:ph type="sldNum" sz="quarter" idx="10"/>
+          </p:nvPr>
+        </p:nvSpPr>
+        <p:spPr/>
+        <p:txBody>
+          <a:bodyPr/>
+          <a:lstStyle/>
+          <a:p>
+            <a:fld id="{18BDFEC3-8487-43E8-A154-7C12CBC1FFF2}" type="slidenum">
+              <a:rPr lang="en-US"/>
+              <a:t>9</a:t>
+            </a:fld>
+            <a:endParaRPr lang="en-US"/>
+          </a:p>
+        </p:txBody>
+      </p:sp>
+    </p:spTree>
+  </p:cSld>
+</p:notes>
+</file>
+
+<file path=ppt/notesSlides/notesSlide8.xml><?xml version="1.0" encoding="utf-8"?>
+<p:notes xmlns:a="http://schemas.openxmlformats.org/drawingml/2006/main" xmlns:r="http://schemas.openxmlformats.org/officeDocument/2006/relationships" xmlns:p="http://schemas.openxmlformats.org/presentationml/2006/main">
+  <p:cSld>
+    <p:spTree>
+      <p:nvGrpSpPr>
+        <p:cNvPr id="1" name=""/>
+        <p:cNvGrpSpPr/>
+        <p:nvPr/>
+      </p:nvGrpSpPr>
+      <p:grpSpPr>
+        <a:xfrm>
+          <a:off x="0" y="0"/>
+          <a:ext cx="0" cy="0"/>
+          <a:chOff x="0" y="0"/>
+          <a:chExt cx="0" cy="0"/>
+        </a:xfrm>
+      </p:grpSpPr>
+      <p:sp>
+        <p:nvSpPr>
+          <p:cNvPr id="2" name="Slide Image Placeholder 1"/>
+          <p:cNvSpPr>
+            <a:spLocks noGrp="1" noRot="1" noChangeAspect="1"/>
+          </p:cNvSpPr>
+          <p:nvPr>
+            <p:ph type="sldImg"/>
+          </p:nvPr>
+        </p:nvSpPr>
+        <p:spPr/>
+      </p:sp>
+      <p:sp>
+        <p:nvSpPr>
+          <p:cNvPr id="3" name="Notes Placeholder 2"/>
+          <p:cNvSpPr>
+            <a:spLocks noGrp="1"/>
+          </p:cNvSpPr>
+          <p:nvPr>
+            <p:ph type="body" idx="1"/>
+          </p:nvPr>
+        </p:nvSpPr>
+        <p:spPr/>
+        <p:txBody>
+          <a:bodyPr/>
+          <a:lstStyle/>
+          <a:p>
+            <a:pPr lvl="0" marL="0" indent="0">
+              <a:buNone/>
+            </a:pPr>
+            <a:r>
+              <a:rPr/>
+              <a:t>It’s</a:t>
+            </a:r>
+            <a:r>
+              <a:rPr/>
+              <a:t> </a:t>
+            </a:r>
+            <a:r>
+              <a:rPr/>
+              <a:t>okay</a:t>
+            </a:r>
+            <a:r>
+              <a:rPr/>
+              <a:t> </a:t>
+            </a:r>
+            <a:r>
+              <a:rPr/>
+              <a:t>to</a:t>
+            </a:r>
+            <a:r>
+              <a:rPr/>
+              <a:t> </a:t>
+            </a:r>
+            <a:r>
+              <a:rPr/>
+              <a:t>map</a:t>
+            </a:r>
+            <a:r>
+              <a:rPr/>
+              <a:t> </a:t>
+            </a:r>
+            <a:r>
+              <a:rPr/>
+              <a:t>a</a:t>
+            </a:r>
+            <a:r>
+              <a:rPr/>
+              <a:t> </a:t>
+            </a:r>
+            <a:r>
+              <a:rPr/>
+              <a:t>single</a:t>
+            </a:r>
+            <a:r>
+              <a:rPr/>
+              <a:t> </a:t>
+            </a:r>
+            <a:r>
+              <a:rPr/>
+              <a:t>variable</a:t>
+            </a:r>
+            <a:r>
+              <a:rPr/>
+              <a:t> </a:t>
+            </a:r>
+            <a:r>
+              <a:rPr/>
+              <a:t>to</a:t>
+            </a:r>
+            <a:r>
+              <a:rPr/>
+              <a:t> </a:t>
+            </a:r>
+            <a:r>
+              <a:rPr/>
+              <a:t>more</a:t>
+            </a:r>
+            <a:r>
+              <a:rPr/>
+              <a:t> </a:t>
+            </a:r>
+            <a:r>
+              <a:rPr/>
+              <a:t>than</a:t>
+            </a:r>
+            <a:r>
+              <a:rPr/>
+              <a:t> </a:t>
+            </a:r>
+            <a:r>
+              <a:rPr/>
+              <a:t>one</a:t>
+            </a:r>
+            <a:r>
+              <a:rPr/>
+              <a:t> </a:t>
+            </a:r>
+            <a:r>
+              <a:rPr/>
+              <a:t>aesthetic.</a:t>
+            </a:r>
+            <a:r>
+              <a:rPr/>
+              <a:t> </a:t>
+            </a:r>
+            <a:r>
+              <a:rPr/>
+              <a:t>In</a:t>
+            </a:r>
+            <a:r>
+              <a:rPr/>
+              <a:t> </a:t>
+            </a:r>
+            <a:r>
+              <a:rPr/>
+              <a:t>fact,</a:t>
+            </a:r>
+            <a:r>
+              <a:rPr/>
+              <a:t> </a:t>
+            </a:r>
+            <a:r>
+              <a:rPr/>
+              <a:t>this</a:t>
+            </a:r>
+            <a:r>
+              <a:rPr/>
+              <a:t> </a:t>
+            </a:r>
+            <a:r>
+              <a:rPr/>
+              <a:t>often</a:t>
+            </a:r>
+            <a:r>
+              <a:rPr/>
+              <a:t> </a:t>
+            </a:r>
+            <a:r>
+              <a:rPr/>
+              <a:t>helps</a:t>
+            </a:r>
+            <a:r>
+              <a:rPr/>
+              <a:t> </a:t>
+            </a:r>
+            <a:r>
+              <a:rPr/>
+              <a:t>emphasize</a:t>
+            </a:r>
+            <a:r>
+              <a:rPr/>
+              <a:t> </a:t>
+            </a:r>
+            <a:r>
+              <a:rPr/>
+              <a:t>that</a:t>
+            </a:r>
+            <a:r>
+              <a:rPr/>
+              <a:t> </a:t>
+            </a:r>
+            <a:r>
+              <a:rPr/>
+              <a:t>variable.</a:t>
+            </a:r>
+            <a:r>
+              <a:rPr/>
+              <a:t> </a:t>
+            </a:r>
+            <a:r>
+              <a:rPr/>
+              <a:t>Here,</a:t>
+            </a:r>
+            <a:r>
+              <a:rPr/>
+              <a:t> </a:t>
+            </a:r>
+            <a:r>
+              <a:rPr/>
+              <a:t>both</a:t>
+            </a:r>
+            <a:r>
+              <a:rPr/>
+              <a:t> </a:t>
+            </a:r>
+            <a:r>
+              <a:rPr/>
+              <a:t>the</a:t>
+            </a:r>
+            <a:r>
+              <a:rPr/>
+              <a:t> </a:t>
+            </a:r>
+            <a:r>
+              <a:rPr/>
+              <a:t>shape</a:t>
+            </a:r>
+            <a:r>
+              <a:rPr/>
+              <a:t> </a:t>
+            </a:r>
+            <a:r>
+              <a:rPr/>
+              <a:t>and</a:t>
+            </a:r>
+            <a:r>
+              <a:rPr/>
+              <a:t> </a:t>
+            </a:r>
+            <a:r>
+              <a:rPr/>
+              <a:t>the</a:t>
+            </a:r>
+            <a:r>
+              <a:rPr/>
+              <a:t> </a:t>
+            </a:r>
+            <a:r>
+              <a:rPr/>
+              <a:t>color</a:t>
+            </a:r>
+            <a:r>
+              <a:rPr/>
+              <a:t> </a:t>
+            </a:r>
+            <a:r>
+              <a:rPr/>
+              <a:t>are</a:t>
+            </a:r>
+            <a:r>
+              <a:rPr/>
+              <a:t> </a:t>
+            </a:r>
+            <a:r>
+              <a:rPr/>
+              <a:t>associated</a:t>
+            </a:r>
+            <a:r>
+              <a:rPr/>
+              <a:t> </a:t>
+            </a:r>
+            <a:r>
+              <a:rPr/>
+              <a:t>with</a:t>
+            </a:r>
+            <a:r>
+              <a:rPr/>
+              <a:t> </a:t>
+            </a:r>
+            <a:r>
+              <a:rPr/>
+              <a:t>the</a:t>
+            </a:r>
+            <a:r>
+              <a:rPr/>
+              <a:t> </a:t>
+            </a:r>
+            <a:r>
+              <a:rPr/>
+              <a:t>number</a:t>
+            </a:r>
+            <a:r>
+              <a:rPr/>
+              <a:t> </a:t>
+            </a:r>
+            <a:r>
+              <a:rPr/>
+              <a:t>of</a:t>
+            </a:r>
+            <a:r>
+              <a:rPr/>
+              <a:t> </a:t>
+            </a:r>
+            <a:r>
+              <a:rPr/>
+              <a:t>bathrooms.</a:t>
+            </a:r>
+            <a:r>
+              <a:rPr/>
+              <a:t> </a:t>
+            </a:r>
+            <a:r>
+              <a:rPr/>
+              <a:t>It</a:t>
+            </a:r>
+            <a:r>
+              <a:rPr/>
+              <a:t> </a:t>
+            </a:r>
+            <a:r>
+              <a:rPr/>
+              <a:t>makes</a:t>
+            </a:r>
+            <a:r>
+              <a:rPr/>
+              <a:t> </a:t>
+            </a:r>
+            <a:r>
+              <a:rPr/>
+              <a:t>things</a:t>
+            </a:r>
+            <a:r>
+              <a:rPr/>
+              <a:t> </a:t>
+            </a:r>
+            <a:r>
+              <a:rPr/>
+              <a:t>a</a:t>
+            </a:r>
+            <a:r>
+              <a:rPr/>
+              <a:t> </a:t>
+            </a:r>
+            <a:r>
+              <a:rPr/>
+              <a:t>bit</a:t>
+            </a:r>
+            <a:r>
+              <a:rPr/>
+              <a:t> </a:t>
+            </a:r>
+            <a:r>
+              <a:rPr/>
+              <a:t>easier</a:t>
+            </a:r>
+            <a:r>
+              <a:rPr/>
+              <a:t> </a:t>
+            </a:r>
+            <a:r>
+              <a:rPr/>
+              <a:t>to</a:t>
+            </a:r>
+            <a:r>
+              <a:rPr/>
+              <a:t> </a:t>
+            </a:r>
+            <a:r>
+              <a:rPr/>
+              <a:t>pick</a:t>
+            </a:r>
+            <a:r>
+              <a:rPr/>
+              <a:t> </a:t>
+            </a:r>
+            <a:r>
+              <a:rPr/>
+              <a:t>out.</a:t>
+            </a:r>
+          </a:p>
+        </p:txBody>
+      </p:sp>
+      <p:sp>
+        <p:nvSpPr>
+          <p:cNvPr id="4" name="Slide Number Placeholder 3"/>
+          <p:cNvSpPr>
+            <a:spLocks noGrp="1"/>
+          </p:cNvSpPr>
+          <p:nvPr>
+            <p:ph type="sldNum" sz="quarter" idx="10"/>
+          </p:nvPr>
+        </p:nvSpPr>
+        <p:spPr/>
+        <p:txBody>
+          <a:bodyPr/>
+          <a:lstStyle/>
+          <a:p>
+            <a:fld id="{18BDFEC3-8487-43E8-A154-7C12CBC1FFF2}" type="slidenum">
+              <a:rPr lang="en-US"/>
+              <a:t>10</a:t>
+            </a:fld>
+            <a:endParaRPr lang="en-US"/>
+          </a:p>
+        </p:txBody>
+      </p:sp>
+    </p:spTree>
+  </p:cSld>
+</p:notes>
+</file>
+
+<file path=ppt/notesSlides/notesSlide9.xml><?xml version="1.0" encoding="utf-8"?>
 <p:notes xmlns:a="http://schemas.openxmlformats.org/drawingml/2006/main" xmlns:r="http://schemas.openxmlformats.org/officeDocument/2006/relationships" xmlns:p="http://schemas.openxmlformats.org/presentationml/2006/main">
   <p:cSld>
     <p:spTree>
@@ -6994,7 +9322,7 @@
             </a:pPr>
             <a:r>
               <a:rPr/>
-              <a:t>Data-viz-01,</a:t>
+              <a:t>Scatterplots,</a:t>
             </a:r>
             <a:r>
               <a:rPr/>
@@ -7384,7 +9712,63 @@
             <a:pPr lvl="1"/>
             <a:r>
               <a:rPr/>
-              <a:t>(To be added)</a:t>
+              <a:t>Overprinting</a:t>
+            </a:r>
+          </a:p>
+          <a:p>
+            <a:pPr lvl="2"/>
+            <a:r>
+              <a:rPr/>
+              <a:t>Open symbols</a:t>
+            </a:r>
+          </a:p>
+          <a:p>
+            <a:pPr lvl="2"/>
+            <a:r>
+              <a:rPr/>
+              <a:t>Small points</a:t>
+            </a:r>
+          </a:p>
+          <a:p>
+            <a:pPr lvl="2"/>
+            <a:r>
+              <a:rPr/>
+              <a:t>Opacity</a:t>
+            </a:r>
+          </a:p>
+          <a:p>
+            <a:pPr lvl="2"/>
+            <a:r>
+              <a:rPr/>
+              <a:t>Log transformation</a:t>
+            </a:r>
+          </a:p>
+          <a:p>
+            <a:pPr lvl="1"/>
+            <a:r>
+              <a:rPr/>
+              <a:t>Don’t try to squeeze in too much</a:t>
+            </a:r>
+          </a:p>
+          <a:p>
+            <a:pPr lvl="1"/>
+            <a:r>
+              <a:rPr/>
+              <a:t>Double up to emphasize</a:t>
+            </a:r>
+          </a:p>
+          <a:p>
+            <a:pPr lvl="1"/>
+            <a:r>
+              <a:rPr/>
+              <a:t>Shape is for categorical variables</a:t>
+            </a:r>
+          </a:p>
+          <a:p>
+            <a:pPr lvl="1"/>
+            <a:r>
+              <a:rPr/>
+              <a:t>Size is for continuous variables</a:t>
             </a:r>
           </a:p>
         </p:txBody>
@@ -7506,7 +9890,7 @@
             <a:pPr lvl="1"/>
             <a:r>
               <a:rPr/>
-              <a:t>Size is only good for contiuous variables.</a:t>
+              <a:t>Size is only good for continuous variables.</a:t>
             </a:r>
           </a:p>
         </p:txBody>
@@ -7608,21 +9992,21 @@
             <a:pPr lvl="1"/>
             <a:r>
               <a:rPr/>
+              <a:t>Open symbols</a:t>
+            </a:r>
+          </a:p>
+          <a:p>
+            <a:pPr lvl="1"/>
+            <a:r>
+              <a:rPr/>
+              <a:t>Small points</a:t>
+            </a:r>
+          </a:p>
+          <a:p>
+            <a:pPr lvl="1"/>
+            <a:r>
+              <a:rPr/>
               <a:t>Opacity</a:t>
-            </a:r>
-          </a:p>
-          <a:p>
-            <a:pPr lvl="1"/>
-            <a:r>
-              <a:rPr/>
-              <a:t>Small points</a:t>
-            </a:r>
-          </a:p>
-          <a:p>
-            <a:pPr lvl="1"/>
-            <a:r>
-              <a:rPr/>
-              <a:t>Open symbols</a:t>
             </a:r>
           </a:p>
           <a:p>
@@ -7640,6 +10024,340 @@
 </file>
 
 <file path=ppt/slides/slide4.xml><?xml version="1.0" encoding="utf-8"?>
+<p:sld xmlns:a="http://schemas.openxmlformats.org/drawingml/2006/main" xmlns:r="http://schemas.openxmlformats.org/officeDocument/2006/relationships" xmlns:p="http://schemas.openxmlformats.org/presentationml/2006/main">
+  <p:cSld>
+    <p:spTree>
+      <p:nvGrpSpPr>
+        <p:cNvPr id="1" name=""/>
+        <p:cNvGrpSpPr/>
+        <p:nvPr/>
+      </p:nvGrpSpPr>
+      <p:grpSpPr>
+        <a:xfrm>
+          <a:off x="0" y="0"/>
+          <a:ext cx="0" cy="0"/>
+          <a:chOff x="0" y="0"/>
+          <a:chExt cx="0" cy="0"/>
+        </a:xfrm>
+      </p:grpSpPr>
+      <p:sp>
+        <p:nvSpPr>
+          <p:cNvPr id="2" name="Title 1"/>
+          <p:cNvSpPr>
+            <a:spLocks noGrp="1"/>
+          </p:cNvSpPr>
+          <p:nvPr>
+            <p:ph type="title"/>
+          </p:nvPr>
+        </p:nvSpPr>
+        <p:spPr/>
+        <p:txBody>
+          <a:bodyPr/>
+          <a:lstStyle/>
+          <a:p>
+            <a:pPr lvl="0" marL="0" indent="0">
+              <a:buNone/>
+            </a:pPr>
+            <a:r>
+              <a:rPr/>
+              <a:t>Recommendations,</a:t>
+            </a:r>
+            <a:r>
+              <a:rPr/>
+              <a:t> </a:t>
+            </a:r>
+            <a:r>
+              <a:rPr/>
+              <a:t>Overprinting</a:t>
+            </a:r>
+            <a:r>
+              <a:rPr/>
+              <a:t> </a:t>
+            </a:r>
+            <a:r>
+              <a:rPr/>
+              <a:t>-</a:t>
+            </a:r>
+            <a:r>
+              <a:rPr/>
+              <a:t> </a:t>
+            </a:r>
+            <a:r>
+              <a:rPr/>
+              <a:t>open</a:t>
+            </a:r>
+            <a:r>
+              <a:rPr/>
+              <a:t> </a:t>
+            </a:r>
+            <a:r>
+              <a:rPr/>
+              <a:t>symbols</a:t>
+            </a:r>
+          </a:p>
+        </p:txBody>
+      </p:sp>
+      <p:pic>
+        <p:nvPicPr>
+          <p:cNvPr descr="../images/r/open-symbols.png" id="0" name="Picture 1"/>
+          <p:cNvPicPr>
+            <a:picLocks noGrp="1" noChangeAspect="1"/>
+          </p:cNvPicPr>
+          <p:nvPr/>
+        </p:nvPicPr>
+        <p:blipFill>
+          <a:blip r:embed="rId3"/>
+          <a:stretch>
+            <a:fillRect/>
+          </a:stretch>
+        </p:blipFill>
+        <p:spPr bwMode="auto">
+          <a:xfrm>
+            <a:off x="2565400" y="1600200"/>
+            <a:ext cx="4013200" cy="4013200"/>
+          </a:xfrm>
+          <a:prstGeom prst="rect">
+            <a:avLst/>
+          </a:prstGeom>
+          <a:noFill/>
+          <a:ln w="9525">
+            <a:noFill/>
+            <a:headEnd/>
+            <a:tailEnd/>
+          </a:ln>
+        </p:spPr>
+      </p:pic>
+      <p:sp>
+        <p:nvSpPr>
+          <p:cNvPr id="1" name="TextBox 3"/>
+          <p:cNvSpPr txBox="1"/>
+          <p:nvPr/>
+        </p:nvSpPr>
+        <p:spPr>
+          <a:xfrm>
+            <a:off x="457200" y="5613400"/>
+            <a:ext cx="8229600" cy="508000"/>
+          </a:xfrm>
+          <a:prstGeom prst="rect">
+            <a:avLst/>
+          </a:prstGeom>
+          <a:noFill/>
+        </p:spPr>
+        <p:txBody>
+          <a:bodyPr/>
+          <a:lstStyle/>
+          <a:p>
+            <a:pPr lvl="0" marL="0" indent="0" algn="ctr">
+              <a:buNone/>
+            </a:pPr>
+            <a:r>
+              <a:rPr/>
+              <a:t>R</a:t>
+            </a:r>
+            <a:r>
+              <a:rPr/>
+              <a:t> </a:t>
+            </a:r>
+            <a:r>
+              <a:rPr/>
+              <a:t>graph</a:t>
+            </a:r>
+            <a:r>
+              <a:rPr/>
+              <a:t> </a:t>
+            </a:r>
+            <a:r>
+              <a:rPr/>
+              <a:t>using</a:t>
+            </a:r>
+            <a:r>
+              <a:rPr/>
+              <a:t> </a:t>
+            </a:r>
+            <a:r>
+              <a:rPr/>
+              <a:t>open</a:t>
+            </a:r>
+            <a:r>
+              <a:rPr/>
+              <a:t> </a:t>
+            </a:r>
+            <a:r>
+              <a:rPr/>
+              <a:t>circles</a:t>
+            </a:r>
+          </a:p>
+        </p:txBody>
+      </p:sp>
+    </p:spTree>
+  </p:cSld>
+</p:sld>
+</file>
+
+<file path=ppt/slides/slide5.xml><?xml version="1.0" encoding="utf-8"?>
+<p:sld xmlns:a="http://schemas.openxmlformats.org/drawingml/2006/main" xmlns:r="http://schemas.openxmlformats.org/officeDocument/2006/relationships" xmlns:p="http://schemas.openxmlformats.org/presentationml/2006/main">
+  <p:cSld>
+    <p:spTree>
+      <p:nvGrpSpPr>
+        <p:cNvPr id="1" name=""/>
+        <p:cNvGrpSpPr/>
+        <p:nvPr/>
+      </p:nvGrpSpPr>
+      <p:grpSpPr>
+        <a:xfrm>
+          <a:off x="0" y="0"/>
+          <a:ext cx="0" cy="0"/>
+          <a:chOff x="0" y="0"/>
+          <a:chExt cx="0" cy="0"/>
+        </a:xfrm>
+      </p:grpSpPr>
+      <p:sp>
+        <p:nvSpPr>
+          <p:cNvPr id="2" name="Title 1"/>
+          <p:cNvSpPr>
+            <a:spLocks noGrp="1"/>
+          </p:cNvSpPr>
+          <p:nvPr>
+            <p:ph type="title"/>
+          </p:nvPr>
+        </p:nvSpPr>
+        <p:spPr/>
+        <p:txBody>
+          <a:bodyPr/>
+          <a:lstStyle/>
+          <a:p>
+            <a:pPr lvl="0" marL="0" indent="0">
+              <a:buNone/>
+            </a:pPr>
+            <a:r>
+              <a:rPr/>
+              <a:t>Recommendations,</a:t>
+            </a:r>
+            <a:r>
+              <a:rPr/>
+              <a:t> </a:t>
+            </a:r>
+            <a:r>
+              <a:rPr/>
+              <a:t>Overprinting</a:t>
+            </a:r>
+            <a:r>
+              <a:rPr/>
+              <a:t> </a:t>
+            </a:r>
+            <a:r>
+              <a:rPr/>
+              <a:t>-</a:t>
+            </a:r>
+            <a:r>
+              <a:rPr/>
+              <a:t> </a:t>
+            </a:r>
+            <a:r>
+              <a:rPr/>
+              <a:t>small</a:t>
+            </a:r>
+            <a:r>
+              <a:rPr/>
+              <a:t> </a:t>
+            </a:r>
+            <a:r>
+              <a:rPr/>
+              <a:t>points</a:t>
+            </a:r>
+          </a:p>
+        </p:txBody>
+      </p:sp>
+      <p:pic>
+        <p:nvPicPr>
+          <p:cNvPr descr="../images/r/small-points.png" id="0" name="Picture 1"/>
+          <p:cNvPicPr>
+            <a:picLocks noGrp="1" noChangeAspect="1"/>
+          </p:cNvPicPr>
+          <p:nvPr/>
+        </p:nvPicPr>
+        <p:blipFill>
+          <a:blip r:embed="rId3"/>
+          <a:stretch>
+            <a:fillRect/>
+          </a:stretch>
+        </p:blipFill>
+        <p:spPr bwMode="auto">
+          <a:xfrm>
+            <a:off x="2565400" y="1600200"/>
+            <a:ext cx="4013200" cy="4013200"/>
+          </a:xfrm>
+          <a:prstGeom prst="rect">
+            <a:avLst/>
+          </a:prstGeom>
+          <a:noFill/>
+          <a:ln w="9525">
+            <a:noFill/>
+            <a:headEnd/>
+            <a:tailEnd/>
+          </a:ln>
+        </p:spPr>
+      </p:pic>
+      <p:sp>
+        <p:nvSpPr>
+          <p:cNvPr id="1" name="TextBox 3"/>
+          <p:cNvSpPr txBox="1"/>
+          <p:nvPr/>
+        </p:nvSpPr>
+        <p:spPr>
+          <a:xfrm>
+            <a:off x="457200" y="5613400"/>
+            <a:ext cx="8229600" cy="508000"/>
+          </a:xfrm>
+          <a:prstGeom prst="rect">
+            <a:avLst/>
+          </a:prstGeom>
+          <a:noFill/>
+        </p:spPr>
+        <p:txBody>
+          <a:bodyPr/>
+          <a:lstStyle/>
+          <a:p>
+            <a:pPr lvl="0" marL="0" indent="0" algn="ctr">
+              <a:buNone/>
+            </a:pPr>
+            <a:r>
+              <a:rPr/>
+              <a:t>Graph</a:t>
+            </a:r>
+            <a:r>
+              <a:rPr/>
+              <a:t> </a:t>
+            </a:r>
+            <a:r>
+              <a:rPr/>
+              <a:t>using</a:t>
+            </a:r>
+            <a:r>
+              <a:rPr/>
+              <a:t> </a:t>
+            </a:r>
+            <a:r>
+              <a:rPr/>
+              <a:t>small</a:t>
+            </a:r>
+            <a:r>
+              <a:rPr/>
+              <a:t> </a:t>
+            </a:r>
+            <a:r>
+              <a:rPr/>
+              <a:t>points</a:t>
+            </a:r>
+          </a:p>
+        </p:txBody>
+      </p:sp>
+    </p:spTree>
+  </p:cSld>
+</p:sld>
+</file>
+
+<file path=ppt/slides/slide6.xml><?xml version="1.0" encoding="utf-8"?>
 <p:sld xmlns:a="http://schemas.openxmlformats.org/drawingml/2006/main" xmlns:r="http://schemas.openxmlformats.org/officeDocument/2006/relationships" xmlns:p="http://schemas.openxmlformats.org/presentationml/2006/main">
   <p:cSld>
     <p:spTree>
@@ -7786,7 +10504,7 @@
 </p:sld>
 </file>
 
-<file path=ppt/slides/slide5.xml><?xml version="1.0" encoding="utf-8"?>
+<file path=ppt/slides/slide7.xml><?xml version="1.0" encoding="utf-8"?>
 <p:sld xmlns:a="http://schemas.openxmlformats.org/drawingml/2006/main" xmlns:r="http://schemas.openxmlformats.org/officeDocument/2006/relationships" xmlns:p="http://schemas.openxmlformats.org/presentationml/2006/main">
   <p:cSld>
     <p:spTree>
@@ -7847,22 +10565,22 @@
             </a:r>
             <a:r>
               <a:rPr/>
-              <a:t>small</a:t>
-            </a:r>
-            <a:r>
-              <a:rPr/>
-              <a:t> </a:t>
-            </a:r>
-            <a:r>
-              <a:rPr/>
-              <a:t>points</a:t>
+              <a:t>log</a:t>
+            </a:r>
+            <a:r>
+              <a:rPr/>
+              <a:t> </a:t>
+            </a:r>
+            <a:r>
+              <a:rPr/>
+              <a:t>scale</a:t>
             </a:r>
           </a:p>
         </p:txBody>
       </p:sp>
       <p:pic>
         <p:nvPicPr>
-          <p:cNvPr descr="../images/r/small-points.png" id="0" name="Picture 1"/>
+          <p:cNvPr descr="../images/r/point-log-scale.png" id="0" name="Picture 1"/>
           <p:cNvPicPr>
             <a:picLocks noGrp="1" noChangeAspect="1"/>
           </p:cNvPicPr>
@@ -7931,340 +10649,6 @@
             </a:r>
             <a:r>
               <a:rPr/>
-              <a:t>small</a:t>
-            </a:r>
-            <a:r>
-              <a:rPr/>
-              <a:t> </a:t>
-            </a:r>
-            <a:r>
-              <a:rPr/>
-              <a:t>points</a:t>
-            </a:r>
-          </a:p>
-        </p:txBody>
-      </p:sp>
-    </p:spTree>
-  </p:cSld>
-</p:sld>
-</file>
-
-<file path=ppt/slides/slide6.xml><?xml version="1.0" encoding="utf-8"?>
-<p:sld xmlns:a="http://schemas.openxmlformats.org/drawingml/2006/main" xmlns:r="http://schemas.openxmlformats.org/officeDocument/2006/relationships" xmlns:p="http://schemas.openxmlformats.org/presentationml/2006/main">
-  <p:cSld>
-    <p:spTree>
-      <p:nvGrpSpPr>
-        <p:cNvPr id="1" name=""/>
-        <p:cNvGrpSpPr/>
-        <p:nvPr/>
-      </p:nvGrpSpPr>
-      <p:grpSpPr>
-        <a:xfrm>
-          <a:off x="0" y="0"/>
-          <a:ext cx="0" cy="0"/>
-          <a:chOff x="0" y="0"/>
-          <a:chExt cx="0" cy="0"/>
-        </a:xfrm>
-      </p:grpSpPr>
-      <p:sp>
-        <p:nvSpPr>
-          <p:cNvPr id="2" name="Title 1"/>
-          <p:cNvSpPr>
-            <a:spLocks noGrp="1"/>
-          </p:cNvSpPr>
-          <p:nvPr>
-            <p:ph type="title"/>
-          </p:nvPr>
-        </p:nvSpPr>
-        <p:spPr/>
-        <p:txBody>
-          <a:bodyPr/>
-          <a:lstStyle/>
-          <a:p>
-            <a:pPr lvl="0" marL="0" indent="0">
-              <a:buNone/>
-            </a:pPr>
-            <a:r>
-              <a:rPr/>
-              <a:t>Recommendations,</a:t>
-            </a:r>
-            <a:r>
-              <a:rPr/>
-              <a:t> </a:t>
-            </a:r>
-            <a:r>
-              <a:rPr/>
-              <a:t>Overprinting</a:t>
-            </a:r>
-            <a:r>
-              <a:rPr/>
-              <a:t> </a:t>
-            </a:r>
-            <a:r>
-              <a:rPr/>
-              <a:t>-</a:t>
-            </a:r>
-            <a:r>
-              <a:rPr/>
-              <a:t> </a:t>
-            </a:r>
-            <a:r>
-              <a:rPr/>
-              <a:t>open</a:t>
-            </a:r>
-            <a:r>
-              <a:rPr/>
-              <a:t> </a:t>
-            </a:r>
-            <a:r>
-              <a:rPr/>
-              <a:t>symbols</a:t>
-            </a:r>
-          </a:p>
-        </p:txBody>
-      </p:sp>
-      <p:pic>
-        <p:nvPicPr>
-          <p:cNvPr descr="../images/r/open-symbols.png" id="0" name="Picture 1"/>
-          <p:cNvPicPr>
-            <a:picLocks noGrp="1" noChangeAspect="1"/>
-          </p:cNvPicPr>
-          <p:nvPr/>
-        </p:nvPicPr>
-        <p:blipFill>
-          <a:blip r:embed="rId3"/>
-          <a:stretch>
-            <a:fillRect/>
-          </a:stretch>
-        </p:blipFill>
-        <p:spPr bwMode="auto">
-          <a:xfrm>
-            <a:off x="2565400" y="1600200"/>
-            <a:ext cx="4013200" cy="4013200"/>
-          </a:xfrm>
-          <a:prstGeom prst="rect">
-            <a:avLst/>
-          </a:prstGeom>
-          <a:noFill/>
-          <a:ln w="9525">
-            <a:noFill/>
-            <a:headEnd/>
-            <a:tailEnd/>
-          </a:ln>
-        </p:spPr>
-      </p:pic>
-      <p:sp>
-        <p:nvSpPr>
-          <p:cNvPr id="1" name="TextBox 3"/>
-          <p:cNvSpPr txBox="1"/>
-          <p:nvPr/>
-        </p:nvSpPr>
-        <p:spPr>
-          <a:xfrm>
-            <a:off x="457200" y="5613400"/>
-            <a:ext cx="8229600" cy="508000"/>
-          </a:xfrm>
-          <a:prstGeom prst="rect">
-            <a:avLst/>
-          </a:prstGeom>
-          <a:noFill/>
-        </p:spPr>
-        <p:txBody>
-          <a:bodyPr/>
-          <a:lstStyle/>
-          <a:p>
-            <a:pPr lvl="0" marL="0" indent="0" algn="ctr">
-              <a:buNone/>
-            </a:pPr>
-            <a:r>
-              <a:rPr/>
-              <a:t>R</a:t>
-            </a:r>
-            <a:r>
-              <a:rPr/>
-              <a:t> </a:t>
-            </a:r>
-            <a:r>
-              <a:rPr/>
-              <a:t>graph</a:t>
-            </a:r>
-            <a:r>
-              <a:rPr/>
-              <a:t> </a:t>
-            </a:r>
-            <a:r>
-              <a:rPr/>
-              <a:t>using</a:t>
-            </a:r>
-            <a:r>
-              <a:rPr/>
-              <a:t> </a:t>
-            </a:r>
-            <a:r>
-              <a:rPr/>
-              <a:t>open</a:t>
-            </a:r>
-            <a:r>
-              <a:rPr/>
-              <a:t> </a:t>
-            </a:r>
-            <a:r>
-              <a:rPr/>
-              <a:t>circles</a:t>
-            </a:r>
-          </a:p>
-        </p:txBody>
-      </p:sp>
-    </p:spTree>
-  </p:cSld>
-</p:sld>
-</file>
-
-<file path=ppt/slides/slide7.xml><?xml version="1.0" encoding="utf-8"?>
-<p:sld xmlns:a="http://schemas.openxmlformats.org/drawingml/2006/main" xmlns:r="http://schemas.openxmlformats.org/officeDocument/2006/relationships" xmlns:p="http://schemas.openxmlformats.org/presentationml/2006/main">
-  <p:cSld>
-    <p:spTree>
-      <p:nvGrpSpPr>
-        <p:cNvPr id="1" name=""/>
-        <p:cNvGrpSpPr/>
-        <p:nvPr/>
-      </p:nvGrpSpPr>
-      <p:grpSpPr>
-        <a:xfrm>
-          <a:off x="0" y="0"/>
-          <a:ext cx="0" cy="0"/>
-          <a:chOff x="0" y="0"/>
-          <a:chExt cx="0" cy="0"/>
-        </a:xfrm>
-      </p:grpSpPr>
-      <p:sp>
-        <p:nvSpPr>
-          <p:cNvPr id="2" name="Title 1"/>
-          <p:cNvSpPr>
-            <a:spLocks noGrp="1"/>
-          </p:cNvSpPr>
-          <p:nvPr>
-            <p:ph type="title"/>
-          </p:nvPr>
-        </p:nvSpPr>
-        <p:spPr/>
-        <p:txBody>
-          <a:bodyPr/>
-          <a:lstStyle/>
-          <a:p>
-            <a:pPr lvl="0" marL="0" indent="0">
-              <a:buNone/>
-            </a:pPr>
-            <a:r>
-              <a:rPr/>
-              <a:t>Recommendations,</a:t>
-            </a:r>
-            <a:r>
-              <a:rPr/>
-              <a:t> </a:t>
-            </a:r>
-            <a:r>
-              <a:rPr/>
-              <a:t>Overprinting</a:t>
-            </a:r>
-            <a:r>
-              <a:rPr/>
-              <a:t> </a:t>
-            </a:r>
-            <a:r>
-              <a:rPr/>
-              <a:t>-</a:t>
-            </a:r>
-            <a:r>
-              <a:rPr/>
-              <a:t> </a:t>
-            </a:r>
-            <a:r>
-              <a:rPr/>
-              <a:t>log</a:t>
-            </a:r>
-            <a:r>
-              <a:rPr/>
-              <a:t> </a:t>
-            </a:r>
-            <a:r>
-              <a:rPr/>
-              <a:t>scale</a:t>
-            </a:r>
-          </a:p>
-        </p:txBody>
-      </p:sp>
-      <p:pic>
-        <p:nvPicPr>
-          <p:cNvPr descr="../images/r/point-log-scale.png" id="0" name="Picture 1"/>
-          <p:cNvPicPr>
-            <a:picLocks noGrp="1" noChangeAspect="1"/>
-          </p:cNvPicPr>
-          <p:nvPr/>
-        </p:nvPicPr>
-        <p:blipFill>
-          <a:blip r:embed="rId2"/>
-          <a:stretch>
-            <a:fillRect/>
-          </a:stretch>
-        </p:blipFill>
-        <p:spPr bwMode="auto">
-          <a:xfrm>
-            <a:off x="2565400" y="1600200"/>
-            <a:ext cx="4013200" cy="4013200"/>
-          </a:xfrm>
-          <a:prstGeom prst="rect">
-            <a:avLst/>
-          </a:prstGeom>
-          <a:noFill/>
-          <a:ln w="9525">
-            <a:noFill/>
-            <a:headEnd/>
-            <a:tailEnd/>
-          </a:ln>
-        </p:spPr>
-      </p:pic>
-      <p:sp>
-        <p:nvSpPr>
-          <p:cNvPr id="1" name="TextBox 3"/>
-          <p:cNvSpPr txBox="1"/>
-          <p:nvPr/>
-        </p:nvSpPr>
-        <p:spPr>
-          <a:xfrm>
-            <a:off x="457200" y="5613400"/>
-            <a:ext cx="8229600" cy="508000"/>
-          </a:xfrm>
-          <a:prstGeom prst="rect">
-            <a:avLst/>
-          </a:prstGeom>
-          <a:noFill/>
-        </p:spPr>
-        <p:txBody>
-          <a:bodyPr/>
-          <a:lstStyle/>
-          <a:p>
-            <a:pPr lvl="0" marL="0" indent="0" algn="ctr">
-              <a:buNone/>
-            </a:pPr>
-            <a:r>
-              <a:rPr/>
-              <a:t>Graph</a:t>
-            </a:r>
-            <a:r>
-              <a:rPr/>
-              <a:t> </a:t>
-            </a:r>
-            <a:r>
-              <a:rPr/>
-              <a:t>using</a:t>
-            </a:r>
-            <a:r>
-              <a:rPr/>
-              <a:t> </a:t>
-            </a:r>
-            <a:r>
-              <a:rPr/>
               <a:t>log</a:t>
             </a:r>
             <a:r>
@@ -8380,6 +10764,13 @@
             <a:pPr lvl="1"/>
             <a:r>
               <a:rPr/>
+              <a:t>Size is only good for continuous variables</a:t>
+            </a:r>
+          </a:p>
+          <a:p>
+            <a:pPr lvl="1"/>
+            <a:r>
+              <a:rPr/>
               <a:t>Shape and size don’t mix</a:t>
             </a:r>
           </a:p>
@@ -8497,7 +10888,7 @@
           <p:nvPr/>
         </p:nvPicPr>
         <p:blipFill>
-          <a:blip r:embed="rId2"/>
+          <a:blip r:embed="rId3"/>
           <a:stretch>
             <a:fillRect/>
           </a:stretch>

--- a/data-viz-01/component/recommendations.pptx
+++ b/data-viz-01/component/recommendations.pptx
@@ -5,7 +5,7 @@
     <p:sldMasterId id="2147483648" r:id="rId1"/>
   </p:sldMasterIdLst>
   <p:notesMasterIdLst>
-    <p:NotesMasterId r:id="rId14"/>
+    <p:NotesMasterId r:id="rId15"/>
   </p:notesMasterIdLst>
   <p:sldIdLst>
     <p:sldId id="256" r:id="rId2"/>
@@ -20,6 +20,7 @@
     <p:sldId id="265" r:id="rId11"/>
     <p:sldId id="266" r:id="rId12"/>
     <p:sldId id="267" r:id="rId13"/>
+    <p:sldId id="268" r:id="rId14"/>
   </p:sldIdLst>
   <p:sldSz cx="9144000" cy="6858000" type="screen4x3"/>
   <p:notesSz cx="6858000" cy="9144000"/>
@@ -1699,6 +1700,648 @@
 </p:notes>
 </file>
 
+<file path=ppt/notesSlides/notesSlide10.xml><?xml version="1.0" encoding="utf-8"?>
+<p:notes xmlns:a="http://schemas.openxmlformats.org/drawingml/2006/main" xmlns:r="http://schemas.openxmlformats.org/officeDocument/2006/relationships" xmlns:p="http://schemas.openxmlformats.org/presentationml/2006/main">
+  <p:cSld>
+    <p:spTree>
+      <p:nvGrpSpPr>
+        <p:cNvPr id="1" name=""/>
+        <p:cNvGrpSpPr/>
+        <p:nvPr/>
+      </p:nvGrpSpPr>
+      <p:grpSpPr>
+        <a:xfrm>
+          <a:off x="0" y="0"/>
+          <a:ext cx="0" cy="0"/>
+          <a:chOff x="0" y="0"/>
+          <a:chExt cx="0" cy="0"/>
+        </a:xfrm>
+      </p:grpSpPr>
+      <p:sp>
+        <p:nvSpPr>
+          <p:cNvPr id="2" name="Slide Image Placeholder 1"/>
+          <p:cNvSpPr>
+            <a:spLocks noGrp="1" noRot="1" noChangeAspect="1"/>
+          </p:cNvSpPr>
+          <p:nvPr>
+            <p:ph type="sldImg"/>
+          </p:nvPr>
+        </p:nvSpPr>
+        <p:spPr/>
+      </p:sp>
+      <p:sp>
+        <p:nvSpPr>
+          <p:cNvPr id="3" name="Notes Placeholder 2"/>
+          <p:cNvSpPr>
+            <a:spLocks noGrp="1"/>
+          </p:cNvSpPr>
+          <p:nvPr>
+            <p:ph type="body" idx="1"/>
+          </p:nvPr>
+        </p:nvSpPr>
+        <p:spPr/>
+        <p:txBody>
+          <a:bodyPr/>
+          <a:lstStyle/>
+          <a:p>
+            <a:pPr lvl="0" marL="0" indent="0">
+              <a:buNone/>
+            </a:pPr>
+            <a:r>
+              <a:rPr/>
+              <a:t>Also</a:t>
+            </a:r>
+            <a:r>
+              <a:rPr/>
+              <a:t> </a:t>
+            </a:r>
+            <a:r>
+              <a:rPr/>
+              <a:t>size</a:t>
+            </a:r>
+            <a:r>
+              <a:rPr/>
+              <a:t> </a:t>
+            </a:r>
+            <a:r>
+              <a:rPr/>
+              <a:t>and</a:t>
+            </a:r>
+            <a:r>
+              <a:rPr/>
+              <a:t> </a:t>
+            </a:r>
+            <a:r>
+              <a:rPr/>
+              <a:t>shape</a:t>
+            </a:r>
+            <a:r>
+              <a:rPr/>
+              <a:t> </a:t>
+            </a:r>
+            <a:r>
+              <a:rPr/>
+              <a:t>don’t</a:t>
+            </a:r>
+            <a:r>
+              <a:rPr/>
+              <a:t> </a:t>
+            </a:r>
+            <a:r>
+              <a:rPr/>
+              <a:t>mix.</a:t>
+            </a:r>
+            <a:r>
+              <a:rPr/>
+              <a:t> </a:t>
+            </a:r>
+            <a:r>
+              <a:rPr/>
+              <a:t>You</a:t>
+            </a:r>
+            <a:r>
+              <a:rPr/>
+              <a:t> </a:t>
+            </a:r>
+            <a:r>
+              <a:rPr/>
+              <a:t>can</a:t>
+            </a:r>
+            <a:r>
+              <a:rPr/>
+              <a:t> </a:t>
+            </a:r>
+            <a:r>
+              <a:rPr/>
+              <a:t>really</a:t>
+            </a:r>
+            <a:r>
+              <a:rPr/>
+              <a:t> </a:t>
+            </a:r>
+            <a:r>
+              <a:rPr/>
+              <a:t>compare</a:t>
+            </a:r>
+            <a:r>
+              <a:rPr/>
+              <a:t> </a:t>
+            </a:r>
+            <a:r>
+              <a:rPr/>
+              <a:t>two</a:t>
+            </a:r>
+            <a:r>
+              <a:rPr/>
+              <a:t> </a:t>
+            </a:r>
+            <a:r>
+              <a:rPr/>
+              <a:t>diffent</a:t>
+            </a:r>
+            <a:r>
+              <a:rPr/>
+              <a:t> </a:t>
+            </a:r>
+            <a:r>
+              <a:rPr/>
+              <a:t>shapes,</a:t>
+            </a:r>
+            <a:r>
+              <a:rPr/>
+              <a:t> </a:t>
+            </a:r>
+            <a:r>
+              <a:rPr/>
+              <a:t>such</a:t>
+            </a:r>
+            <a:r>
+              <a:rPr/>
+              <a:t> </a:t>
+            </a:r>
+            <a:r>
+              <a:rPr/>
+              <a:t>as</a:t>
+            </a:r>
+            <a:r>
+              <a:rPr/>
+              <a:t> </a:t>
+            </a:r>
+            <a:r>
+              <a:rPr/>
+              <a:t>an</a:t>
+            </a:r>
+            <a:r>
+              <a:rPr/>
+              <a:t> </a:t>
+            </a:r>
+            <a:r>
+              <a:rPr/>
+              <a:t>X</a:t>
+            </a:r>
+            <a:r>
+              <a:rPr/>
+              <a:t> </a:t>
+            </a:r>
+            <a:r>
+              <a:rPr/>
+              <a:t>and</a:t>
+            </a:r>
+            <a:r>
+              <a:rPr/>
+              <a:t> </a:t>
+            </a:r>
+            <a:r>
+              <a:rPr/>
+              <a:t>an</a:t>
+            </a:r>
+            <a:r>
+              <a:rPr/>
+              <a:t> </a:t>
+            </a:r>
+            <a:r>
+              <a:rPr/>
+              <a:t>O</a:t>
+            </a:r>
+            <a:r>
+              <a:rPr/>
+              <a:t> </a:t>
+            </a:r>
+            <a:r>
+              <a:rPr/>
+              <a:t>on</a:t>
+            </a:r>
+            <a:r>
+              <a:rPr/>
+              <a:t> </a:t>
+            </a:r>
+            <a:r>
+              <a:rPr/>
+              <a:t>size.</a:t>
+            </a:r>
+            <a:r>
+              <a:rPr/>
+              <a:t> </a:t>
+            </a:r>
+            <a:r>
+              <a:rPr/>
+              <a:t>Is</a:t>
+            </a:r>
+            <a:r>
+              <a:rPr/>
+              <a:t> </a:t>
+            </a:r>
+            <a:r>
+              <a:rPr/>
+              <a:t>the</a:t>
+            </a:r>
+            <a:r>
+              <a:rPr/>
+              <a:t> </a:t>
+            </a:r>
+            <a:r>
+              <a:rPr/>
+              <a:t>size</a:t>
+            </a:r>
+            <a:r>
+              <a:rPr/>
+              <a:t> </a:t>
+            </a:r>
+            <a:r>
+              <a:rPr/>
+              <a:t>related</a:t>
+            </a:r>
+            <a:r>
+              <a:rPr/>
+              <a:t> </a:t>
+            </a:r>
+            <a:r>
+              <a:rPr/>
+              <a:t>to</a:t>
+            </a:r>
+            <a:r>
+              <a:rPr/>
+              <a:t> </a:t>
+            </a:r>
+            <a:r>
+              <a:rPr/>
+              <a:t>the</a:t>
+            </a:r>
+            <a:r>
+              <a:rPr/>
+              <a:t> </a:t>
+            </a:r>
+            <a:r>
+              <a:rPr/>
+              <a:t>diameter,</a:t>
+            </a:r>
+            <a:r>
+              <a:rPr/>
+              <a:t> </a:t>
+            </a:r>
+            <a:r>
+              <a:rPr/>
+              <a:t>the</a:t>
+            </a:r>
+            <a:r>
+              <a:rPr/>
+              <a:t> </a:t>
+            </a:r>
+            <a:r>
+              <a:rPr/>
+              <a:t>area,</a:t>
+            </a:r>
+            <a:r>
+              <a:rPr/>
+              <a:t> </a:t>
+            </a:r>
+            <a:r>
+              <a:rPr/>
+              <a:t>or</a:t>
+            </a:r>
+            <a:r>
+              <a:rPr/>
+              <a:t> </a:t>
+            </a:r>
+            <a:r>
+              <a:rPr/>
+              <a:t>the</a:t>
+            </a:r>
+            <a:r>
+              <a:rPr/>
+              <a:t> </a:t>
+            </a:r>
+            <a:r>
+              <a:rPr/>
+              <a:t>perimeter?</a:t>
+            </a:r>
+            <a:r>
+              <a:rPr/>
+              <a:t> </a:t>
+            </a:r>
+            <a:r>
+              <a:rPr/>
+              <a:t>There’s</a:t>
+            </a:r>
+            <a:r>
+              <a:rPr/>
+              <a:t> </a:t>
+            </a:r>
+            <a:r>
+              <a:rPr/>
+              <a:t>no</a:t>
+            </a:r>
+            <a:r>
+              <a:rPr/>
+              <a:t> </a:t>
+            </a:r>
+            <a:r>
+              <a:rPr/>
+              <a:t>really</a:t>
+            </a:r>
+            <a:r>
+              <a:rPr/>
+              <a:t> </a:t>
+            </a:r>
+            <a:r>
+              <a:rPr/>
+              <a:t>good</a:t>
+            </a:r>
+            <a:r>
+              <a:rPr/>
+              <a:t> </a:t>
+            </a:r>
+            <a:r>
+              <a:rPr/>
+              <a:t>answer,</a:t>
+            </a:r>
+            <a:r>
+              <a:rPr/>
+              <a:t> </a:t>
+            </a:r>
+            <a:r>
+              <a:rPr/>
+              <a:t>so</a:t>
+            </a:r>
+            <a:r>
+              <a:rPr/>
+              <a:t> </a:t>
+            </a:r>
+            <a:r>
+              <a:rPr/>
+              <a:t>it’s</a:t>
+            </a:r>
+            <a:r>
+              <a:rPr/>
+              <a:t> </a:t>
+            </a:r>
+            <a:r>
+              <a:rPr/>
+              <a:t>asking</a:t>
+            </a:r>
+            <a:r>
+              <a:rPr/>
+              <a:t> </a:t>
+            </a:r>
+            <a:r>
+              <a:rPr/>
+              <a:t>to</a:t>
+            </a:r>
+            <a:r>
+              <a:rPr/>
+              <a:t> </a:t>
+            </a:r>
+            <a:r>
+              <a:rPr/>
+              <a:t>much</a:t>
+            </a:r>
+            <a:r>
+              <a:rPr/>
+              <a:t> </a:t>
+            </a:r>
+            <a:r>
+              <a:rPr/>
+              <a:t>of</a:t>
+            </a:r>
+            <a:r>
+              <a:rPr/>
+              <a:t> </a:t>
+            </a:r>
+            <a:r>
+              <a:rPr/>
+              <a:t>a</a:t>
+            </a:r>
+            <a:r>
+              <a:rPr/>
+              <a:t> </a:t>
+            </a:r>
+            <a:r>
+              <a:rPr/>
+              <a:t>graph</a:t>
+            </a:r>
+            <a:r>
+              <a:rPr/>
+              <a:t> </a:t>
+            </a:r>
+            <a:r>
+              <a:rPr/>
+              <a:t>that</a:t>
+            </a:r>
+            <a:r>
+              <a:rPr/>
+              <a:t> </a:t>
+            </a:r>
+            <a:r>
+              <a:rPr/>
+              <a:t>asks</a:t>
+            </a:r>
+            <a:r>
+              <a:rPr/>
+              <a:t> </a:t>
+            </a:r>
+            <a:r>
+              <a:rPr/>
+              <a:t>you</a:t>
+            </a:r>
+            <a:r>
+              <a:rPr/>
+              <a:t> </a:t>
+            </a:r>
+            <a:r>
+              <a:rPr/>
+              <a:t>to</a:t>
+            </a:r>
+            <a:r>
+              <a:rPr/>
+              <a:t> </a:t>
+            </a:r>
+            <a:r>
+              <a:rPr/>
+              <a:t>decide</a:t>
+            </a:r>
+            <a:r>
+              <a:rPr/>
+              <a:t> </a:t>
+            </a:r>
+            <a:r>
+              <a:rPr/>
+              <a:t>which</a:t>
+            </a:r>
+            <a:r>
+              <a:rPr/>
+              <a:t> </a:t>
+            </a:r>
+            <a:r>
+              <a:rPr/>
+              <a:t>is</a:t>
+            </a:r>
+            <a:r>
+              <a:rPr/>
+              <a:t> </a:t>
+            </a:r>
+            <a:r>
+              <a:rPr/>
+              <a:t>larger</a:t>
+            </a:r>
+            <a:r>
+              <a:rPr/>
+              <a:t> </a:t>
+            </a:r>
+            <a:r>
+              <a:rPr/>
+              <a:t>among</a:t>
+            </a:r>
+            <a:r>
+              <a:rPr/>
+              <a:t> </a:t>
+            </a:r>
+            <a:r>
+              <a:rPr/>
+              <a:t>points</a:t>
+            </a:r>
+            <a:r>
+              <a:rPr/>
+              <a:t> </a:t>
+            </a:r>
+            <a:r>
+              <a:rPr/>
+              <a:t>represent</a:t>
+            </a:r>
+            <a:r>
+              <a:rPr/>
+              <a:t> </a:t>
+            </a:r>
+            <a:r>
+              <a:rPr/>
+              <a:t>different</a:t>
+            </a:r>
+            <a:r>
+              <a:rPr/>
+              <a:t> </a:t>
+            </a:r>
+            <a:r>
+              <a:rPr/>
+              <a:t>shapes.</a:t>
+            </a:r>
+            <a:r>
+              <a:rPr/>
+              <a:t> </a:t>
+            </a:r>
+            <a:r>
+              <a:rPr/>
+              <a:t>Either</a:t>
+            </a:r>
+            <a:r>
+              <a:rPr/>
+              <a:t> </a:t>
+            </a:r>
+            <a:r>
+              <a:rPr/>
+              <a:t>vary</a:t>
+            </a:r>
+            <a:r>
+              <a:rPr/>
+              <a:t> </a:t>
+            </a:r>
+            <a:r>
+              <a:rPr/>
+              <a:t>the</a:t>
+            </a:r>
+            <a:r>
+              <a:rPr/>
+              <a:t> </a:t>
+            </a:r>
+            <a:r>
+              <a:rPr/>
+              <a:t>shape</a:t>
+            </a:r>
+            <a:r>
+              <a:rPr/>
+              <a:t> </a:t>
+            </a:r>
+            <a:r>
+              <a:rPr/>
+              <a:t>or</a:t>
+            </a:r>
+            <a:r>
+              <a:rPr/>
+              <a:t> </a:t>
+            </a:r>
+            <a:r>
+              <a:rPr/>
+              <a:t>vary</a:t>
+            </a:r>
+            <a:r>
+              <a:rPr/>
+              <a:t> </a:t>
+            </a:r>
+            <a:r>
+              <a:rPr/>
+              <a:t>the</a:t>
+            </a:r>
+            <a:r>
+              <a:rPr/>
+              <a:t> </a:t>
+            </a:r>
+            <a:r>
+              <a:rPr/>
+              <a:t>size,</a:t>
+            </a:r>
+            <a:r>
+              <a:rPr/>
+              <a:t> </a:t>
+            </a:r>
+            <a:r>
+              <a:rPr/>
+              <a:t>but</a:t>
+            </a:r>
+            <a:r>
+              <a:rPr/>
+              <a:t> </a:t>
+            </a:r>
+            <a:r>
+              <a:rPr/>
+              <a:t>not</a:t>
+            </a:r>
+            <a:r>
+              <a:rPr/>
+              <a:t> </a:t>
+            </a:r>
+            <a:r>
+              <a:rPr/>
+              <a:t>both.</a:t>
+            </a:r>
+          </a:p>
+        </p:txBody>
+      </p:sp>
+      <p:sp>
+        <p:nvSpPr>
+          <p:cNvPr id="4" name="Slide Number Placeholder 3"/>
+          <p:cNvSpPr>
+            <a:spLocks noGrp="1"/>
+          </p:cNvSpPr>
+          <p:nvPr>
+            <p:ph type="sldNum" sz="quarter" idx="10"/>
+          </p:nvPr>
+        </p:nvSpPr>
+        <p:spPr/>
+        <p:txBody>
+          <a:bodyPr/>
+          <a:lstStyle/>
+          <a:p>
+            <a:fld id="{18BDFEC3-8487-43E8-A154-7C12CBC1FFF2}" type="slidenum">
+              <a:rPr lang="en-US"/>
+              <a:t>12</a:t>
+            </a:fld>
+            <a:endParaRPr lang="en-US"/>
+          </a:p>
+        </p:txBody>
+      </p:sp>
+    </p:spTree>
+  </p:cSld>
+</p:notes>
+</file>
+
 <file path=ppt/notesSlides/notesSlide2.xml><?xml version="1.0" encoding="utf-8"?>
 <p:notes xmlns:a="http://schemas.openxmlformats.org/drawingml/2006/main" xmlns:r="http://schemas.openxmlformats.org/officeDocument/2006/relationships" xmlns:p="http://schemas.openxmlformats.org/presentationml/2006/main">
   <p:cSld>
@@ -5366,55 +6009,111 @@
             </a:pPr>
             <a:r>
               <a:rPr/>
-              <a:t>There</a:t>
-            </a:r>
-            <a:r>
-              <a:rPr/>
-              <a:t> </a:t>
-            </a:r>
-            <a:r>
-              <a:rPr/>
-              <a:t>are</a:t>
-            </a:r>
-            <a:r>
-              <a:rPr/>
-              <a:t> </a:t>
-            </a:r>
-            <a:r>
-              <a:rPr/>
-              <a:t>some</a:t>
-            </a:r>
-            <a:r>
-              <a:rPr/>
-              <a:t> </a:t>
-            </a:r>
-            <a:r>
-              <a:rPr/>
-              <a:t>practical</a:t>
-            </a:r>
-            <a:r>
-              <a:rPr/>
-              <a:t> </a:t>
-            </a:r>
-            <a:r>
-              <a:rPr/>
-              <a:t>limits</a:t>
-            </a:r>
-            <a:r>
-              <a:rPr/>
-              <a:t> </a:t>
-            </a:r>
-            <a:r>
-              <a:rPr/>
-              <a:t>to</a:t>
-            </a:r>
-            <a:r>
-              <a:rPr/>
-              <a:t> </a:t>
-            </a:r>
-            <a:r>
-              <a:rPr/>
-              <a:t>aesthetics</a:t>
+              <a:t>First,</a:t>
+            </a:r>
+            <a:r>
+              <a:rPr/>
+              <a:t> </a:t>
+            </a:r>
+            <a:r>
+              <a:rPr/>
+              <a:t>shape</a:t>
+            </a:r>
+            <a:r>
+              <a:rPr/>
+              <a:t> </a:t>
+            </a:r>
+            <a:r>
+              <a:rPr/>
+              <a:t>makes</a:t>
+            </a:r>
+            <a:r>
+              <a:rPr/>
+              <a:t> </a:t>
+            </a:r>
+            <a:r>
+              <a:rPr/>
+              <a:t>sense</a:t>
+            </a:r>
+            <a:r>
+              <a:rPr/>
+              <a:t> </a:t>
+            </a:r>
+            <a:r>
+              <a:rPr/>
+              <a:t>only</a:t>
+            </a:r>
+            <a:r>
+              <a:rPr/>
+              <a:t> </a:t>
+            </a:r>
+            <a:r>
+              <a:rPr/>
+              <a:t>for</a:t>
+            </a:r>
+            <a:r>
+              <a:rPr/>
+              <a:t> </a:t>
+            </a:r>
+            <a:r>
+              <a:rPr/>
+              <a:t>categorical</a:t>
+            </a:r>
+            <a:r>
+              <a:rPr/>
+              <a:t> </a:t>
+            </a:r>
+            <a:r>
+              <a:rPr/>
+              <a:t>data.</a:t>
+            </a:r>
+            <a:r>
+              <a:rPr/>
+              <a:t> </a:t>
+            </a:r>
+            <a:r>
+              <a:rPr/>
+              <a:t>If</a:t>
+            </a:r>
+            <a:r>
+              <a:rPr/>
+              <a:t> </a:t>
+            </a:r>
+            <a:r>
+              <a:rPr/>
+              <a:t>you</a:t>
+            </a:r>
+            <a:r>
+              <a:rPr/>
+              <a:t> </a:t>
+            </a:r>
+            <a:r>
+              <a:rPr/>
+              <a:t>have</a:t>
+            </a:r>
+            <a:r>
+              <a:rPr/>
+              <a:t> </a:t>
+            </a:r>
+            <a:r>
+              <a:rPr/>
+              <a:t>a</a:t>
+            </a:r>
+            <a:r>
+              <a:rPr/>
+              <a:t> </a:t>
+            </a:r>
+            <a:r>
+              <a:rPr/>
+              <a:t>large</a:t>
+            </a:r>
+            <a:r>
+              <a:rPr/>
+              <a:t> </a:t>
+            </a:r>
+            <a:r>
+              <a:rPr/>
+              <a:t>number</a:t>
             </a:r>
             <a:r>
               <a:rPr/>
@@ -5430,47 +6129,31 @@
             </a:r>
             <a:r>
               <a:rPr/>
-              <a:t>points.</a:t>
-            </a:r>
-            <a:r>
-              <a:rPr/>
-              <a:t> </a:t>
-            </a:r>
-            <a:r>
-              <a:rPr/>
-              <a:t>First,</a:t>
-            </a:r>
-            <a:r>
-              <a:rPr/>
-              <a:t> </a:t>
-            </a:r>
-            <a:r>
-              <a:rPr/>
-              <a:t>shape</a:t>
-            </a:r>
-            <a:r>
-              <a:rPr/>
-              <a:t> </a:t>
-            </a:r>
-            <a:r>
-              <a:rPr/>
-              <a:t>makes</a:t>
-            </a:r>
-            <a:r>
-              <a:rPr/>
-              <a:t> </a:t>
-            </a:r>
-            <a:r>
-              <a:rPr/>
-              <a:t>sense</a:t>
-            </a:r>
-            <a:r>
-              <a:rPr/>
-              <a:t> </a:t>
-            </a:r>
-            <a:r>
-              <a:rPr/>
-              <a:t>only</a:t>
+              <a:t>values,</a:t>
+            </a:r>
+            <a:r>
+              <a:rPr/>
+              <a:t> </a:t>
+            </a:r>
+            <a:r>
+              <a:rPr/>
+              <a:t>as</a:t>
+            </a:r>
+            <a:r>
+              <a:rPr/>
+              <a:t> </a:t>
+            </a:r>
+            <a:r>
+              <a:rPr/>
+              <a:t>is</a:t>
+            </a:r>
+            <a:r>
+              <a:rPr/>
+              <a:t> </a:t>
+            </a:r>
+            <a:r>
+              <a:rPr/>
+              <a:t>typical</a:t>
             </a:r>
             <a:r>
               <a:rPr/>
@@ -5486,23 +6169,23 @@
             </a:r>
             <a:r>
               <a:rPr/>
-              <a:t>categorical</a:t>
-            </a:r>
-            <a:r>
-              <a:rPr/>
-              <a:t> </a:t>
-            </a:r>
-            <a:r>
-              <a:rPr/>
-              <a:t>data.</a:t>
-            </a:r>
-            <a:r>
-              <a:rPr/>
-              <a:t> </a:t>
-            </a:r>
-            <a:r>
-              <a:rPr/>
-              <a:t>If</a:t>
+              <a:t>a</a:t>
+            </a:r>
+            <a:r>
+              <a:rPr/>
+              <a:t> </a:t>
+            </a:r>
+            <a:r>
+              <a:rPr/>
+              <a:t>continuous</a:t>
+            </a:r>
+            <a:r>
+              <a:rPr/>
+              <a:t> </a:t>
+            </a:r>
+            <a:r>
+              <a:rPr/>
+              <a:t>variable,</a:t>
             </a:r>
             <a:r>
               <a:rPr/>
@@ -5518,31 +6201,15 @@
             </a:r>
             <a:r>
               <a:rPr/>
-              <a:t>have</a:t>
-            </a:r>
-            <a:r>
-              <a:rPr/>
-              <a:t> </a:t>
-            </a:r>
-            <a:r>
-              <a:rPr/>
-              <a:t>a</a:t>
-            </a:r>
-            <a:r>
-              <a:rPr/>
-              <a:t> </a:t>
-            </a:r>
-            <a:r>
-              <a:rPr/>
-              <a:t>large</a:t>
-            </a:r>
-            <a:r>
-              <a:rPr/>
-              <a:t> </a:t>
-            </a:r>
-            <a:r>
-              <a:rPr/>
-              <a:t>number</a:t>
+              <a:t>run</a:t>
+            </a:r>
+            <a:r>
+              <a:rPr/>
+              <a:t> </a:t>
+            </a:r>
+            <a:r>
+              <a:rPr/>
+              <a:t>out</a:t>
             </a:r>
             <a:r>
               <a:rPr/>
@@ -5558,63 +6225,15 @@
             </a:r>
             <a:r>
               <a:rPr/>
-              <a:t>values,</a:t>
-            </a:r>
-            <a:r>
-              <a:rPr/>
-              <a:t> </a:t>
-            </a:r>
-            <a:r>
-              <a:rPr/>
-              <a:t>as</a:t>
-            </a:r>
-            <a:r>
-              <a:rPr/>
-              <a:t> </a:t>
-            </a:r>
-            <a:r>
-              <a:rPr/>
-              <a:t>is</a:t>
-            </a:r>
-            <a:r>
-              <a:rPr/>
-              <a:t> </a:t>
-            </a:r>
-            <a:r>
-              <a:rPr/>
-              <a:t>typical</a:t>
-            </a:r>
-            <a:r>
-              <a:rPr/>
-              <a:t> </a:t>
-            </a:r>
-            <a:r>
-              <a:rPr/>
-              <a:t>for</a:t>
-            </a:r>
-            <a:r>
-              <a:rPr/>
-              <a:t> </a:t>
-            </a:r>
-            <a:r>
-              <a:rPr/>
-              <a:t>a</a:t>
-            </a:r>
-            <a:r>
-              <a:rPr/>
-              <a:t> </a:t>
-            </a:r>
-            <a:r>
-              <a:rPr/>
-              <a:t>continuous</a:t>
-            </a:r>
-            <a:r>
-              <a:rPr/>
-              <a:t> </a:t>
-            </a:r>
-            <a:r>
-              <a:rPr/>
-              <a:t>variable,</a:t>
+              <a:t>symbols</a:t>
+            </a:r>
+            <a:r>
+              <a:rPr/>
+              <a:t> </a:t>
+            </a:r>
+            <a:r>
+              <a:rPr/>
+              <a:t>before</a:t>
             </a:r>
             <a:r>
               <a:rPr/>
@@ -5654,629 +6273,7 @@
             </a:r>
             <a:r>
               <a:rPr/>
-              <a:t>symbols</a:t>
-            </a:r>
-            <a:r>
-              <a:rPr/>
-              <a:t> </a:t>
-            </a:r>
-            <a:r>
-              <a:rPr/>
-              <a:t>before</a:t>
-            </a:r>
-            <a:r>
-              <a:rPr/>
-              <a:t> </a:t>
-            </a:r>
-            <a:r>
-              <a:rPr/>
-              <a:t>you</a:t>
-            </a:r>
-            <a:r>
-              <a:rPr/>
-              <a:t> </a:t>
-            </a:r>
-            <a:r>
-              <a:rPr/>
-              <a:t>run</a:t>
-            </a:r>
-            <a:r>
-              <a:rPr/>
-              <a:t> </a:t>
-            </a:r>
-            <a:r>
-              <a:rPr/>
-              <a:t>out</a:t>
-            </a:r>
-            <a:r>
-              <a:rPr/>
-              <a:t> </a:t>
-            </a:r>
-            <a:r>
-              <a:rPr/>
-              <a:t>of</a:t>
-            </a:r>
-            <a:r>
-              <a:rPr/>
-              <a:t> </a:t>
-            </a:r>
-            <a:r>
-              <a:rPr/>
               <a:t>categories.</a:t>
-            </a:r>
-          </a:p>
-          <a:p>
-            <a:pPr lvl="0" marL="0" indent="0">
-              <a:buNone/>
-            </a:pPr>
-          </a:p>
-          <a:p>
-            <a:pPr lvl="0" marL="0" indent="0">
-              <a:buNone/>
-            </a:pPr>
-            <a:r>
-              <a:rPr/>
-              <a:t>Also</a:t>
-            </a:r>
-            <a:r>
-              <a:rPr/>
-              <a:t> </a:t>
-            </a:r>
-            <a:r>
-              <a:rPr/>
-              <a:t>size</a:t>
-            </a:r>
-            <a:r>
-              <a:rPr/>
-              <a:t> </a:t>
-            </a:r>
-            <a:r>
-              <a:rPr/>
-              <a:t>and</a:t>
-            </a:r>
-            <a:r>
-              <a:rPr/>
-              <a:t> </a:t>
-            </a:r>
-            <a:r>
-              <a:rPr/>
-              <a:t>shape</a:t>
-            </a:r>
-            <a:r>
-              <a:rPr/>
-              <a:t> </a:t>
-            </a:r>
-            <a:r>
-              <a:rPr/>
-              <a:t>don’t</a:t>
-            </a:r>
-            <a:r>
-              <a:rPr/>
-              <a:t> </a:t>
-            </a:r>
-            <a:r>
-              <a:rPr/>
-              <a:t>mix.</a:t>
-            </a:r>
-            <a:r>
-              <a:rPr/>
-              <a:t> </a:t>
-            </a:r>
-            <a:r>
-              <a:rPr/>
-              <a:t>You</a:t>
-            </a:r>
-            <a:r>
-              <a:rPr/>
-              <a:t> </a:t>
-            </a:r>
-            <a:r>
-              <a:rPr/>
-              <a:t>can</a:t>
-            </a:r>
-            <a:r>
-              <a:rPr/>
-              <a:t> </a:t>
-            </a:r>
-            <a:r>
-              <a:rPr/>
-              <a:t>really</a:t>
-            </a:r>
-            <a:r>
-              <a:rPr/>
-              <a:t> </a:t>
-            </a:r>
-            <a:r>
-              <a:rPr/>
-              <a:t>compare</a:t>
-            </a:r>
-            <a:r>
-              <a:rPr/>
-              <a:t> </a:t>
-            </a:r>
-            <a:r>
-              <a:rPr/>
-              <a:t>two</a:t>
-            </a:r>
-            <a:r>
-              <a:rPr/>
-              <a:t> </a:t>
-            </a:r>
-            <a:r>
-              <a:rPr/>
-              <a:t>diffent</a:t>
-            </a:r>
-            <a:r>
-              <a:rPr/>
-              <a:t> </a:t>
-            </a:r>
-            <a:r>
-              <a:rPr/>
-              <a:t>shapes,</a:t>
-            </a:r>
-            <a:r>
-              <a:rPr/>
-              <a:t> </a:t>
-            </a:r>
-            <a:r>
-              <a:rPr/>
-              <a:t>such</a:t>
-            </a:r>
-            <a:r>
-              <a:rPr/>
-              <a:t> </a:t>
-            </a:r>
-            <a:r>
-              <a:rPr/>
-              <a:t>as</a:t>
-            </a:r>
-            <a:r>
-              <a:rPr/>
-              <a:t> </a:t>
-            </a:r>
-            <a:r>
-              <a:rPr/>
-              <a:t>an</a:t>
-            </a:r>
-            <a:r>
-              <a:rPr/>
-              <a:t> </a:t>
-            </a:r>
-            <a:r>
-              <a:rPr/>
-              <a:t>X</a:t>
-            </a:r>
-            <a:r>
-              <a:rPr/>
-              <a:t> </a:t>
-            </a:r>
-            <a:r>
-              <a:rPr/>
-              <a:t>and</a:t>
-            </a:r>
-            <a:r>
-              <a:rPr/>
-              <a:t> </a:t>
-            </a:r>
-            <a:r>
-              <a:rPr/>
-              <a:t>an</a:t>
-            </a:r>
-            <a:r>
-              <a:rPr/>
-              <a:t> </a:t>
-            </a:r>
-            <a:r>
-              <a:rPr/>
-              <a:t>O</a:t>
-            </a:r>
-            <a:r>
-              <a:rPr/>
-              <a:t> </a:t>
-            </a:r>
-            <a:r>
-              <a:rPr/>
-              <a:t>on</a:t>
-            </a:r>
-            <a:r>
-              <a:rPr/>
-              <a:t> </a:t>
-            </a:r>
-            <a:r>
-              <a:rPr/>
-              <a:t>size.</a:t>
-            </a:r>
-            <a:r>
-              <a:rPr/>
-              <a:t> </a:t>
-            </a:r>
-            <a:r>
-              <a:rPr/>
-              <a:t>Is</a:t>
-            </a:r>
-            <a:r>
-              <a:rPr/>
-              <a:t> </a:t>
-            </a:r>
-            <a:r>
-              <a:rPr/>
-              <a:t>the</a:t>
-            </a:r>
-            <a:r>
-              <a:rPr/>
-              <a:t> </a:t>
-            </a:r>
-            <a:r>
-              <a:rPr/>
-              <a:t>size</a:t>
-            </a:r>
-            <a:r>
-              <a:rPr/>
-              <a:t> </a:t>
-            </a:r>
-            <a:r>
-              <a:rPr/>
-              <a:t>related</a:t>
-            </a:r>
-            <a:r>
-              <a:rPr/>
-              <a:t> </a:t>
-            </a:r>
-            <a:r>
-              <a:rPr/>
-              <a:t>to</a:t>
-            </a:r>
-            <a:r>
-              <a:rPr/>
-              <a:t> </a:t>
-            </a:r>
-            <a:r>
-              <a:rPr/>
-              <a:t>the</a:t>
-            </a:r>
-            <a:r>
-              <a:rPr/>
-              <a:t> </a:t>
-            </a:r>
-            <a:r>
-              <a:rPr/>
-              <a:t>diameter,</a:t>
-            </a:r>
-            <a:r>
-              <a:rPr/>
-              <a:t> </a:t>
-            </a:r>
-            <a:r>
-              <a:rPr/>
-              <a:t>the</a:t>
-            </a:r>
-            <a:r>
-              <a:rPr/>
-              <a:t> </a:t>
-            </a:r>
-            <a:r>
-              <a:rPr/>
-              <a:t>area,</a:t>
-            </a:r>
-            <a:r>
-              <a:rPr/>
-              <a:t> </a:t>
-            </a:r>
-            <a:r>
-              <a:rPr/>
-              <a:t>or</a:t>
-            </a:r>
-            <a:r>
-              <a:rPr/>
-              <a:t> </a:t>
-            </a:r>
-            <a:r>
-              <a:rPr/>
-              <a:t>the</a:t>
-            </a:r>
-            <a:r>
-              <a:rPr/>
-              <a:t> </a:t>
-            </a:r>
-            <a:r>
-              <a:rPr/>
-              <a:t>perimeter?</a:t>
-            </a:r>
-            <a:r>
-              <a:rPr/>
-              <a:t> </a:t>
-            </a:r>
-            <a:r>
-              <a:rPr/>
-              <a:t>There’s</a:t>
-            </a:r>
-            <a:r>
-              <a:rPr/>
-              <a:t> </a:t>
-            </a:r>
-            <a:r>
-              <a:rPr/>
-              <a:t>no</a:t>
-            </a:r>
-            <a:r>
-              <a:rPr/>
-              <a:t> </a:t>
-            </a:r>
-            <a:r>
-              <a:rPr/>
-              <a:t>really</a:t>
-            </a:r>
-            <a:r>
-              <a:rPr/>
-              <a:t> </a:t>
-            </a:r>
-            <a:r>
-              <a:rPr/>
-              <a:t>good</a:t>
-            </a:r>
-            <a:r>
-              <a:rPr/>
-              <a:t> </a:t>
-            </a:r>
-            <a:r>
-              <a:rPr/>
-              <a:t>answer,</a:t>
-            </a:r>
-            <a:r>
-              <a:rPr/>
-              <a:t> </a:t>
-            </a:r>
-            <a:r>
-              <a:rPr/>
-              <a:t>so</a:t>
-            </a:r>
-            <a:r>
-              <a:rPr/>
-              <a:t> </a:t>
-            </a:r>
-            <a:r>
-              <a:rPr/>
-              <a:t>it’s</a:t>
-            </a:r>
-            <a:r>
-              <a:rPr/>
-              <a:t> </a:t>
-            </a:r>
-            <a:r>
-              <a:rPr/>
-              <a:t>asking</a:t>
-            </a:r>
-            <a:r>
-              <a:rPr/>
-              <a:t> </a:t>
-            </a:r>
-            <a:r>
-              <a:rPr/>
-              <a:t>to</a:t>
-            </a:r>
-            <a:r>
-              <a:rPr/>
-              <a:t> </a:t>
-            </a:r>
-            <a:r>
-              <a:rPr/>
-              <a:t>much</a:t>
-            </a:r>
-            <a:r>
-              <a:rPr/>
-              <a:t> </a:t>
-            </a:r>
-            <a:r>
-              <a:rPr/>
-              <a:t>of</a:t>
-            </a:r>
-            <a:r>
-              <a:rPr/>
-              <a:t> </a:t>
-            </a:r>
-            <a:r>
-              <a:rPr/>
-              <a:t>a</a:t>
-            </a:r>
-            <a:r>
-              <a:rPr/>
-              <a:t> </a:t>
-            </a:r>
-            <a:r>
-              <a:rPr/>
-              <a:t>graph</a:t>
-            </a:r>
-            <a:r>
-              <a:rPr/>
-              <a:t> </a:t>
-            </a:r>
-            <a:r>
-              <a:rPr/>
-              <a:t>that</a:t>
-            </a:r>
-            <a:r>
-              <a:rPr/>
-              <a:t> </a:t>
-            </a:r>
-            <a:r>
-              <a:rPr/>
-              <a:t>asks</a:t>
-            </a:r>
-            <a:r>
-              <a:rPr/>
-              <a:t> </a:t>
-            </a:r>
-            <a:r>
-              <a:rPr/>
-              <a:t>you</a:t>
-            </a:r>
-            <a:r>
-              <a:rPr/>
-              <a:t> </a:t>
-            </a:r>
-            <a:r>
-              <a:rPr/>
-              <a:t>to</a:t>
-            </a:r>
-            <a:r>
-              <a:rPr/>
-              <a:t> </a:t>
-            </a:r>
-            <a:r>
-              <a:rPr/>
-              <a:t>decide</a:t>
-            </a:r>
-            <a:r>
-              <a:rPr/>
-              <a:t> </a:t>
-            </a:r>
-            <a:r>
-              <a:rPr/>
-              <a:t>which</a:t>
-            </a:r>
-            <a:r>
-              <a:rPr/>
-              <a:t> </a:t>
-            </a:r>
-            <a:r>
-              <a:rPr/>
-              <a:t>is</a:t>
-            </a:r>
-            <a:r>
-              <a:rPr/>
-              <a:t> </a:t>
-            </a:r>
-            <a:r>
-              <a:rPr/>
-              <a:t>larger</a:t>
-            </a:r>
-            <a:r>
-              <a:rPr/>
-              <a:t> </a:t>
-            </a:r>
-            <a:r>
-              <a:rPr/>
-              <a:t>among</a:t>
-            </a:r>
-            <a:r>
-              <a:rPr/>
-              <a:t> </a:t>
-            </a:r>
-            <a:r>
-              <a:rPr/>
-              <a:t>points</a:t>
-            </a:r>
-            <a:r>
-              <a:rPr/>
-              <a:t> </a:t>
-            </a:r>
-            <a:r>
-              <a:rPr/>
-              <a:t>represent</a:t>
-            </a:r>
-            <a:r>
-              <a:rPr/>
-              <a:t> </a:t>
-            </a:r>
-            <a:r>
-              <a:rPr/>
-              <a:t>different</a:t>
-            </a:r>
-            <a:r>
-              <a:rPr/>
-              <a:t> </a:t>
-            </a:r>
-            <a:r>
-              <a:rPr/>
-              <a:t>shapes.</a:t>
-            </a:r>
-            <a:r>
-              <a:rPr/>
-              <a:t> </a:t>
-            </a:r>
-            <a:r>
-              <a:rPr/>
-              <a:t>Either</a:t>
-            </a:r>
-            <a:r>
-              <a:rPr/>
-              <a:t> </a:t>
-            </a:r>
-            <a:r>
-              <a:rPr/>
-              <a:t>vary</a:t>
-            </a:r>
-            <a:r>
-              <a:rPr/>
-              <a:t> </a:t>
-            </a:r>
-            <a:r>
-              <a:rPr/>
-              <a:t>the</a:t>
-            </a:r>
-            <a:r>
-              <a:rPr/>
-              <a:t> </a:t>
-            </a:r>
-            <a:r>
-              <a:rPr/>
-              <a:t>shape</a:t>
-            </a:r>
-            <a:r>
-              <a:rPr/>
-              <a:t> </a:t>
-            </a:r>
-            <a:r>
-              <a:rPr/>
-              <a:t>or</a:t>
-            </a:r>
-            <a:r>
-              <a:rPr/>
-              <a:t> </a:t>
-            </a:r>
-            <a:r>
-              <a:rPr/>
-              <a:t>vary</a:t>
-            </a:r>
-            <a:r>
-              <a:rPr/>
-              <a:t> </a:t>
-            </a:r>
-            <a:r>
-              <a:rPr/>
-              <a:t>the</a:t>
-            </a:r>
-            <a:r>
-              <a:rPr/>
-              <a:t> </a:t>
-            </a:r>
-            <a:r>
-              <a:rPr/>
-              <a:t>size,</a:t>
-            </a:r>
-            <a:r>
-              <a:rPr/>
-              <a:t> </a:t>
-            </a:r>
-            <a:r>
-              <a:rPr/>
-              <a:t>but</a:t>
-            </a:r>
-            <a:r>
-              <a:rPr/>
-              <a:t> </a:t>
-            </a:r>
-            <a:r>
-              <a:rPr/>
-              <a:t>not</a:t>
-            </a:r>
-            <a:r>
-              <a:rPr/>
-              <a:t> </a:t>
-            </a:r>
-            <a:r>
-              <a:rPr/>
-              <a:t>both.</a:t>
             </a:r>
           </a:p>
         </p:txBody>
@@ -9596,55 +9593,204 @@
             </a:r>
             <a:r>
               <a:rPr/>
-              <a:t>Some</a:t>
-            </a:r>
-            <a:r>
-              <a:rPr/>
-              <a:t> </a:t>
-            </a:r>
-            <a:r>
-              <a:rPr/>
-              <a:t>restrictions</a:t>
+              <a:t>Use</a:t>
+            </a:r>
+            <a:r>
+              <a:rPr/>
+              <a:t> </a:t>
+            </a:r>
+            <a:r>
+              <a:rPr/>
+              <a:t>shape</a:t>
+            </a:r>
+            <a:r>
+              <a:rPr/>
+              <a:t> </a:t>
+            </a:r>
+            <a:r>
+              <a:rPr/>
+              <a:t>only</a:t>
+            </a:r>
+            <a:r>
+              <a:rPr/>
+              <a:t> </a:t>
+            </a:r>
+            <a:r>
+              <a:rPr/>
+              <a:t>for</a:t>
+            </a:r>
+            <a:r>
+              <a:rPr/>
+              <a:t> </a:t>
+            </a:r>
+            <a:r>
+              <a:rPr/>
+              <a:t>categorical</a:t>
+            </a:r>
+            <a:r>
+              <a:rPr/>
+              <a:t> </a:t>
+            </a:r>
+            <a:r>
+              <a:rPr/>
+              <a:t>variables</a:t>
             </a:r>
           </a:p>
         </p:txBody>
       </p:sp>
-      <p:sp>
-        <p:nvSpPr>
-          <p:cNvPr id="3" name="Content Placeholder 2"/>
-          <p:cNvSpPr>
-            <a:spLocks noGrp="1"/>
-          </p:cNvSpPr>
-          <p:nvPr>
-            <p:ph idx="1"/>
-          </p:nvPr>
-        </p:nvSpPr>
-        <p:spPr/>
-        <p:txBody>
-          <a:bodyPr/>
-          <a:lstStyle/>
-          <a:p>
-            <a:pPr lvl="1"/>
-            <a:r>
-              <a:rPr/>
-              <a:t>Shape is only good for categories</a:t>
-            </a:r>
-          </a:p>
-          <a:p>
-            <a:pPr lvl="1"/>
-            <a:r>
-              <a:rPr/>
-              <a:t>Shape and size don’t mix</a:t>
-            </a:r>
-          </a:p>
-        </p:txBody>
-      </p:sp>
+      <p:pic>
+        <p:nvPicPr>
+          <p:cNvPr descr="../images/r/shape-revisted.png" id="0" name="Picture 1"/>
+          <p:cNvPicPr>
+            <a:picLocks noGrp="1" noChangeAspect="1"/>
+          </p:cNvPicPr>
+          <p:nvPr/>
+        </p:nvPicPr>
+        <p:blipFill>
+          <a:blip r:embed="rId3"/>
+          <a:stretch>
+            <a:fillRect/>
+          </a:stretch>
+        </p:blipFill>
+        <p:spPr bwMode="auto">
+          <a:xfrm>
+            <a:off x="2311400" y="1600200"/>
+            <a:ext cx="4521200" cy="4521200"/>
+          </a:xfrm>
+          <a:prstGeom prst="rect">
+            <a:avLst/>
+          </a:prstGeom>
+          <a:noFill/>
+          <a:ln w="9525">
+            <a:noFill/>
+            <a:headEnd/>
+            <a:tailEnd/>
+          </a:ln>
+        </p:spPr>
+      </p:pic>
     </p:spTree>
   </p:cSld>
 </p:sld>
 </file>
 
 <file path=ppt/slides/slide12.xml><?xml version="1.0" encoding="utf-8"?>
+<p:sld xmlns:a="http://schemas.openxmlformats.org/drawingml/2006/main" xmlns:r="http://schemas.openxmlformats.org/officeDocument/2006/relationships" xmlns:p="http://schemas.openxmlformats.org/presentationml/2006/main">
+  <p:cSld>
+    <p:spTree>
+      <p:nvGrpSpPr>
+        <p:cNvPr id="1" name=""/>
+        <p:cNvGrpSpPr/>
+        <p:nvPr/>
+      </p:nvGrpSpPr>
+      <p:grpSpPr>
+        <a:xfrm>
+          <a:off x="0" y="0"/>
+          <a:ext cx="0" cy="0"/>
+          <a:chOff x="0" y="0"/>
+          <a:chExt cx="0" cy="0"/>
+        </a:xfrm>
+      </p:grpSpPr>
+      <p:sp>
+        <p:nvSpPr>
+          <p:cNvPr id="2" name="Title 1"/>
+          <p:cNvSpPr>
+            <a:spLocks noGrp="1"/>
+          </p:cNvSpPr>
+          <p:nvPr>
+            <p:ph type="title"/>
+          </p:nvPr>
+        </p:nvSpPr>
+        <p:spPr/>
+        <p:txBody>
+          <a:bodyPr/>
+          <a:lstStyle/>
+          <a:p>
+            <a:pPr lvl="0" marL="0" indent="0">
+              <a:buNone/>
+            </a:pPr>
+            <a:r>
+              <a:rPr/>
+              <a:t>Recommendations,</a:t>
+            </a:r>
+            <a:r>
+              <a:rPr/>
+              <a:t> </a:t>
+            </a:r>
+            <a:r>
+              <a:rPr/>
+              <a:t>Shape</a:t>
+            </a:r>
+            <a:r>
+              <a:rPr/>
+              <a:t> </a:t>
+            </a:r>
+            <a:r>
+              <a:rPr/>
+              <a:t>and</a:t>
+            </a:r>
+            <a:r>
+              <a:rPr/>
+              <a:t> </a:t>
+            </a:r>
+            <a:r>
+              <a:rPr/>
+              <a:t>size</a:t>
+            </a:r>
+            <a:r>
+              <a:rPr/>
+              <a:t> </a:t>
+            </a:r>
+            <a:r>
+              <a:rPr/>
+              <a:t>don’t</a:t>
+            </a:r>
+            <a:r>
+              <a:rPr/>
+              <a:t> </a:t>
+            </a:r>
+            <a:r>
+              <a:rPr/>
+              <a:t>mix</a:t>
+            </a:r>
+          </a:p>
+        </p:txBody>
+      </p:sp>
+      <p:pic>
+        <p:nvPicPr>
+          <p:cNvPr descr="../images/r/size-and-shape.png" id="0" name="Picture 1"/>
+          <p:cNvPicPr>
+            <a:picLocks noGrp="1" noChangeAspect="1"/>
+          </p:cNvPicPr>
+          <p:nvPr/>
+        </p:nvPicPr>
+        <p:blipFill>
+          <a:blip r:embed="rId3"/>
+          <a:stretch>
+            <a:fillRect/>
+          </a:stretch>
+        </p:blipFill>
+        <p:spPr bwMode="auto">
+          <a:xfrm>
+            <a:off x="2311400" y="1600200"/>
+            <a:ext cx="4521200" cy="4521200"/>
+          </a:xfrm>
+          <a:prstGeom prst="rect">
+            <a:avLst/>
+          </a:prstGeom>
+          <a:noFill/>
+          <a:ln w="9525">
+            <a:noFill/>
+            <a:headEnd/>
+            <a:tailEnd/>
+          </a:ln>
+        </p:spPr>
+      </p:pic>
+    </p:spTree>
+  </p:cSld>
+</p:sld>
+</file>
+
+<file path=ppt/slides/slide13.xml><?xml version="1.0" encoding="utf-8"?>
 <p:sld xmlns:a="http://schemas.openxmlformats.org/drawingml/2006/main" xmlns:r="http://schemas.openxmlformats.org/officeDocument/2006/relationships" xmlns:p="http://schemas.openxmlformats.org/presentationml/2006/main">
   <p:cSld>
     <p:spTree>
